--- a/Presentation/newsminer_plus.pptx
+++ b/Presentation/newsminer_plus.pptx
@@ -5,15 +5,18 @@
     <p:sldMasterId id="2147483648" r:id="rId1"/>
   </p:sldMasterIdLst>
   <p:notesMasterIdLst>
-    <p:notesMasterId r:id="rId5"/>
+    <p:notesMasterId r:id="rId8"/>
   </p:notesMasterIdLst>
   <p:handoutMasterIdLst>
-    <p:handoutMasterId r:id="rId6"/>
+    <p:handoutMasterId r:id="rId9"/>
   </p:handoutMasterIdLst>
   <p:sldIdLst>
     <p:sldId id="257" r:id="rId2"/>
-    <p:sldId id="280" r:id="rId3"/>
-    <p:sldId id="281" r:id="rId4"/>
+    <p:sldId id="282" r:id="rId3"/>
+    <p:sldId id="283" r:id="rId4"/>
+    <p:sldId id="284" r:id="rId5"/>
+    <p:sldId id="280" r:id="rId6"/>
+    <p:sldId id="281" r:id="rId7"/>
   </p:sldIdLst>
   <p:sldSz cx="9144000" cy="6858000" type="screen4x3"/>
   <p:notesSz cx="6858000" cy="9144000"/>
@@ -3774,6 +3777,443 @@
             <p:ph type="title"/>
           </p:nvPr>
         </p:nvSpPr>
+        <p:spPr/>
+        <p:txBody>
+          <a:bodyPr>
+            <a:normAutofit/>
+          </a:bodyPr>
+          <a:lstStyle/>
+          <a:p>
+            <a:r>
+              <a:rPr lang="en-US" dirty="0" err="1" smtClean="0"/>
+              <a:t>Idee</a:t>
+            </a:r>
+            <a:endParaRPr lang="en-US" dirty="0"/>
+          </a:p>
+        </p:txBody>
+      </p:sp>
+      <p:sp>
+        <p:nvSpPr>
+          <p:cNvPr id="3" name="Inhaltsplatzhalter 2"/>
+          <p:cNvSpPr>
+            <a:spLocks noGrp="1"/>
+          </p:cNvSpPr>
+          <p:nvPr>
+            <p:ph idx="1"/>
+          </p:nvPr>
+        </p:nvSpPr>
+        <p:spPr/>
+        <p:txBody>
+          <a:bodyPr/>
+          <a:lstStyle/>
+          <a:p>
+            <a:endParaRPr lang="en-US"/>
+          </a:p>
+        </p:txBody>
+      </p:sp>
+      <p:sp>
+        <p:nvSpPr>
+          <p:cNvPr id="4" name="Datumsplatzhalter 3"/>
+          <p:cNvSpPr>
+            <a:spLocks noGrp="1"/>
+          </p:cNvSpPr>
+          <p:nvPr>
+            <p:ph type="dt" sz="half" idx="10"/>
+          </p:nvPr>
+        </p:nvSpPr>
+        <p:spPr/>
+        <p:txBody>
+          <a:bodyPr/>
+          <a:lstStyle/>
+          <a:p>
+            <a:r>
+              <a:rPr lang="en-US" smtClean="0"/>
+              <a:t>16. Juli 2014</a:t>
+            </a:r>
+            <a:endParaRPr lang="en-US"/>
+          </a:p>
+        </p:txBody>
+      </p:sp>
+      <p:sp>
+        <p:nvSpPr>
+          <p:cNvPr id="5" name="Fußzeilenplatzhalter 4"/>
+          <p:cNvSpPr>
+            <a:spLocks noGrp="1"/>
+          </p:cNvSpPr>
+          <p:nvPr>
+            <p:ph type="ftr" sz="quarter" idx="11"/>
+          </p:nvPr>
+        </p:nvSpPr>
+        <p:spPr/>
+        <p:txBody>
+          <a:bodyPr/>
+          <a:lstStyle/>
+          <a:p>
+            <a:r>
+              <a:rPr lang="de-DE" smtClean="0"/>
+              <a:t>NM+ - Zwischenpräsentation | RF, TG, SM</a:t>
+            </a:r>
+            <a:endParaRPr lang="en-US"/>
+          </a:p>
+        </p:txBody>
+      </p:sp>
+      <p:sp>
+        <p:nvSpPr>
+          <p:cNvPr id="6" name="Foliennummernplatzhalter 5"/>
+          <p:cNvSpPr>
+            <a:spLocks noGrp="1"/>
+          </p:cNvSpPr>
+          <p:nvPr>
+            <p:ph type="sldNum" sz="quarter" idx="12"/>
+          </p:nvPr>
+        </p:nvSpPr>
+        <p:spPr/>
+        <p:txBody>
+          <a:bodyPr/>
+          <a:lstStyle/>
+          <a:p>
+            <a:fld id="{94BAB08E-C97D-4120-AD51-349303B9E4E3}" type="slidenum">
+              <a:rPr lang="en-US" smtClean="0"/>
+              <a:pPr/>
+              <a:t>2</a:t>
+            </a:fld>
+            <a:endParaRPr lang="en-US"/>
+          </a:p>
+        </p:txBody>
+      </p:sp>
+    </p:spTree>
+  </p:cSld>
+  <p:clrMapOvr>
+    <a:masterClrMapping/>
+  </p:clrMapOvr>
+  <p:transition/>
+  <p:timing>
+    <p:tnLst>
+      <p:par>
+        <p:cTn id="1" dur="indefinite" restart="never" nodeType="tmRoot"/>
+      </p:par>
+    </p:tnLst>
+  </p:timing>
+</p:sld>
+</file>
+
+<file path=ppt/slides/slide3.xml><?xml version="1.0" encoding="utf-8"?>
+<p:sld xmlns:a="http://schemas.openxmlformats.org/drawingml/2006/main" xmlns:r="http://schemas.openxmlformats.org/officeDocument/2006/relationships" xmlns:p="http://schemas.openxmlformats.org/presentationml/2006/main">
+  <p:cSld>
+    <p:spTree>
+      <p:nvGrpSpPr>
+        <p:cNvPr id="1" name=""/>
+        <p:cNvGrpSpPr/>
+        <p:nvPr/>
+      </p:nvGrpSpPr>
+      <p:grpSpPr>
+        <a:xfrm>
+          <a:off x="0" y="0"/>
+          <a:ext cx="0" cy="0"/>
+          <a:chOff x="0" y="0"/>
+          <a:chExt cx="0" cy="0"/>
+        </a:xfrm>
+      </p:grpSpPr>
+      <p:sp>
+        <p:nvSpPr>
+          <p:cNvPr id="2" name="Titel 1"/>
+          <p:cNvSpPr>
+            <a:spLocks noGrp="1"/>
+          </p:cNvSpPr>
+          <p:nvPr>
+            <p:ph type="title"/>
+          </p:nvPr>
+        </p:nvSpPr>
+        <p:spPr/>
+        <p:txBody>
+          <a:bodyPr/>
+          <a:lstStyle/>
+          <a:p>
+            <a:r>
+              <a:rPr lang="en-US" dirty="0" err="1" smtClean="0"/>
+              <a:t>Wie</a:t>
+            </a:r>
+            <a:endParaRPr lang="en-US" dirty="0"/>
+          </a:p>
+        </p:txBody>
+      </p:sp>
+      <p:sp>
+        <p:nvSpPr>
+          <p:cNvPr id="3" name="Inhaltsplatzhalter 2"/>
+          <p:cNvSpPr>
+            <a:spLocks noGrp="1"/>
+          </p:cNvSpPr>
+          <p:nvPr>
+            <p:ph idx="1"/>
+          </p:nvPr>
+        </p:nvSpPr>
+        <p:spPr/>
+        <p:txBody>
+          <a:bodyPr/>
+          <a:lstStyle/>
+          <a:p>
+            <a:endParaRPr lang="en-US"/>
+          </a:p>
+        </p:txBody>
+      </p:sp>
+      <p:sp>
+        <p:nvSpPr>
+          <p:cNvPr id="4" name="Datumsplatzhalter 3"/>
+          <p:cNvSpPr>
+            <a:spLocks noGrp="1"/>
+          </p:cNvSpPr>
+          <p:nvPr>
+            <p:ph type="dt" sz="half" idx="10"/>
+          </p:nvPr>
+        </p:nvSpPr>
+        <p:spPr/>
+        <p:txBody>
+          <a:bodyPr/>
+          <a:lstStyle/>
+          <a:p>
+            <a:r>
+              <a:rPr lang="en-US" smtClean="0"/>
+              <a:t>16. Juli 2014</a:t>
+            </a:r>
+            <a:endParaRPr lang="en-US"/>
+          </a:p>
+        </p:txBody>
+      </p:sp>
+      <p:sp>
+        <p:nvSpPr>
+          <p:cNvPr id="5" name="Fußzeilenplatzhalter 4"/>
+          <p:cNvSpPr>
+            <a:spLocks noGrp="1"/>
+          </p:cNvSpPr>
+          <p:nvPr>
+            <p:ph type="ftr" sz="quarter" idx="11"/>
+          </p:nvPr>
+        </p:nvSpPr>
+        <p:spPr/>
+        <p:txBody>
+          <a:bodyPr/>
+          <a:lstStyle/>
+          <a:p>
+            <a:r>
+              <a:rPr lang="de-DE" smtClean="0"/>
+              <a:t>NM+ - Zwischenpräsentation | RF, TG, SM</a:t>
+            </a:r>
+            <a:endParaRPr lang="en-US"/>
+          </a:p>
+        </p:txBody>
+      </p:sp>
+      <p:sp>
+        <p:nvSpPr>
+          <p:cNvPr id="6" name="Foliennummernplatzhalter 5"/>
+          <p:cNvSpPr>
+            <a:spLocks noGrp="1"/>
+          </p:cNvSpPr>
+          <p:nvPr>
+            <p:ph type="sldNum" sz="quarter" idx="12"/>
+          </p:nvPr>
+        </p:nvSpPr>
+        <p:spPr/>
+        <p:txBody>
+          <a:bodyPr/>
+          <a:lstStyle/>
+          <a:p>
+            <a:fld id="{94BAB08E-C97D-4120-AD51-349303B9E4E3}" type="slidenum">
+              <a:rPr lang="en-US" smtClean="0"/>
+              <a:pPr/>
+              <a:t>3</a:t>
+            </a:fld>
+            <a:endParaRPr lang="en-US"/>
+          </a:p>
+        </p:txBody>
+      </p:sp>
+    </p:spTree>
+  </p:cSld>
+  <p:clrMapOvr>
+    <a:masterClrMapping/>
+  </p:clrMapOvr>
+  <p:transition/>
+  <p:timing>
+    <p:tnLst>
+      <p:par>
+        <p:cTn id="1" dur="indefinite" restart="never" nodeType="tmRoot"/>
+      </p:par>
+    </p:tnLst>
+  </p:timing>
+</p:sld>
+</file>
+
+<file path=ppt/slides/slide4.xml><?xml version="1.0" encoding="utf-8"?>
+<p:sld xmlns:a="http://schemas.openxmlformats.org/drawingml/2006/main" xmlns:r="http://schemas.openxmlformats.org/officeDocument/2006/relationships" xmlns:p="http://schemas.openxmlformats.org/presentationml/2006/main">
+  <p:cSld>
+    <p:spTree>
+      <p:nvGrpSpPr>
+        <p:cNvPr id="1" name=""/>
+        <p:cNvGrpSpPr/>
+        <p:nvPr/>
+      </p:nvGrpSpPr>
+      <p:grpSpPr>
+        <a:xfrm>
+          <a:off x="0" y="0"/>
+          <a:ext cx="0" cy="0"/>
+          <a:chOff x="0" y="0"/>
+          <a:chExt cx="0" cy="0"/>
+        </a:xfrm>
+      </p:grpSpPr>
+      <p:sp>
+        <p:nvSpPr>
+          <p:cNvPr id="2" name="Titel 1"/>
+          <p:cNvSpPr>
+            <a:spLocks noGrp="1"/>
+          </p:cNvSpPr>
+          <p:nvPr>
+            <p:ph type="title"/>
+          </p:nvPr>
+        </p:nvSpPr>
+        <p:spPr/>
+        <p:txBody>
+          <a:bodyPr/>
+          <a:lstStyle/>
+          <a:p>
+            <a:r>
+              <a:rPr lang="en-US" dirty="0" smtClean="0"/>
+              <a:t>Was</a:t>
+            </a:r>
+            <a:endParaRPr lang="en-US" dirty="0"/>
+          </a:p>
+        </p:txBody>
+      </p:sp>
+      <p:sp>
+        <p:nvSpPr>
+          <p:cNvPr id="3" name="Inhaltsplatzhalter 2"/>
+          <p:cNvSpPr>
+            <a:spLocks noGrp="1"/>
+          </p:cNvSpPr>
+          <p:nvPr>
+            <p:ph idx="1"/>
+          </p:nvPr>
+        </p:nvSpPr>
+        <p:spPr/>
+        <p:txBody>
+          <a:bodyPr/>
+          <a:lstStyle/>
+          <a:p>
+            <a:endParaRPr lang="en-US"/>
+          </a:p>
+        </p:txBody>
+      </p:sp>
+      <p:sp>
+        <p:nvSpPr>
+          <p:cNvPr id="4" name="Datumsplatzhalter 3"/>
+          <p:cNvSpPr>
+            <a:spLocks noGrp="1"/>
+          </p:cNvSpPr>
+          <p:nvPr>
+            <p:ph type="dt" sz="half" idx="10"/>
+          </p:nvPr>
+        </p:nvSpPr>
+        <p:spPr/>
+        <p:txBody>
+          <a:bodyPr/>
+          <a:lstStyle/>
+          <a:p>
+            <a:r>
+              <a:rPr lang="en-US" smtClean="0"/>
+              <a:t>16. Juli 2014</a:t>
+            </a:r>
+            <a:endParaRPr lang="en-US"/>
+          </a:p>
+        </p:txBody>
+      </p:sp>
+      <p:sp>
+        <p:nvSpPr>
+          <p:cNvPr id="5" name="Fußzeilenplatzhalter 4"/>
+          <p:cNvSpPr>
+            <a:spLocks noGrp="1"/>
+          </p:cNvSpPr>
+          <p:nvPr>
+            <p:ph type="ftr" sz="quarter" idx="11"/>
+          </p:nvPr>
+        </p:nvSpPr>
+        <p:spPr/>
+        <p:txBody>
+          <a:bodyPr/>
+          <a:lstStyle/>
+          <a:p>
+            <a:r>
+              <a:rPr lang="de-DE" smtClean="0"/>
+              <a:t>NM+ - Zwischenpräsentation | RF, TG, SM</a:t>
+            </a:r>
+            <a:endParaRPr lang="en-US"/>
+          </a:p>
+        </p:txBody>
+      </p:sp>
+      <p:sp>
+        <p:nvSpPr>
+          <p:cNvPr id="6" name="Foliennummernplatzhalter 5"/>
+          <p:cNvSpPr>
+            <a:spLocks noGrp="1"/>
+          </p:cNvSpPr>
+          <p:nvPr>
+            <p:ph type="sldNum" sz="quarter" idx="12"/>
+          </p:nvPr>
+        </p:nvSpPr>
+        <p:spPr/>
+        <p:txBody>
+          <a:bodyPr/>
+          <a:lstStyle/>
+          <a:p>
+            <a:fld id="{94BAB08E-C97D-4120-AD51-349303B9E4E3}" type="slidenum">
+              <a:rPr lang="en-US" smtClean="0"/>
+              <a:pPr/>
+              <a:t>4</a:t>
+            </a:fld>
+            <a:endParaRPr lang="en-US"/>
+          </a:p>
+        </p:txBody>
+      </p:sp>
+    </p:spTree>
+  </p:cSld>
+  <p:clrMapOvr>
+    <a:masterClrMapping/>
+  </p:clrMapOvr>
+  <p:transition/>
+  <p:timing>
+    <p:tnLst>
+      <p:par>
+        <p:cTn id="1" dur="indefinite" restart="never" nodeType="tmRoot"/>
+      </p:par>
+    </p:tnLst>
+  </p:timing>
+</p:sld>
+</file>
+
+<file path=ppt/slides/slide5.xml><?xml version="1.0" encoding="utf-8"?>
+<p:sld xmlns:a="http://schemas.openxmlformats.org/drawingml/2006/main" xmlns:r="http://schemas.openxmlformats.org/officeDocument/2006/relationships" xmlns:p="http://schemas.openxmlformats.org/presentationml/2006/main">
+  <p:cSld>
+    <p:spTree>
+      <p:nvGrpSpPr>
+        <p:cNvPr id="1" name=""/>
+        <p:cNvGrpSpPr/>
+        <p:nvPr/>
+      </p:nvGrpSpPr>
+      <p:grpSpPr>
+        <a:xfrm>
+          <a:off x="0" y="0"/>
+          <a:ext cx="0" cy="0"/>
+          <a:chOff x="0" y="0"/>
+          <a:chExt cx="0" cy="0"/>
+        </a:xfrm>
+      </p:grpSpPr>
+      <p:sp>
+        <p:nvSpPr>
+          <p:cNvPr id="2" name="Titel 1"/>
+          <p:cNvSpPr>
+            <a:spLocks noGrp="1"/>
+          </p:cNvSpPr>
+          <p:nvPr>
+            <p:ph type="title"/>
+          </p:nvPr>
+        </p:nvSpPr>
         <p:spPr>
           <a:xfrm>
             <a:off x="457200" y="1905000"/>
@@ -3822,7 +4262,7 @@
             <a:fld id="{94BAB08E-C97D-4120-AD51-349303B9E4E3}" type="slidenum">
               <a:rPr lang="en-US" smtClean="0"/>
               <a:pPr/>
-              <a:t>2</a:t>
+              <a:t>5</a:t>
             </a:fld>
             <a:endParaRPr lang="en-US" dirty="0"/>
           </a:p>
@@ -3859,8 +4299,8 @@
         </p:nvSpPr>
         <p:spPr>
           <a:xfrm>
-            <a:off x="1029716" y="3276600"/>
-            <a:ext cx="7084568" cy="954107"/>
+            <a:off x="4038040" y="3276600"/>
+            <a:ext cx="1067920" cy="523220"/>
           </a:xfrm>
           <a:prstGeom prst="rect">
             <a:avLst/>
@@ -3875,17 +4315,10 @@
           <a:p>
             <a:pPr algn="ctr"/>
             <a:r>
-              <a:rPr lang="en-US" sz="2800" dirty="0" smtClean="0"/>
-              <a:t>Don’t decide what you want to use, </a:t>
-            </a:r>
-            <a:br>
-              <a:rPr lang="en-US" sz="2800" dirty="0" smtClean="0"/>
-            </a:br>
-            <a:r>
-              <a:rPr lang="en-US" sz="2800" dirty="0" smtClean="0"/>
-              <a:t>before you know what your application needs.</a:t>
-            </a:r>
-            <a:endParaRPr lang="en-US" sz="2800" dirty="0"/>
+              <a:rPr lang="en-US" sz="2800" dirty="0" err="1" smtClean="0"/>
+              <a:t>Blubb</a:t>
+            </a:r>
+            <a:endParaRPr lang="en-US" sz="2800" dirty="0" smtClean="0"/>
           </a:p>
         </p:txBody>
       </p:sp>
@@ -3999,7 +4432,7 @@
 </p:sld>
 </file>
 
-<file path=ppt/slides/slide3.xml><?xml version="1.0" encoding="utf-8"?>
+<file path=ppt/slides/slide6.xml><?xml version="1.0" encoding="utf-8"?>
 <p:sld xmlns:a="http://schemas.openxmlformats.org/drawingml/2006/main" xmlns:r="http://schemas.openxmlformats.org/officeDocument/2006/relationships" xmlns:p="http://schemas.openxmlformats.org/presentationml/2006/main">
   <p:cSld>
     <p:spTree>
@@ -4057,7 +4490,7 @@
             <a:fld id="{94BAB08E-C97D-4120-AD51-349303B9E4E3}" type="slidenum">
               <a:rPr lang="en-US" smtClean="0"/>
               <a:pPr/>
-              <a:t>3</a:t>
+              <a:t>6</a:t>
             </a:fld>
             <a:endParaRPr lang="en-US" dirty="0"/>
           </a:p>

--- a/Presentation/newsminer_plus.pptx
+++ b/Presentation/newsminer_plus.pptx
@@ -1363,10 +1363,10 @@
           <a:lstStyle/>
           <a:p>
             <a:r>
-              <a:rPr lang="de-DE" smtClean="0"/>
+              <a:rPr lang="de-DE" dirty="0" smtClean="0"/>
               <a:t>Titelmasterformat durch Klicken bearbeiten</a:t>
             </a:r>
-            <a:endParaRPr lang="en-US"/>
+            <a:endParaRPr lang="en-US" dirty="0"/>
           </a:p>
         </p:txBody>
       </p:sp>
@@ -1387,38 +1387,38 @@
           <a:p>
             <a:pPr lvl="0"/>
             <a:r>
-              <a:rPr lang="de-DE" smtClean="0"/>
+              <a:rPr lang="de-DE" dirty="0" smtClean="0"/>
               <a:t>Textmasterformate durch Klicken bearbeiten</a:t>
             </a:r>
           </a:p>
           <a:p>
             <a:pPr lvl="1"/>
             <a:r>
-              <a:rPr lang="de-DE" smtClean="0"/>
+              <a:rPr lang="de-DE" dirty="0" smtClean="0"/>
               <a:t>Zweite Ebene</a:t>
             </a:r>
           </a:p>
           <a:p>
             <a:pPr lvl="2"/>
             <a:r>
-              <a:rPr lang="de-DE" smtClean="0"/>
+              <a:rPr lang="de-DE" dirty="0" smtClean="0"/>
               <a:t>Dritte Ebene</a:t>
             </a:r>
           </a:p>
           <a:p>
             <a:pPr lvl="3"/>
             <a:r>
-              <a:rPr lang="de-DE" smtClean="0"/>
+              <a:rPr lang="de-DE" dirty="0" smtClean="0"/>
               <a:t>Vierte Ebene</a:t>
             </a:r>
           </a:p>
           <a:p>
             <a:pPr lvl="4"/>
             <a:r>
-              <a:rPr lang="de-DE" smtClean="0"/>
+              <a:rPr lang="de-DE" dirty="0" smtClean="0"/>
               <a:t>Fünfte Ebene</a:t>
             </a:r>
-            <a:endParaRPr lang="en-US"/>
+            <a:endParaRPr lang="en-US" dirty="0"/>
           </a:p>
         </p:txBody>
       </p:sp>
@@ -1498,6 +1498,13 @@
     <a:masterClrMapping/>
   </p:clrMapOvr>
   <p:transition/>
+  <p:timing>
+    <p:tnLst>
+      <p:par>
+        <p:cTn id="1" dur="indefinite" restart="never" nodeType="tmRoot"/>
+      </p:par>
+    </p:tnLst>
+  </p:timing>
 </p:sldLayout>
 </file>
 
@@ -4561,7 +4568,7 @@
 <file path=ppt/theme/theme1.xml><?xml version="1.0" encoding="utf-8"?>
 <a:theme xmlns:a="http://schemas.openxmlformats.org/drawingml/2006/main" name="Präsentation1">
   <a:themeElements>
-    <a:clrScheme name="Dactylos">
+    <a:clrScheme name="Hyperion">
       <a:dk1>
         <a:sysClr val="windowText" lastClr="000000"/>
       </a:dk1>
@@ -4569,34 +4576,34 @@
         <a:sysClr val="window" lastClr="FFFFFF"/>
       </a:lt1>
       <a:dk2>
-        <a:srgbClr val="696464"/>
+        <a:srgbClr val="04617B"/>
       </a:dk2>
       <a:lt2>
-        <a:srgbClr val="E9E5DC"/>
+        <a:srgbClr val="DBF5F9"/>
       </a:lt2>
       <a:accent1>
-        <a:srgbClr val="D34817"/>
+        <a:srgbClr val="0F6FC6"/>
       </a:accent1>
       <a:accent2>
-        <a:srgbClr val="9B2D1F"/>
+        <a:srgbClr val="009DD9"/>
       </a:accent2>
       <a:accent3>
-        <a:srgbClr val="A28E6A"/>
+        <a:srgbClr val="0BD0D9"/>
       </a:accent3>
       <a:accent4>
-        <a:srgbClr val="956251"/>
+        <a:srgbClr val="10CF9B"/>
       </a:accent4>
       <a:accent5>
-        <a:srgbClr val="918485"/>
+        <a:srgbClr val="7CCA62"/>
       </a:accent5>
       <a:accent6>
-        <a:srgbClr val="855D5D"/>
+        <a:srgbClr val="A5C249"/>
       </a:accent6>
       <a:hlink>
-        <a:srgbClr val="CC9900"/>
+        <a:srgbClr val="E2D700"/>
       </a:hlink>
       <a:folHlink>
-        <a:srgbClr val="96A9A9"/>
+        <a:srgbClr val="85DFD0"/>
       </a:folHlink>
     </a:clrScheme>
     <a:fontScheme name="RF">

--- a/Presentation/newsminer_plus.pptx
+++ b/Presentation/newsminer_plus.pptx
@@ -5,18 +5,24 @@
     <p:sldMasterId id="2147483648" r:id="rId1"/>
   </p:sldMasterIdLst>
   <p:notesMasterIdLst>
-    <p:notesMasterId r:id="rId8"/>
+    <p:notesMasterId r:id="rId14"/>
   </p:notesMasterIdLst>
   <p:handoutMasterIdLst>
-    <p:handoutMasterId r:id="rId9"/>
+    <p:handoutMasterId r:id="rId15"/>
   </p:handoutMasterIdLst>
   <p:sldIdLst>
     <p:sldId id="257" r:id="rId2"/>
     <p:sldId id="282" r:id="rId3"/>
-    <p:sldId id="283" r:id="rId4"/>
+    <p:sldId id="290" r:id="rId4"/>
     <p:sldId id="284" r:id="rId5"/>
-    <p:sldId id="280" r:id="rId6"/>
-    <p:sldId id="281" r:id="rId7"/>
+    <p:sldId id="286" r:id="rId6"/>
+    <p:sldId id="283" r:id="rId7"/>
+    <p:sldId id="280" r:id="rId8"/>
+    <p:sldId id="281" r:id="rId9"/>
+    <p:sldId id="285" r:id="rId10"/>
+    <p:sldId id="288" r:id="rId11"/>
+    <p:sldId id="289" r:id="rId12"/>
+    <p:sldId id="287" r:id="rId13"/>
   </p:sldIdLst>
   <p:sldSz cx="9144000" cy="6858000" type="screen4x3"/>
   <p:notesSz cx="6858000" cy="9144000"/>
@@ -118,6 +124,4380 @@
 </p:presentation>
 </file>
 
+<file path=ppt/diagrams/colors1.xml><?xml version="1.0" encoding="utf-8"?>
+<dgm:colorsDef xmlns:dgm="http://schemas.openxmlformats.org/drawingml/2006/diagram" xmlns:a="http://schemas.openxmlformats.org/drawingml/2006/main" uniqueId="urn:microsoft.com/office/officeart/2005/8/colors/accent1_2">
+  <dgm:title val=""/>
+  <dgm:desc val=""/>
+  <dgm:catLst>
+    <dgm:cat type="accent1" pri="11200"/>
+  </dgm:catLst>
+  <dgm:styleLbl name="node0">
+    <dgm:fillClrLst meth="repeat">
+      <a:schemeClr val="accent1"/>
+    </dgm:fillClrLst>
+    <dgm:linClrLst meth="repeat">
+      <a:schemeClr val="lt1"/>
+    </dgm:linClrLst>
+    <dgm:effectClrLst/>
+    <dgm:txLinClrLst/>
+    <dgm:txFillClrLst/>
+    <dgm:txEffectClrLst/>
+  </dgm:styleLbl>
+  <dgm:styleLbl name="alignNode1">
+    <dgm:fillClrLst meth="repeat">
+      <a:schemeClr val="accent1"/>
+    </dgm:fillClrLst>
+    <dgm:linClrLst meth="repeat">
+      <a:schemeClr val="accent1"/>
+    </dgm:linClrLst>
+    <dgm:effectClrLst/>
+    <dgm:txLinClrLst/>
+    <dgm:txFillClrLst/>
+    <dgm:txEffectClrLst/>
+  </dgm:styleLbl>
+  <dgm:styleLbl name="node1">
+    <dgm:fillClrLst meth="repeat">
+      <a:schemeClr val="accent1"/>
+    </dgm:fillClrLst>
+    <dgm:linClrLst meth="repeat">
+      <a:schemeClr val="lt1"/>
+    </dgm:linClrLst>
+    <dgm:effectClrLst/>
+    <dgm:txLinClrLst/>
+    <dgm:txFillClrLst/>
+    <dgm:txEffectClrLst/>
+  </dgm:styleLbl>
+  <dgm:styleLbl name="lnNode1">
+    <dgm:fillClrLst meth="repeat">
+      <a:schemeClr val="accent1"/>
+    </dgm:fillClrLst>
+    <dgm:linClrLst meth="repeat">
+      <a:schemeClr val="lt1"/>
+    </dgm:linClrLst>
+    <dgm:effectClrLst/>
+    <dgm:txLinClrLst/>
+    <dgm:txFillClrLst/>
+    <dgm:txEffectClrLst/>
+  </dgm:styleLbl>
+  <dgm:styleLbl name="vennNode1">
+    <dgm:fillClrLst meth="repeat">
+      <a:schemeClr val="accent1">
+        <a:alpha val="50000"/>
+      </a:schemeClr>
+    </dgm:fillClrLst>
+    <dgm:linClrLst meth="repeat">
+      <a:schemeClr val="lt1"/>
+    </dgm:linClrLst>
+    <dgm:effectClrLst/>
+    <dgm:txLinClrLst/>
+    <dgm:txFillClrLst/>
+    <dgm:txEffectClrLst/>
+  </dgm:styleLbl>
+  <dgm:styleLbl name="node2">
+    <dgm:fillClrLst meth="repeat">
+      <a:schemeClr val="accent1"/>
+    </dgm:fillClrLst>
+    <dgm:linClrLst meth="repeat">
+      <a:schemeClr val="lt1"/>
+    </dgm:linClrLst>
+    <dgm:effectClrLst/>
+    <dgm:txLinClrLst/>
+    <dgm:txFillClrLst/>
+    <dgm:txEffectClrLst/>
+  </dgm:styleLbl>
+  <dgm:styleLbl name="node3">
+    <dgm:fillClrLst meth="repeat">
+      <a:schemeClr val="accent1"/>
+    </dgm:fillClrLst>
+    <dgm:linClrLst meth="repeat">
+      <a:schemeClr val="lt1"/>
+    </dgm:linClrLst>
+    <dgm:effectClrLst/>
+    <dgm:txLinClrLst/>
+    <dgm:txFillClrLst/>
+    <dgm:txEffectClrLst/>
+  </dgm:styleLbl>
+  <dgm:styleLbl name="node4">
+    <dgm:fillClrLst meth="repeat">
+      <a:schemeClr val="accent1"/>
+    </dgm:fillClrLst>
+    <dgm:linClrLst meth="repeat">
+      <a:schemeClr val="lt1"/>
+    </dgm:linClrLst>
+    <dgm:effectClrLst/>
+    <dgm:txLinClrLst/>
+    <dgm:txFillClrLst/>
+    <dgm:txEffectClrLst/>
+  </dgm:styleLbl>
+  <dgm:styleLbl name="fgImgPlace1">
+    <dgm:fillClrLst meth="repeat">
+      <a:schemeClr val="accent1">
+        <a:tint val="50000"/>
+      </a:schemeClr>
+    </dgm:fillClrLst>
+    <dgm:linClrLst meth="repeat">
+      <a:schemeClr val="lt1"/>
+    </dgm:linClrLst>
+    <dgm:effectClrLst/>
+    <dgm:txLinClrLst/>
+    <dgm:txFillClrLst meth="repeat">
+      <a:schemeClr val="lt1"/>
+    </dgm:txFillClrLst>
+    <dgm:txEffectClrLst/>
+  </dgm:styleLbl>
+  <dgm:styleLbl name="alignImgPlace1">
+    <dgm:fillClrLst meth="repeat">
+      <a:schemeClr val="accent1">
+        <a:tint val="50000"/>
+      </a:schemeClr>
+    </dgm:fillClrLst>
+    <dgm:linClrLst meth="repeat">
+      <a:schemeClr val="lt1"/>
+    </dgm:linClrLst>
+    <dgm:effectClrLst/>
+    <dgm:txLinClrLst/>
+    <dgm:txFillClrLst meth="repeat">
+      <a:schemeClr val="lt1"/>
+    </dgm:txFillClrLst>
+    <dgm:txEffectClrLst/>
+  </dgm:styleLbl>
+  <dgm:styleLbl name="bgImgPlace1">
+    <dgm:fillClrLst meth="repeat">
+      <a:schemeClr val="accent1">
+        <a:tint val="50000"/>
+      </a:schemeClr>
+    </dgm:fillClrLst>
+    <dgm:linClrLst meth="repeat">
+      <a:schemeClr val="lt1"/>
+    </dgm:linClrLst>
+    <dgm:effectClrLst/>
+    <dgm:txLinClrLst/>
+    <dgm:txFillClrLst meth="repeat">
+      <a:schemeClr val="lt1"/>
+    </dgm:txFillClrLst>
+    <dgm:txEffectClrLst/>
+  </dgm:styleLbl>
+  <dgm:styleLbl name="sibTrans2D1">
+    <dgm:fillClrLst meth="repeat">
+      <a:schemeClr val="accent1">
+        <a:tint val="60000"/>
+      </a:schemeClr>
+    </dgm:fillClrLst>
+    <dgm:linClrLst meth="repeat">
+      <a:schemeClr val="accent1">
+        <a:tint val="60000"/>
+      </a:schemeClr>
+    </dgm:linClrLst>
+    <dgm:effectClrLst/>
+    <dgm:txLinClrLst/>
+    <dgm:txFillClrLst/>
+    <dgm:txEffectClrLst/>
+  </dgm:styleLbl>
+  <dgm:styleLbl name="fgSibTrans2D1">
+    <dgm:fillClrLst meth="repeat">
+      <a:schemeClr val="accent1">
+        <a:tint val="60000"/>
+      </a:schemeClr>
+    </dgm:fillClrLst>
+    <dgm:linClrLst meth="repeat">
+      <a:schemeClr val="accent1">
+        <a:tint val="60000"/>
+      </a:schemeClr>
+    </dgm:linClrLst>
+    <dgm:effectClrLst/>
+    <dgm:txLinClrLst/>
+    <dgm:txFillClrLst/>
+    <dgm:txEffectClrLst/>
+  </dgm:styleLbl>
+  <dgm:styleLbl name="bgSibTrans2D1">
+    <dgm:fillClrLst meth="repeat">
+      <a:schemeClr val="accent1">
+        <a:tint val="60000"/>
+      </a:schemeClr>
+    </dgm:fillClrLst>
+    <dgm:linClrLst meth="repeat">
+      <a:schemeClr val="accent1">
+        <a:tint val="60000"/>
+      </a:schemeClr>
+    </dgm:linClrLst>
+    <dgm:effectClrLst/>
+    <dgm:txLinClrLst/>
+    <dgm:txFillClrLst/>
+    <dgm:txEffectClrLst/>
+  </dgm:styleLbl>
+  <dgm:styleLbl name="sibTrans1D1">
+    <dgm:fillClrLst meth="repeat">
+      <a:schemeClr val="accent1"/>
+    </dgm:fillClrLst>
+    <dgm:linClrLst meth="repeat">
+      <a:schemeClr val="accent1"/>
+    </dgm:linClrLst>
+    <dgm:effectClrLst/>
+    <dgm:txLinClrLst/>
+    <dgm:txFillClrLst meth="repeat">
+      <a:schemeClr val="tx1"/>
+    </dgm:txFillClrLst>
+    <dgm:txEffectClrLst/>
+  </dgm:styleLbl>
+  <dgm:styleLbl name="callout">
+    <dgm:fillClrLst meth="repeat">
+      <a:schemeClr val="accent1"/>
+    </dgm:fillClrLst>
+    <dgm:linClrLst meth="repeat">
+      <a:schemeClr val="accent1">
+        <a:tint val="50000"/>
+      </a:schemeClr>
+    </dgm:linClrLst>
+    <dgm:effectClrLst/>
+    <dgm:txLinClrLst/>
+    <dgm:txFillClrLst meth="repeat">
+      <a:schemeClr val="tx1"/>
+    </dgm:txFillClrLst>
+    <dgm:txEffectClrLst/>
+  </dgm:styleLbl>
+  <dgm:styleLbl name="asst0">
+    <dgm:fillClrLst meth="repeat">
+      <a:schemeClr val="accent1"/>
+    </dgm:fillClrLst>
+    <dgm:linClrLst meth="repeat">
+      <a:schemeClr val="lt1"/>
+    </dgm:linClrLst>
+    <dgm:effectClrLst/>
+    <dgm:txLinClrLst/>
+    <dgm:txFillClrLst/>
+    <dgm:txEffectClrLst/>
+  </dgm:styleLbl>
+  <dgm:styleLbl name="asst1">
+    <dgm:fillClrLst meth="repeat">
+      <a:schemeClr val="accent1"/>
+    </dgm:fillClrLst>
+    <dgm:linClrLst meth="repeat">
+      <a:schemeClr val="lt1"/>
+    </dgm:linClrLst>
+    <dgm:effectClrLst/>
+    <dgm:txLinClrLst/>
+    <dgm:txFillClrLst/>
+    <dgm:txEffectClrLst/>
+  </dgm:styleLbl>
+  <dgm:styleLbl name="asst2">
+    <dgm:fillClrLst meth="repeat">
+      <a:schemeClr val="accent1"/>
+    </dgm:fillClrLst>
+    <dgm:linClrLst meth="repeat">
+      <a:schemeClr val="lt1"/>
+    </dgm:linClrLst>
+    <dgm:effectClrLst/>
+    <dgm:txLinClrLst/>
+    <dgm:txFillClrLst/>
+    <dgm:txEffectClrLst/>
+  </dgm:styleLbl>
+  <dgm:styleLbl name="asst3">
+    <dgm:fillClrLst meth="repeat">
+      <a:schemeClr val="accent1"/>
+    </dgm:fillClrLst>
+    <dgm:linClrLst meth="repeat">
+      <a:schemeClr val="lt1"/>
+    </dgm:linClrLst>
+    <dgm:effectClrLst/>
+    <dgm:txLinClrLst/>
+    <dgm:txFillClrLst/>
+    <dgm:txEffectClrLst/>
+  </dgm:styleLbl>
+  <dgm:styleLbl name="asst4">
+    <dgm:fillClrLst meth="repeat">
+      <a:schemeClr val="accent1"/>
+    </dgm:fillClrLst>
+    <dgm:linClrLst meth="repeat">
+      <a:schemeClr val="lt1"/>
+    </dgm:linClrLst>
+    <dgm:effectClrLst/>
+    <dgm:txLinClrLst/>
+    <dgm:txFillClrLst/>
+    <dgm:txEffectClrLst/>
+  </dgm:styleLbl>
+  <dgm:styleLbl name="parChTrans2D1">
+    <dgm:fillClrLst meth="repeat">
+      <a:schemeClr val="accent1">
+        <a:tint val="60000"/>
+      </a:schemeClr>
+    </dgm:fillClrLst>
+    <dgm:linClrLst meth="repeat">
+      <a:schemeClr val="accent1">
+        <a:tint val="60000"/>
+      </a:schemeClr>
+    </dgm:linClrLst>
+    <dgm:effectClrLst/>
+    <dgm:txLinClrLst/>
+    <dgm:txFillClrLst meth="repeat">
+      <a:schemeClr val="lt1"/>
+    </dgm:txFillClrLst>
+    <dgm:txEffectClrLst/>
+  </dgm:styleLbl>
+  <dgm:styleLbl name="parChTrans2D2">
+    <dgm:fillClrLst meth="repeat">
+      <a:schemeClr val="accent1"/>
+    </dgm:fillClrLst>
+    <dgm:linClrLst meth="repeat">
+      <a:schemeClr val="accent1"/>
+    </dgm:linClrLst>
+    <dgm:effectClrLst/>
+    <dgm:txLinClrLst/>
+    <dgm:txFillClrLst meth="repeat">
+      <a:schemeClr val="lt1"/>
+    </dgm:txFillClrLst>
+    <dgm:txEffectClrLst/>
+  </dgm:styleLbl>
+  <dgm:styleLbl name="parChTrans2D3">
+    <dgm:fillClrLst meth="repeat">
+      <a:schemeClr val="accent1"/>
+    </dgm:fillClrLst>
+    <dgm:linClrLst meth="repeat">
+      <a:schemeClr val="accent1"/>
+    </dgm:linClrLst>
+    <dgm:effectClrLst/>
+    <dgm:txLinClrLst/>
+    <dgm:txFillClrLst meth="repeat">
+      <a:schemeClr val="lt1"/>
+    </dgm:txFillClrLst>
+    <dgm:txEffectClrLst/>
+  </dgm:styleLbl>
+  <dgm:styleLbl name="parChTrans2D4">
+    <dgm:fillClrLst meth="repeat">
+      <a:schemeClr val="accent1"/>
+    </dgm:fillClrLst>
+    <dgm:linClrLst meth="repeat">
+      <a:schemeClr val="accent1"/>
+    </dgm:linClrLst>
+    <dgm:effectClrLst/>
+    <dgm:txLinClrLst/>
+    <dgm:txFillClrLst meth="repeat">
+      <a:schemeClr val="lt1"/>
+    </dgm:txFillClrLst>
+    <dgm:txEffectClrLst/>
+  </dgm:styleLbl>
+  <dgm:styleLbl name="parChTrans1D1">
+    <dgm:fillClrLst meth="repeat">
+      <a:schemeClr val="accent1"/>
+    </dgm:fillClrLst>
+    <dgm:linClrLst meth="repeat">
+      <a:schemeClr val="accent1">
+        <a:shade val="60000"/>
+      </a:schemeClr>
+    </dgm:linClrLst>
+    <dgm:effectClrLst/>
+    <dgm:txLinClrLst/>
+    <dgm:txFillClrLst meth="repeat">
+      <a:schemeClr val="tx1"/>
+    </dgm:txFillClrLst>
+    <dgm:txEffectClrLst/>
+  </dgm:styleLbl>
+  <dgm:styleLbl name="parChTrans1D2">
+    <dgm:fillClrLst meth="repeat">
+      <a:schemeClr val="accent1"/>
+    </dgm:fillClrLst>
+    <dgm:linClrLst meth="repeat">
+      <a:schemeClr val="accent1">
+        <a:shade val="60000"/>
+      </a:schemeClr>
+    </dgm:linClrLst>
+    <dgm:effectClrLst/>
+    <dgm:txLinClrLst/>
+    <dgm:txFillClrLst meth="repeat">
+      <a:schemeClr val="tx1"/>
+    </dgm:txFillClrLst>
+    <dgm:txEffectClrLst/>
+  </dgm:styleLbl>
+  <dgm:styleLbl name="parChTrans1D3">
+    <dgm:fillClrLst meth="repeat">
+      <a:schemeClr val="accent1"/>
+    </dgm:fillClrLst>
+    <dgm:linClrLst meth="repeat">
+      <a:schemeClr val="accent1">
+        <a:shade val="80000"/>
+      </a:schemeClr>
+    </dgm:linClrLst>
+    <dgm:effectClrLst/>
+    <dgm:txLinClrLst/>
+    <dgm:txFillClrLst meth="repeat">
+      <a:schemeClr val="tx1"/>
+    </dgm:txFillClrLst>
+    <dgm:txEffectClrLst/>
+  </dgm:styleLbl>
+  <dgm:styleLbl name="parChTrans1D4">
+    <dgm:fillClrLst meth="repeat">
+      <a:schemeClr val="accent1"/>
+    </dgm:fillClrLst>
+    <dgm:linClrLst meth="repeat">
+      <a:schemeClr val="accent1">
+        <a:shade val="80000"/>
+      </a:schemeClr>
+    </dgm:linClrLst>
+    <dgm:effectClrLst/>
+    <dgm:txLinClrLst/>
+    <dgm:txFillClrLst meth="repeat">
+      <a:schemeClr val="tx1"/>
+    </dgm:txFillClrLst>
+    <dgm:txEffectClrLst/>
+  </dgm:styleLbl>
+  <dgm:styleLbl name="fgAcc1">
+    <dgm:fillClrLst meth="repeat">
+      <a:schemeClr val="lt1">
+        <a:alpha val="90000"/>
+      </a:schemeClr>
+    </dgm:fillClrLst>
+    <dgm:linClrLst meth="repeat">
+      <a:schemeClr val="accent1"/>
+    </dgm:linClrLst>
+    <dgm:effectClrLst/>
+    <dgm:txLinClrLst/>
+    <dgm:txFillClrLst meth="repeat">
+      <a:schemeClr val="dk1"/>
+    </dgm:txFillClrLst>
+    <dgm:txEffectClrLst/>
+  </dgm:styleLbl>
+  <dgm:styleLbl name="conFgAcc1">
+    <dgm:fillClrLst meth="repeat">
+      <a:schemeClr val="lt1">
+        <a:alpha val="90000"/>
+      </a:schemeClr>
+    </dgm:fillClrLst>
+    <dgm:linClrLst meth="repeat">
+      <a:schemeClr val="accent1"/>
+    </dgm:linClrLst>
+    <dgm:effectClrLst/>
+    <dgm:txLinClrLst/>
+    <dgm:txFillClrLst meth="repeat">
+      <a:schemeClr val="dk1"/>
+    </dgm:txFillClrLst>
+    <dgm:txEffectClrLst/>
+  </dgm:styleLbl>
+  <dgm:styleLbl name="alignAcc1">
+    <dgm:fillClrLst meth="repeat">
+      <a:schemeClr val="lt1">
+        <a:alpha val="90000"/>
+      </a:schemeClr>
+    </dgm:fillClrLst>
+    <dgm:linClrLst meth="repeat">
+      <a:schemeClr val="accent1"/>
+    </dgm:linClrLst>
+    <dgm:effectClrLst/>
+    <dgm:txLinClrLst/>
+    <dgm:txFillClrLst meth="repeat">
+      <a:schemeClr val="dk1"/>
+    </dgm:txFillClrLst>
+    <dgm:txEffectClrLst/>
+  </dgm:styleLbl>
+  <dgm:styleLbl name="trAlignAcc1">
+    <dgm:fillClrLst meth="repeat">
+      <a:schemeClr val="lt1">
+        <a:alpha val="40000"/>
+      </a:schemeClr>
+    </dgm:fillClrLst>
+    <dgm:linClrLst meth="repeat">
+      <a:schemeClr val="accent1"/>
+    </dgm:linClrLst>
+    <dgm:effectClrLst/>
+    <dgm:txLinClrLst/>
+    <dgm:txFillClrLst meth="repeat">
+      <a:schemeClr val="dk1"/>
+    </dgm:txFillClrLst>
+    <dgm:txEffectClrLst/>
+  </dgm:styleLbl>
+  <dgm:styleLbl name="bgAcc1">
+    <dgm:fillClrLst meth="repeat">
+      <a:schemeClr val="lt1">
+        <a:alpha val="90000"/>
+      </a:schemeClr>
+    </dgm:fillClrLst>
+    <dgm:linClrLst meth="repeat">
+      <a:schemeClr val="accent1"/>
+    </dgm:linClrLst>
+    <dgm:effectClrLst/>
+    <dgm:txLinClrLst/>
+    <dgm:txFillClrLst meth="repeat">
+      <a:schemeClr val="dk1"/>
+    </dgm:txFillClrLst>
+    <dgm:txEffectClrLst/>
+  </dgm:styleLbl>
+  <dgm:styleLbl name="solidFgAcc1">
+    <dgm:fillClrLst meth="repeat">
+      <a:schemeClr val="lt1"/>
+    </dgm:fillClrLst>
+    <dgm:linClrLst meth="repeat">
+      <a:schemeClr val="accent1"/>
+    </dgm:linClrLst>
+    <dgm:effectClrLst/>
+    <dgm:txLinClrLst/>
+    <dgm:txFillClrLst meth="repeat">
+      <a:schemeClr val="dk1"/>
+    </dgm:txFillClrLst>
+    <dgm:txEffectClrLst/>
+  </dgm:styleLbl>
+  <dgm:styleLbl name="solidAlignAcc1">
+    <dgm:fillClrLst meth="repeat">
+      <a:schemeClr val="lt1"/>
+    </dgm:fillClrLst>
+    <dgm:linClrLst meth="repeat">
+      <a:schemeClr val="accent1"/>
+    </dgm:linClrLst>
+    <dgm:effectClrLst/>
+    <dgm:txLinClrLst/>
+    <dgm:txFillClrLst meth="repeat">
+      <a:schemeClr val="dk1"/>
+    </dgm:txFillClrLst>
+    <dgm:txEffectClrLst/>
+  </dgm:styleLbl>
+  <dgm:styleLbl name="solidBgAcc1">
+    <dgm:fillClrLst meth="repeat">
+      <a:schemeClr val="lt1"/>
+    </dgm:fillClrLst>
+    <dgm:linClrLst meth="repeat">
+      <a:schemeClr val="accent1"/>
+    </dgm:linClrLst>
+    <dgm:effectClrLst/>
+    <dgm:txLinClrLst/>
+    <dgm:txFillClrLst meth="repeat">
+      <a:schemeClr val="dk1"/>
+    </dgm:txFillClrLst>
+    <dgm:txEffectClrLst/>
+  </dgm:styleLbl>
+  <dgm:styleLbl name="fgAccFollowNode1">
+    <dgm:fillClrLst meth="repeat">
+      <a:schemeClr val="accent1">
+        <a:alpha val="90000"/>
+        <a:tint val="40000"/>
+      </a:schemeClr>
+    </dgm:fillClrLst>
+    <dgm:linClrLst meth="repeat">
+      <a:schemeClr val="accent1">
+        <a:alpha val="90000"/>
+        <a:tint val="40000"/>
+      </a:schemeClr>
+    </dgm:linClrLst>
+    <dgm:effectClrLst/>
+    <dgm:txLinClrLst/>
+    <dgm:txFillClrLst meth="repeat">
+      <a:schemeClr val="dk1"/>
+    </dgm:txFillClrLst>
+    <dgm:txEffectClrLst/>
+  </dgm:styleLbl>
+  <dgm:styleLbl name="alignAccFollowNode1">
+    <dgm:fillClrLst meth="repeat">
+      <a:schemeClr val="accent1">
+        <a:alpha val="90000"/>
+        <a:tint val="40000"/>
+      </a:schemeClr>
+    </dgm:fillClrLst>
+    <dgm:linClrLst meth="repeat">
+      <a:schemeClr val="accent1">
+        <a:alpha val="90000"/>
+        <a:tint val="40000"/>
+      </a:schemeClr>
+    </dgm:linClrLst>
+    <dgm:effectClrLst/>
+    <dgm:txLinClrLst/>
+    <dgm:txFillClrLst meth="repeat">
+      <a:schemeClr val="dk1"/>
+    </dgm:txFillClrLst>
+    <dgm:txEffectClrLst/>
+  </dgm:styleLbl>
+  <dgm:styleLbl name="bgAccFollowNode1">
+    <dgm:fillClrLst meth="repeat">
+      <a:schemeClr val="accent1">
+        <a:alpha val="90000"/>
+        <a:tint val="40000"/>
+      </a:schemeClr>
+    </dgm:fillClrLst>
+    <dgm:linClrLst meth="repeat">
+      <a:schemeClr val="accent1">
+        <a:alpha val="90000"/>
+        <a:tint val="40000"/>
+      </a:schemeClr>
+    </dgm:linClrLst>
+    <dgm:effectClrLst/>
+    <dgm:txLinClrLst/>
+    <dgm:txFillClrLst meth="repeat">
+      <a:schemeClr val="dk1"/>
+    </dgm:txFillClrLst>
+    <dgm:txEffectClrLst/>
+  </dgm:styleLbl>
+  <dgm:styleLbl name="fgAcc0">
+    <dgm:fillClrLst meth="repeat">
+      <a:schemeClr val="lt1">
+        <a:alpha val="90000"/>
+      </a:schemeClr>
+    </dgm:fillClrLst>
+    <dgm:linClrLst meth="repeat">
+      <a:schemeClr val="accent1"/>
+    </dgm:linClrLst>
+    <dgm:effectClrLst/>
+    <dgm:txLinClrLst/>
+    <dgm:txFillClrLst meth="repeat">
+      <a:schemeClr val="dk1"/>
+    </dgm:txFillClrLst>
+    <dgm:txEffectClrLst/>
+  </dgm:styleLbl>
+  <dgm:styleLbl name="fgAcc2">
+    <dgm:fillClrLst meth="repeat">
+      <a:schemeClr val="lt1">
+        <a:alpha val="90000"/>
+      </a:schemeClr>
+    </dgm:fillClrLst>
+    <dgm:linClrLst meth="repeat">
+      <a:schemeClr val="accent1"/>
+    </dgm:linClrLst>
+    <dgm:effectClrLst/>
+    <dgm:txLinClrLst/>
+    <dgm:txFillClrLst meth="repeat">
+      <a:schemeClr val="dk1"/>
+    </dgm:txFillClrLst>
+    <dgm:txEffectClrLst/>
+  </dgm:styleLbl>
+  <dgm:styleLbl name="fgAcc3">
+    <dgm:fillClrLst meth="repeat">
+      <a:schemeClr val="lt1">
+        <a:alpha val="90000"/>
+      </a:schemeClr>
+    </dgm:fillClrLst>
+    <dgm:linClrLst meth="repeat">
+      <a:schemeClr val="accent1"/>
+    </dgm:linClrLst>
+    <dgm:effectClrLst/>
+    <dgm:txLinClrLst/>
+    <dgm:txFillClrLst meth="repeat">
+      <a:schemeClr val="dk1"/>
+    </dgm:txFillClrLst>
+    <dgm:txEffectClrLst/>
+  </dgm:styleLbl>
+  <dgm:styleLbl name="fgAcc4">
+    <dgm:fillClrLst meth="repeat">
+      <a:schemeClr val="lt1">
+        <a:alpha val="90000"/>
+      </a:schemeClr>
+    </dgm:fillClrLst>
+    <dgm:linClrLst meth="repeat">
+      <a:schemeClr val="accent1"/>
+    </dgm:linClrLst>
+    <dgm:effectClrLst/>
+    <dgm:txLinClrLst/>
+    <dgm:txFillClrLst meth="repeat">
+      <a:schemeClr val="dk1"/>
+    </dgm:txFillClrLst>
+    <dgm:txEffectClrLst/>
+  </dgm:styleLbl>
+  <dgm:styleLbl name="bgShp">
+    <dgm:fillClrLst meth="repeat">
+      <a:schemeClr val="accent1">
+        <a:tint val="40000"/>
+      </a:schemeClr>
+    </dgm:fillClrLst>
+    <dgm:linClrLst meth="repeat">
+      <a:schemeClr val="accent1"/>
+    </dgm:linClrLst>
+    <dgm:effectClrLst/>
+    <dgm:txLinClrLst/>
+    <dgm:txFillClrLst meth="repeat">
+      <a:schemeClr val="dk1"/>
+    </dgm:txFillClrLst>
+    <dgm:txEffectClrLst/>
+  </dgm:styleLbl>
+  <dgm:styleLbl name="dkBgShp">
+    <dgm:fillClrLst meth="repeat">
+      <a:schemeClr val="accent1">
+        <a:shade val="80000"/>
+      </a:schemeClr>
+    </dgm:fillClrLst>
+    <dgm:linClrLst meth="repeat">
+      <a:schemeClr val="accent1"/>
+    </dgm:linClrLst>
+    <dgm:effectClrLst/>
+    <dgm:txLinClrLst/>
+    <dgm:txFillClrLst meth="repeat">
+      <a:schemeClr val="lt1"/>
+    </dgm:txFillClrLst>
+    <dgm:txEffectClrLst/>
+  </dgm:styleLbl>
+  <dgm:styleLbl name="trBgShp">
+    <dgm:fillClrLst meth="repeat">
+      <a:schemeClr val="accent1">
+        <a:tint val="50000"/>
+        <a:alpha val="40000"/>
+      </a:schemeClr>
+    </dgm:fillClrLst>
+    <dgm:linClrLst meth="repeat">
+      <a:schemeClr val="accent1"/>
+    </dgm:linClrLst>
+    <dgm:effectClrLst/>
+    <dgm:txLinClrLst/>
+    <dgm:txFillClrLst meth="repeat">
+      <a:schemeClr val="lt1"/>
+    </dgm:txFillClrLst>
+    <dgm:txEffectClrLst/>
+  </dgm:styleLbl>
+  <dgm:styleLbl name="fgShp">
+    <dgm:fillClrLst meth="repeat">
+      <a:schemeClr val="accent1">
+        <a:tint val="60000"/>
+      </a:schemeClr>
+    </dgm:fillClrLst>
+    <dgm:linClrLst meth="repeat">
+      <a:schemeClr val="lt1"/>
+    </dgm:linClrLst>
+    <dgm:effectClrLst/>
+    <dgm:txLinClrLst/>
+    <dgm:txFillClrLst meth="repeat">
+      <a:schemeClr val="dk1"/>
+    </dgm:txFillClrLst>
+    <dgm:txEffectClrLst/>
+  </dgm:styleLbl>
+  <dgm:styleLbl name="revTx">
+    <dgm:fillClrLst meth="repeat">
+      <a:schemeClr val="lt1">
+        <a:alpha val="0"/>
+      </a:schemeClr>
+    </dgm:fillClrLst>
+    <dgm:linClrLst meth="repeat">
+      <a:schemeClr val="dk1">
+        <a:alpha val="0"/>
+      </a:schemeClr>
+    </dgm:linClrLst>
+    <dgm:effectClrLst/>
+    <dgm:txLinClrLst/>
+    <dgm:txFillClrLst meth="repeat">
+      <a:schemeClr val="tx1"/>
+    </dgm:txFillClrLst>
+    <dgm:txEffectClrLst/>
+  </dgm:styleLbl>
+</dgm:colorsDef>
+</file>
+
+<file path=ppt/diagrams/data1.xml><?xml version="1.0" encoding="utf-8"?>
+<dgm:dataModel xmlns:dgm="http://schemas.openxmlformats.org/drawingml/2006/diagram" xmlns:a="http://schemas.openxmlformats.org/drawingml/2006/main">
+  <dgm:ptLst>
+    <dgm:pt modelId="{5252D740-835F-42AE-8112-597E4BE55E38}" type="doc">
+      <dgm:prSet loTypeId="urn:microsoft.com/office/officeart/2005/8/layout/arrow2" loCatId="process" qsTypeId="urn:microsoft.com/office/officeart/2005/8/quickstyle/simple1" qsCatId="simple" csTypeId="urn:microsoft.com/office/officeart/2005/8/colors/accent1_2" csCatId="accent1" phldr="1"/>
+      <dgm:spPr/>
+    </dgm:pt>
+    <dgm:pt modelId="{786BAA6A-F4BE-4A97-8778-A54E620489E8}">
+      <dgm:prSet phldrT="[Text]" custT="1"/>
+      <dgm:spPr/>
+      <dgm:t>
+        <a:bodyPr/>
+        <a:lstStyle/>
+        <a:p>
+          <a:r>
+            <a:rPr lang="en-US" sz="2800" dirty="0" smtClean="0"/>
+            <a:t>RSS Crawling</a:t>
+          </a:r>
+          <a:endParaRPr lang="en-US" sz="2800" dirty="0"/>
+        </a:p>
+      </dgm:t>
+    </dgm:pt>
+    <dgm:pt modelId="{0F8FB358-0328-4268-AFEB-421878B1954D}" type="parTrans" cxnId="{7EEC4341-208F-46B2-9B63-72DBD61EDFF1}">
+      <dgm:prSet/>
+      <dgm:spPr/>
+      <dgm:t>
+        <a:bodyPr/>
+        <a:lstStyle/>
+        <a:p>
+          <a:endParaRPr lang="en-US"/>
+        </a:p>
+      </dgm:t>
+    </dgm:pt>
+    <dgm:pt modelId="{A3B54F49-27E8-45A9-B465-7ACEBE4A808C}" type="sibTrans" cxnId="{7EEC4341-208F-46B2-9B63-72DBD61EDFF1}">
+      <dgm:prSet/>
+      <dgm:spPr/>
+      <dgm:t>
+        <a:bodyPr/>
+        <a:lstStyle/>
+        <a:p>
+          <a:endParaRPr lang="en-US"/>
+        </a:p>
+      </dgm:t>
+    </dgm:pt>
+    <dgm:pt modelId="{CCAA7D00-2E8C-490D-B60F-AE3579020AD5}">
+      <dgm:prSet phldrT="[Text]" custT="1"/>
+      <dgm:spPr/>
+      <dgm:t>
+        <a:bodyPr/>
+        <a:lstStyle/>
+        <a:p>
+          <a:r>
+            <a:rPr lang="en-US" sz="2800" dirty="0" smtClean="0"/>
+            <a:t>Clustering</a:t>
+          </a:r>
+          <a:endParaRPr lang="en-US" sz="2800" dirty="0"/>
+        </a:p>
+      </dgm:t>
+    </dgm:pt>
+    <dgm:pt modelId="{4AE52F16-DBC4-4A31-85C0-1A599B9C6380}" type="parTrans" cxnId="{999A9704-6516-4940-9C53-C333D3C15A29}">
+      <dgm:prSet/>
+      <dgm:spPr/>
+      <dgm:t>
+        <a:bodyPr/>
+        <a:lstStyle/>
+        <a:p>
+          <a:endParaRPr lang="en-US"/>
+        </a:p>
+      </dgm:t>
+    </dgm:pt>
+    <dgm:pt modelId="{A7C0ADBB-AF6E-490B-B1B2-982186DF8424}" type="sibTrans" cxnId="{999A9704-6516-4940-9C53-C333D3C15A29}">
+      <dgm:prSet/>
+      <dgm:spPr/>
+      <dgm:t>
+        <a:bodyPr/>
+        <a:lstStyle/>
+        <a:p>
+          <a:endParaRPr lang="en-US"/>
+        </a:p>
+      </dgm:t>
+    </dgm:pt>
+    <dgm:pt modelId="{8EA22D54-26AB-40C5-BA14-5A2EF3E5CEB3}">
+      <dgm:prSet phldrT="[Text]" custT="1"/>
+      <dgm:spPr/>
+      <dgm:t>
+        <a:bodyPr/>
+        <a:lstStyle/>
+        <a:p>
+          <a:r>
+            <a:rPr lang="en-US" sz="2800" dirty="0" smtClean="0"/>
+            <a:t>NER</a:t>
+          </a:r>
+          <a:endParaRPr lang="en-US" sz="2800" dirty="0"/>
+        </a:p>
+      </dgm:t>
+    </dgm:pt>
+    <dgm:pt modelId="{C3E175BD-B16C-4F42-9BE7-DD5D0A6E6D10}" type="parTrans" cxnId="{BD2439AE-B8F4-477B-BEFE-36FFD7D15AF6}">
+      <dgm:prSet/>
+      <dgm:spPr/>
+      <dgm:t>
+        <a:bodyPr/>
+        <a:lstStyle/>
+        <a:p>
+          <a:endParaRPr lang="en-US"/>
+        </a:p>
+      </dgm:t>
+    </dgm:pt>
+    <dgm:pt modelId="{75B2363E-3508-4FD3-9212-90D5D1993550}" type="sibTrans" cxnId="{BD2439AE-B8F4-477B-BEFE-36FFD7D15AF6}">
+      <dgm:prSet/>
+      <dgm:spPr/>
+      <dgm:t>
+        <a:bodyPr/>
+        <a:lstStyle/>
+        <a:p>
+          <a:endParaRPr lang="en-US"/>
+        </a:p>
+      </dgm:t>
+    </dgm:pt>
+    <dgm:pt modelId="{C2EC1DC6-69C9-4C07-B4EC-203EB4F3A5AF}">
+      <dgm:prSet custT="1"/>
+      <dgm:spPr/>
+      <dgm:t>
+        <a:bodyPr/>
+        <a:lstStyle/>
+        <a:p>
+          <a:r>
+            <a:rPr lang="en-US" sz="2800" dirty="0" smtClean="0"/>
+            <a:t>Background </a:t>
+          </a:r>
+          <a:br>
+            <a:rPr lang="en-US" sz="2800" dirty="0" smtClean="0"/>
+          </a:br>
+          <a:r>
+            <a:rPr lang="en-US" sz="2800" dirty="0" smtClean="0"/>
+            <a:t>Extraction</a:t>
+          </a:r>
+          <a:endParaRPr lang="en-US" sz="2800" dirty="0"/>
+        </a:p>
+      </dgm:t>
+    </dgm:pt>
+    <dgm:pt modelId="{9440F99E-E3A5-47FC-A5B2-5712A9A8FB82}" type="parTrans" cxnId="{372F1EE6-513C-4856-AD2A-73A4589BCF20}">
+      <dgm:prSet/>
+      <dgm:spPr/>
+      <dgm:t>
+        <a:bodyPr/>
+        <a:lstStyle/>
+        <a:p>
+          <a:endParaRPr lang="en-US"/>
+        </a:p>
+      </dgm:t>
+    </dgm:pt>
+    <dgm:pt modelId="{A832D457-2CB9-4E6D-9CD8-232AE7048850}" type="sibTrans" cxnId="{372F1EE6-513C-4856-AD2A-73A4589BCF20}">
+      <dgm:prSet/>
+      <dgm:spPr/>
+      <dgm:t>
+        <a:bodyPr/>
+        <a:lstStyle/>
+        <a:p>
+          <a:endParaRPr lang="en-US"/>
+        </a:p>
+      </dgm:t>
+    </dgm:pt>
+    <dgm:pt modelId="{66F238BD-72B5-487E-BDEE-9012272CE48B}">
+      <dgm:prSet custT="1"/>
+      <dgm:spPr/>
+      <dgm:t>
+        <a:bodyPr/>
+        <a:lstStyle/>
+        <a:p>
+          <a:r>
+            <a:rPr lang="en-US" sz="2800" dirty="0" smtClean="0"/>
+            <a:t>Web </a:t>
+          </a:r>
+          <a:br>
+            <a:rPr lang="en-US" sz="2800" dirty="0" smtClean="0"/>
+          </a:br>
+          <a:r>
+            <a:rPr lang="en-US" sz="2800" dirty="0" smtClean="0"/>
+            <a:t>Framework</a:t>
+          </a:r>
+          <a:endParaRPr lang="en-US" sz="2800" dirty="0"/>
+        </a:p>
+      </dgm:t>
+    </dgm:pt>
+    <dgm:pt modelId="{AA73BC91-AA6E-4966-99A7-DE7C9EAD0F97}" type="parTrans" cxnId="{A7CF0F31-9037-4E52-9693-B81A4FD492E2}">
+      <dgm:prSet/>
+      <dgm:spPr/>
+      <dgm:t>
+        <a:bodyPr/>
+        <a:lstStyle/>
+        <a:p>
+          <a:endParaRPr lang="en-US"/>
+        </a:p>
+      </dgm:t>
+    </dgm:pt>
+    <dgm:pt modelId="{348BFFAE-7D96-4A71-BC1A-27361D17D881}" type="sibTrans" cxnId="{A7CF0F31-9037-4E52-9693-B81A4FD492E2}">
+      <dgm:prSet/>
+      <dgm:spPr/>
+      <dgm:t>
+        <a:bodyPr/>
+        <a:lstStyle/>
+        <a:p>
+          <a:endParaRPr lang="en-US"/>
+        </a:p>
+      </dgm:t>
+    </dgm:pt>
+    <dgm:pt modelId="{EEE9B414-41E5-4A8E-9954-EFB6DFFE46F7}" type="pres">
+      <dgm:prSet presAssocID="{5252D740-835F-42AE-8112-597E4BE55E38}" presName="arrowDiagram" presStyleCnt="0">
+        <dgm:presLayoutVars>
+          <dgm:chMax val="5"/>
+          <dgm:dir/>
+          <dgm:resizeHandles val="exact"/>
+        </dgm:presLayoutVars>
+      </dgm:prSet>
+      <dgm:spPr/>
+    </dgm:pt>
+    <dgm:pt modelId="{AD1DCBE0-A3FA-41B2-B003-3BAECEB0D695}" type="pres">
+      <dgm:prSet presAssocID="{5252D740-835F-42AE-8112-597E4BE55E38}" presName="arrow" presStyleLbl="bgShp" presStyleIdx="0" presStyleCnt="1" custLinFactNeighborX="-6865"/>
+      <dgm:spPr/>
+    </dgm:pt>
+    <dgm:pt modelId="{9FEE8855-2791-4B9B-835D-CD24099B41E3}" type="pres">
+      <dgm:prSet presAssocID="{5252D740-835F-42AE-8112-597E4BE55E38}" presName="arrowDiagram5" presStyleCnt="0"/>
+      <dgm:spPr/>
+    </dgm:pt>
+    <dgm:pt modelId="{564B4D0B-9E6C-422D-AEDE-6BB0ECD59841}" type="pres">
+      <dgm:prSet presAssocID="{786BAA6A-F4BE-4A97-8778-A54E620489E8}" presName="bullet5a" presStyleLbl="node1" presStyleIdx="0" presStyleCnt="5" custLinFactX="-100000" custLinFactNeighborX="-181252" custLinFactNeighborY="-16019"/>
+      <dgm:spPr/>
+    </dgm:pt>
+    <dgm:pt modelId="{64A4695D-EC2F-40A1-B41A-836037820765}" type="pres">
+      <dgm:prSet presAssocID="{786BAA6A-F4BE-4A97-8778-A54E620489E8}" presName="textBox5a" presStyleLbl="revTx" presStyleIdx="0" presStyleCnt="5" custScaleX="239782" custScaleY="79088" custLinFactNeighborX="31515" custLinFactNeighborY="-30872">
+        <dgm:presLayoutVars>
+          <dgm:bulletEnabled val="1"/>
+        </dgm:presLayoutVars>
+      </dgm:prSet>
+      <dgm:spPr/>
+      <dgm:t>
+        <a:bodyPr/>
+        <a:lstStyle/>
+        <a:p>
+          <a:endParaRPr lang="en-US"/>
+        </a:p>
+      </dgm:t>
+    </dgm:pt>
+    <dgm:pt modelId="{F51B1839-84F1-4ACE-9AEF-C99B44DE96A5}" type="pres">
+      <dgm:prSet presAssocID="{CCAA7D00-2E8C-490D-B60F-AE3579020AD5}" presName="bullet5b" presStyleLbl="node1" presStyleIdx="1" presStyleCnt="5" custLinFactX="-100000" custLinFactNeighborX="-113461" custLinFactNeighborY="28459"/>
+      <dgm:spPr/>
+    </dgm:pt>
+    <dgm:pt modelId="{2D6AC01C-6DFE-4A4A-A507-406920671A35}" type="pres">
+      <dgm:prSet presAssocID="{CCAA7D00-2E8C-490D-B60F-AE3579020AD5}" presName="textBox5b" presStyleLbl="revTx" presStyleIdx="1" presStyleCnt="5" custScaleX="158285" custScaleY="40850" custLinFactNeighborX="-7065" custLinFactNeighborY="-35213">
+        <dgm:presLayoutVars>
+          <dgm:bulletEnabled val="1"/>
+        </dgm:presLayoutVars>
+      </dgm:prSet>
+      <dgm:spPr/>
+    </dgm:pt>
+    <dgm:pt modelId="{3ABE6316-9F1A-439B-9AF1-47F1E71E43F4}" type="pres">
+      <dgm:prSet presAssocID="{8EA22D54-26AB-40C5-BA14-5A2EF3E5CEB3}" presName="bullet5c" presStyleLbl="node1" presStyleIdx="2" presStyleCnt="5" custLinFactX="-88187" custLinFactNeighborX="-100000" custLinFactNeighborY="13328"/>
+      <dgm:spPr/>
+    </dgm:pt>
+    <dgm:pt modelId="{FABF0CCC-4919-47DD-A717-DB06D6063D48}" type="pres">
+      <dgm:prSet presAssocID="{8EA22D54-26AB-40C5-BA14-5A2EF3E5CEB3}" presName="textBox5c" presStyleLbl="revTx" presStyleIdx="2" presStyleCnt="5" custFlipVert="0" custScaleX="60078" custScaleY="24159" custLinFactNeighborX="-59369" custLinFactNeighborY="-42932">
+        <dgm:presLayoutVars>
+          <dgm:bulletEnabled val="1"/>
+        </dgm:presLayoutVars>
+      </dgm:prSet>
+      <dgm:spPr/>
+    </dgm:pt>
+    <dgm:pt modelId="{94FDD9BE-CED9-41C3-89A4-737B623C85BE}" type="pres">
+      <dgm:prSet presAssocID="{C2EC1DC6-69C9-4C07-B4EC-203EB4F3A5AF}" presName="bullet5d" presStyleLbl="node1" presStyleIdx="3" presStyleCnt="5" custLinFactX="-69975" custLinFactNeighborX="-100000" custLinFactNeighborY="14801"/>
+      <dgm:spPr/>
+    </dgm:pt>
+    <dgm:pt modelId="{1D9BC2BC-FCFE-4F5D-83E2-D6971254F7B9}" type="pres">
+      <dgm:prSet presAssocID="{C2EC1DC6-69C9-4C07-B4EC-203EB4F3A5AF}" presName="textBox5d" presStyleLbl="revTx" presStyleIdx="3" presStyleCnt="5" custFlipVert="0" custScaleX="171722" custScaleY="31490" custLinFactNeighborX="-37192" custLinFactNeighborY="-22021">
+        <dgm:presLayoutVars>
+          <dgm:bulletEnabled val="1"/>
+        </dgm:presLayoutVars>
+      </dgm:prSet>
+      <dgm:spPr/>
+      <dgm:t>
+        <a:bodyPr/>
+        <a:lstStyle/>
+        <a:p>
+          <a:endParaRPr lang="en-US"/>
+        </a:p>
+      </dgm:t>
+    </dgm:pt>
+    <dgm:pt modelId="{59305BF5-FAC8-49A1-BE09-CB1FEA7271E9}" type="pres">
+      <dgm:prSet presAssocID="{66F238BD-72B5-487E-BDEE-9012272CE48B}" presName="bullet5e" presStyleLbl="node1" presStyleIdx="4" presStyleCnt="5" custLinFactX="-63872" custLinFactNeighborX="-100000" custLinFactNeighborY="9743"/>
+      <dgm:spPr/>
+    </dgm:pt>
+    <dgm:pt modelId="{6AACD624-6843-4A51-A724-C556F0639569}" type="pres">
+      <dgm:prSet presAssocID="{66F238BD-72B5-487E-BDEE-9012272CE48B}" presName="textBox5e" presStyleLbl="revTx" presStyleIdx="4" presStyleCnt="5" custScaleX="192214" custScaleY="28724" custLinFactNeighborX="-14241" custLinFactNeighborY="-44779">
+        <dgm:presLayoutVars>
+          <dgm:bulletEnabled val="1"/>
+        </dgm:presLayoutVars>
+      </dgm:prSet>
+      <dgm:spPr/>
+    </dgm:pt>
+  </dgm:ptLst>
+  <dgm:cxnLst>
+    <dgm:cxn modelId="{47D07E41-9505-4CC4-9249-09B5F5B0C44B}" type="presOf" srcId="{8EA22D54-26AB-40C5-BA14-5A2EF3E5CEB3}" destId="{FABF0CCC-4919-47DD-A717-DB06D6063D48}" srcOrd="0" destOrd="0" presId="urn:microsoft.com/office/officeart/2005/8/layout/arrow2"/>
+    <dgm:cxn modelId="{A7CF0F31-9037-4E52-9693-B81A4FD492E2}" srcId="{5252D740-835F-42AE-8112-597E4BE55E38}" destId="{66F238BD-72B5-487E-BDEE-9012272CE48B}" srcOrd="4" destOrd="0" parTransId="{AA73BC91-AA6E-4966-99A7-DE7C9EAD0F97}" sibTransId="{348BFFAE-7D96-4A71-BC1A-27361D17D881}"/>
+    <dgm:cxn modelId="{03595A06-7A14-4256-9A14-9D5C0B72BA1F}" type="presOf" srcId="{CCAA7D00-2E8C-490D-B60F-AE3579020AD5}" destId="{2D6AC01C-6DFE-4A4A-A507-406920671A35}" srcOrd="0" destOrd="0" presId="urn:microsoft.com/office/officeart/2005/8/layout/arrow2"/>
+    <dgm:cxn modelId="{B023EB7E-B767-4598-9BA7-9A8979CAC727}" type="presOf" srcId="{C2EC1DC6-69C9-4C07-B4EC-203EB4F3A5AF}" destId="{1D9BC2BC-FCFE-4F5D-83E2-D6971254F7B9}" srcOrd="0" destOrd="0" presId="urn:microsoft.com/office/officeart/2005/8/layout/arrow2"/>
+    <dgm:cxn modelId="{BF440CA4-57AE-46DD-A997-3A9D7EF1E408}" type="presOf" srcId="{5252D740-835F-42AE-8112-597E4BE55E38}" destId="{EEE9B414-41E5-4A8E-9954-EFB6DFFE46F7}" srcOrd="0" destOrd="0" presId="urn:microsoft.com/office/officeart/2005/8/layout/arrow2"/>
+    <dgm:cxn modelId="{CE91BBC7-96CF-43E8-A9BE-B83146A04FE8}" type="presOf" srcId="{786BAA6A-F4BE-4A97-8778-A54E620489E8}" destId="{64A4695D-EC2F-40A1-B41A-836037820765}" srcOrd="0" destOrd="0" presId="urn:microsoft.com/office/officeart/2005/8/layout/arrow2"/>
+    <dgm:cxn modelId="{999A9704-6516-4940-9C53-C333D3C15A29}" srcId="{5252D740-835F-42AE-8112-597E4BE55E38}" destId="{CCAA7D00-2E8C-490D-B60F-AE3579020AD5}" srcOrd="1" destOrd="0" parTransId="{4AE52F16-DBC4-4A31-85C0-1A599B9C6380}" sibTransId="{A7C0ADBB-AF6E-490B-B1B2-982186DF8424}"/>
+    <dgm:cxn modelId="{551C92CF-FADA-4A99-95A4-182B35F8A948}" type="presOf" srcId="{66F238BD-72B5-487E-BDEE-9012272CE48B}" destId="{6AACD624-6843-4A51-A724-C556F0639569}" srcOrd="0" destOrd="0" presId="urn:microsoft.com/office/officeart/2005/8/layout/arrow2"/>
+    <dgm:cxn modelId="{7EEC4341-208F-46B2-9B63-72DBD61EDFF1}" srcId="{5252D740-835F-42AE-8112-597E4BE55E38}" destId="{786BAA6A-F4BE-4A97-8778-A54E620489E8}" srcOrd="0" destOrd="0" parTransId="{0F8FB358-0328-4268-AFEB-421878B1954D}" sibTransId="{A3B54F49-27E8-45A9-B465-7ACEBE4A808C}"/>
+    <dgm:cxn modelId="{372F1EE6-513C-4856-AD2A-73A4589BCF20}" srcId="{5252D740-835F-42AE-8112-597E4BE55E38}" destId="{C2EC1DC6-69C9-4C07-B4EC-203EB4F3A5AF}" srcOrd="3" destOrd="0" parTransId="{9440F99E-E3A5-47FC-A5B2-5712A9A8FB82}" sibTransId="{A832D457-2CB9-4E6D-9CD8-232AE7048850}"/>
+    <dgm:cxn modelId="{BD2439AE-B8F4-477B-BEFE-36FFD7D15AF6}" srcId="{5252D740-835F-42AE-8112-597E4BE55E38}" destId="{8EA22D54-26AB-40C5-BA14-5A2EF3E5CEB3}" srcOrd="2" destOrd="0" parTransId="{C3E175BD-B16C-4F42-9BE7-DD5D0A6E6D10}" sibTransId="{75B2363E-3508-4FD3-9212-90D5D1993550}"/>
+    <dgm:cxn modelId="{B16BFEED-4D83-4813-827C-6C4B367E4B49}" type="presParOf" srcId="{EEE9B414-41E5-4A8E-9954-EFB6DFFE46F7}" destId="{AD1DCBE0-A3FA-41B2-B003-3BAECEB0D695}" srcOrd="0" destOrd="0" presId="urn:microsoft.com/office/officeart/2005/8/layout/arrow2"/>
+    <dgm:cxn modelId="{3935C9D3-5DA8-4046-A561-B212D0FFA991}" type="presParOf" srcId="{EEE9B414-41E5-4A8E-9954-EFB6DFFE46F7}" destId="{9FEE8855-2791-4B9B-835D-CD24099B41E3}" srcOrd="1" destOrd="0" presId="urn:microsoft.com/office/officeart/2005/8/layout/arrow2"/>
+    <dgm:cxn modelId="{865F06AD-8A62-4261-9AB9-2A2B8014F7B7}" type="presParOf" srcId="{9FEE8855-2791-4B9B-835D-CD24099B41E3}" destId="{564B4D0B-9E6C-422D-AEDE-6BB0ECD59841}" srcOrd="0" destOrd="0" presId="urn:microsoft.com/office/officeart/2005/8/layout/arrow2"/>
+    <dgm:cxn modelId="{C2ED4099-9A38-4571-8140-A8BF1332EDAC}" type="presParOf" srcId="{9FEE8855-2791-4B9B-835D-CD24099B41E3}" destId="{64A4695D-EC2F-40A1-B41A-836037820765}" srcOrd="1" destOrd="0" presId="urn:microsoft.com/office/officeart/2005/8/layout/arrow2"/>
+    <dgm:cxn modelId="{F6D0CA32-1831-4AF1-B32C-B6B357A7BD85}" type="presParOf" srcId="{9FEE8855-2791-4B9B-835D-CD24099B41E3}" destId="{F51B1839-84F1-4ACE-9AEF-C99B44DE96A5}" srcOrd="2" destOrd="0" presId="urn:microsoft.com/office/officeart/2005/8/layout/arrow2"/>
+    <dgm:cxn modelId="{455645BF-675C-42A8-8DAC-BE5ABFAF682F}" type="presParOf" srcId="{9FEE8855-2791-4B9B-835D-CD24099B41E3}" destId="{2D6AC01C-6DFE-4A4A-A507-406920671A35}" srcOrd="3" destOrd="0" presId="urn:microsoft.com/office/officeart/2005/8/layout/arrow2"/>
+    <dgm:cxn modelId="{DD6831F6-AD80-4952-B42A-AE53417D0EE0}" type="presParOf" srcId="{9FEE8855-2791-4B9B-835D-CD24099B41E3}" destId="{3ABE6316-9F1A-439B-9AF1-47F1E71E43F4}" srcOrd="4" destOrd="0" presId="urn:microsoft.com/office/officeart/2005/8/layout/arrow2"/>
+    <dgm:cxn modelId="{C8490D67-B371-45DE-BE34-112FEC79C259}" type="presParOf" srcId="{9FEE8855-2791-4B9B-835D-CD24099B41E3}" destId="{FABF0CCC-4919-47DD-A717-DB06D6063D48}" srcOrd="5" destOrd="0" presId="urn:microsoft.com/office/officeart/2005/8/layout/arrow2"/>
+    <dgm:cxn modelId="{69B64F89-820C-42C5-B026-EF11E6F2B8D2}" type="presParOf" srcId="{9FEE8855-2791-4B9B-835D-CD24099B41E3}" destId="{94FDD9BE-CED9-41C3-89A4-737B623C85BE}" srcOrd="6" destOrd="0" presId="urn:microsoft.com/office/officeart/2005/8/layout/arrow2"/>
+    <dgm:cxn modelId="{913E5F0A-0CBA-4B8F-BEA1-9E26245C09BD}" type="presParOf" srcId="{9FEE8855-2791-4B9B-835D-CD24099B41E3}" destId="{1D9BC2BC-FCFE-4F5D-83E2-D6971254F7B9}" srcOrd="7" destOrd="0" presId="urn:microsoft.com/office/officeart/2005/8/layout/arrow2"/>
+    <dgm:cxn modelId="{55758F52-68B9-4522-AAA7-AEE1174E05FB}" type="presParOf" srcId="{9FEE8855-2791-4B9B-835D-CD24099B41E3}" destId="{59305BF5-FAC8-49A1-BE09-CB1FEA7271E9}" srcOrd="8" destOrd="0" presId="urn:microsoft.com/office/officeart/2005/8/layout/arrow2"/>
+    <dgm:cxn modelId="{048C71A6-C03A-4EB2-81D6-61795D5BC6FD}" type="presParOf" srcId="{9FEE8855-2791-4B9B-835D-CD24099B41E3}" destId="{6AACD624-6843-4A51-A724-C556F0639569}" srcOrd="9" destOrd="0" presId="urn:microsoft.com/office/officeart/2005/8/layout/arrow2"/>
+  </dgm:cxnLst>
+  <dgm:bg/>
+  <dgm:whole/>
+  <dgm:extLst>
+    <a:ext uri="http://schemas.microsoft.com/office/drawing/2008/diagram">
+      <dsp:dataModelExt xmlns:dsp="http://schemas.microsoft.com/office/drawing/2008/diagram" xmlns="" relId="rId7" minVer="http://schemas.openxmlformats.org/drawingml/2006/diagram"/>
+    </a:ext>
+  </dgm:extLst>
+</dgm:dataModel>
+</file>
+
+<file path=ppt/diagrams/drawing1.xml><?xml version="1.0" encoding="utf-8"?>
+<dsp:drawing xmlns:dgm="http://schemas.openxmlformats.org/drawingml/2006/diagram" xmlns:a="http://schemas.openxmlformats.org/drawingml/2006/main" xmlns:dsp="http://schemas.microsoft.com/office/drawing/2008/diagram">
+  <dsp:spTree>
+    <dsp:nvGrpSpPr>
+      <dsp:cNvPr id="0" name=""/>
+      <dsp:cNvGrpSpPr/>
+    </dsp:nvGrpSpPr>
+    <dsp:grpSpPr/>
+    <dsp:sp modelId="{AD1DCBE0-A3FA-41B2-B003-3BAECEB0D695}">
+      <dsp:nvSpPr>
+        <dsp:cNvPr id="0" name=""/>
+        <dsp:cNvSpPr/>
+      </dsp:nvSpPr>
+      <dsp:spPr>
+        <a:xfrm>
+          <a:off x="0" y="0"/>
+          <a:ext cx="7437120" cy="4648200"/>
+        </a:xfrm>
+        <a:prstGeom prst="swooshArrow">
+          <a:avLst>
+            <a:gd name="adj1" fmla="val 25000"/>
+            <a:gd name="adj2" fmla="val 25000"/>
+          </a:avLst>
+        </a:prstGeom>
+        <a:solidFill>
+          <a:schemeClr val="accent1">
+            <a:tint val="40000"/>
+            <a:hueOff val="0"/>
+            <a:satOff val="0"/>
+            <a:lumOff val="0"/>
+            <a:alphaOff val="0"/>
+          </a:schemeClr>
+        </a:solidFill>
+        <a:ln>
+          <a:noFill/>
+        </a:ln>
+        <a:effectLst/>
+      </dsp:spPr>
+      <dsp:style>
+        <a:lnRef idx="0">
+          <a:scrgbClr r="0" g="0" b="0"/>
+        </a:lnRef>
+        <a:fillRef idx="1">
+          <a:scrgbClr r="0" g="0" b="0"/>
+        </a:fillRef>
+        <a:effectRef idx="0">
+          <a:scrgbClr r="0" g="0" b="0"/>
+        </a:effectRef>
+        <a:fontRef idx="minor"/>
+      </dsp:style>
+    </dsp:sp>
+    <dsp:sp modelId="{564B4D0B-9E6C-422D-AEDE-6BB0ECD59841}">
+      <dsp:nvSpPr>
+        <dsp:cNvPr id="0" name=""/>
+        <dsp:cNvSpPr/>
+      </dsp:nvSpPr>
+      <dsp:spPr>
+        <a:xfrm>
+          <a:off x="762000" y="3429000"/>
+          <a:ext cx="171053" cy="171053"/>
+        </a:xfrm>
+        <a:prstGeom prst="ellipse">
+          <a:avLst/>
+        </a:prstGeom>
+        <a:solidFill>
+          <a:schemeClr val="accent1">
+            <a:hueOff val="0"/>
+            <a:satOff val="0"/>
+            <a:lumOff val="0"/>
+            <a:alphaOff val="0"/>
+          </a:schemeClr>
+        </a:solidFill>
+        <a:ln w="25400" cap="flat" cmpd="sng" algn="ctr">
+          <a:solidFill>
+            <a:schemeClr val="lt1">
+              <a:hueOff val="0"/>
+              <a:satOff val="0"/>
+              <a:lumOff val="0"/>
+              <a:alphaOff val="0"/>
+            </a:schemeClr>
+          </a:solidFill>
+          <a:prstDash val="solid"/>
+        </a:ln>
+        <a:effectLst/>
+      </dsp:spPr>
+      <dsp:style>
+        <a:lnRef idx="2">
+          <a:scrgbClr r="0" g="0" b="0"/>
+        </a:lnRef>
+        <a:fillRef idx="1">
+          <a:scrgbClr r="0" g="0" b="0"/>
+        </a:fillRef>
+        <a:effectRef idx="0">
+          <a:scrgbClr r="0" g="0" b="0"/>
+        </a:effectRef>
+        <a:fontRef idx="minor">
+          <a:schemeClr val="lt1"/>
+        </a:fontRef>
+      </dsp:style>
+    </dsp:sp>
+    <dsp:sp modelId="{64A4695D-EC2F-40A1-B41A-836037820765}">
+      <dsp:nvSpPr>
+        <dsp:cNvPr id="0" name=""/>
+        <dsp:cNvSpPr/>
+      </dsp:nvSpPr>
+      <dsp:spPr>
+        <a:xfrm>
+          <a:off x="954736" y="3316071"/>
+          <a:ext cx="2336106" cy="874928"/>
+        </a:xfrm>
+        <a:prstGeom prst="rect">
+          <a:avLst/>
+        </a:prstGeom>
+        <a:noFill/>
+        <a:ln>
+          <a:noFill/>
+        </a:ln>
+        <a:effectLst/>
+      </dsp:spPr>
+      <dsp:style>
+        <a:lnRef idx="0">
+          <a:scrgbClr r="0" g="0" b="0"/>
+        </a:lnRef>
+        <a:fillRef idx="0">
+          <a:scrgbClr r="0" g="0" b="0"/>
+        </a:fillRef>
+        <a:effectRef idx="0">
+          <a:scrgbClr r="0" g="0" b="0"/>
+        </a:effectRef>
+        <a:fontRef idx="minor"/>
+      </dsp:style>
+      <dsp:txBody>
+        <a:bodyPr spcFirstLastPara="0" vert="horz" wrap="square" lIns="90638" tIns="0" rIns="0" bIns="0" numCol="1" spcCol="1270" anchor="t" anchorCtr="0">
+          <a:noAutofit/>
+        </a:bodyPr>
+        <a:lstStyle/>
+        <a:p>
+          <a:pPr lvl="0" algn="l" defTabSz="1244600">
+            <a:lnSpc>
+              <a:spcPct val="90000"/>
+            </a:lnSpc>
+            <a:spcBef>
+              <a:spcPct val="0"/>
+            </a:spcBef>
+            <a:spcAft>
+              <a:spcPct val="35000"/>
+            </a:spcAft>
+          </a:pPr>
+          <a:r>
+            <a:rPr lang="en-US" sz="2800" kern="1200" dirty="0" smtClean="0"/>
+            <a:t>RSS Crawling</a:t>
+          </a:r>
+          <a:endParaRPr lang="en-US" sz="2800" kern="1200" dirty="0"/>
+        </a:p>
+      </dsp:txBody>
+      <dsp:txXfrm>
+        <a:off x="954736" y="3316071"/>
+        <a:ext cx="2336106" cy="874928"/>
+      </dsp:txXfrm>
+    </dsp:sp>
+    <dsp:sp modelId="{F51B1839-84F1-4ACE-9AEF-C99B44DE96A5}">
+      <dsp:nvSpPr>
+        <dsp:cNvPr id="0" name=""/>
+        <dsp:cNvSpPr/>
+      </dsp:nvSpPr>
+      <dsp:spPr>
+        <a:xfrm>
+          <a:off x="1597501" y="2642931"/>
+          <a:ext cx="267736" cy="267736"/>
+        </a:xfrm>
+        <a:prstGeom prst="ellipse">
+          <a:avLst/>
+        </a:prstGeom>
+        <a:solidFill>
+          <a:schemeClr val="accent1">
+            <a:hueOff val="0"/>
+            <a:satOff val="0"/>
+            <a:lumOff val="0"/>
+            <a:alphaOff val="0"/>
+          </a:schemeClr>
+        </a:solidFill>
+        <a:ln w="25400" cap="flat" cmpd="sng" algn="ctr">
+          <a:solidFill>
+            <a:schemeClr val="lt1">
+              <a:hueOff val="0"/>
+              <a:satOff val="0"/>
+              <a:lumOff val="0"/>
+              <a:alphaOff val="0"/>
+            </a:schemeClr>
+          </a:solidFill>
+          <a:prstDash val="solid"/>
+        </a:ln>
+        <a:effectLst/>
+      </dsp:spPr>
+      <dsp:style>
+        <a:lnRef idx="2">
+          <a:scrgbClr r="0" g="0" b="0"/>
+        </a:lnRef>
+        <a:fillRef idx="1">
+          <a:scrgbClr r="0" g="0" b="0"/>
+        </a:fillRef>
+        <a:effectRef idx="0">
+          <a:scrgbClr r="0" g="0" b="0"/>
+        </a:effectRef>
+        <a:fontRef idx="minor">
+          <a:schemeClr val="lt1"/>
+        </a:fontRef>
+      </dsp:style>
+    </dsp:sp>
+    <dsp:sp modelId="{2D6AC01C-6DFE-4A4A-A507-406920671A35}">
+      <dsp:nvSpPr>
+        <dsp:cNvPr id="0" name=""/>
+        <dsp:cNvSpPr/>
+      </dsp:nvSpPr>
+      <dsp:spPr>
+        <a:xfrm>
+          <a:off x="1855878" y="2590798"/>
+          <a:ext cx="1954126" cy="795592"/>
+        </a:xfrm>
+        <a:prstGeom prst="rect">
+          <a:avLst/>
+        </a:prstGeom>
+        <a:noFill/>
+        <a:ln>
+          <a:noFill/>
+        </a:ln>
+        <a:effectLst/>
+      </dsp:spPr>
+      <dsp:style>
+        <a:lnRef idx="0">
+          <a:scrgbClr r="0" g="0" b="0"/>
+        </a:lnRef>
+        <a:fillRef idx="0">
+          <a:scrgbClr r="0" g="0" b="0"/>
+        </a:fillRef>
+        <a:effectRef idx="0">
+          <a:scrgbClr r="0" g="0" b="0"/>
+        </a:effectRef>
+        <a:fontRef idx="minor"/>
+      </dsp:style>
+      <dsp:txBody>
+        <a:bodyPr spcFirstLastPara="0" vert="horz" wrap="square" lIns="141868" tIns="0" rIns="0" bIns="0" numCol="1" spcCol="1270" anchor="t" anchorCtr="0">
+          <a:noAutofit/>
+        </a:bodyPr>
+        <a:lstStyle/>
+        <a:p>
+          <a:pPr lvl="0" algn="l" defTabSz="1244600">
+            <a:lnSpc>
+              <a:spcPct val="90000"/>
+            </a:lnSpc>
+            <a:spcBef>
+              <a:spcPct val="0"/>
+            </a:spcBef>
+            <a:spcAft>
+              <a:spcPct val="35000"/>
+            </a:spcAft>
+          </a:pPr>
+          <a:r>
+            <a:rPr lang="en-US" sz="2800" kern="1200" dirty="0" smtClean="0"/>
+            <a:t>Clustering</a:t>
+          </a:r>
+          <a:endParaRPr lang="en-US" sz="2800" kern="1200" dirty="0"/>
+        </a:p>
+      </dsp:txBody>
+      <dsp:txXfrm>
+        <a:off x="1855878" y="2590798"/>
+        <a:ext cx="1954126" cy="795592"/>
+      </dsp:txXfrm>
+    </dsp:sp>
+    <dsp:sp modelId="{3ABE6316-9F1A-439B-9AF1-47F1E71E43F4}">
+      <dsp:nvSpPr>
+        <dsp:cNvPr id="0" name=""/>
+        <dsp:cNvSpPr/>
+      </dsp:nvSpPr>
+      <dsp:spPr>
+        <a:xfrm>
+          <a:off x="2687160" y="1904999"/>
+          <a:ext cx="356981" cy="356981"/>
+        </a:xfrm>
+        <a:prstGeom prst="ellipse">
+          <a:avLst/>
+        </a:prstGeom>
+        <a:solidFill>
+          <a:schemeClr val="accent1">
+            <a:hueOff val="0"/>
+            <a:satOff val="0"/>
+            <a:lumOff val="0"/>
+            <a:alphaOff val="0"/>
+          </a:schemeClr>
+        </a:solidFill>
+        <a:ln w="25400" cap="flat" cmpd="sng" algn="ctr">
+          <a:solidFill>
+            <a:schemeClr val="lt1">
+              <a:hueOff val="0"/>
+              <a:satOff val="0"/>
+              <a:lumOff val="0"/>
+              <a:alphaOff val="0"/>
+            </a:schemeClr>
+          </a:solidFill>
+          <a:prstDash val="solid"/>
+        </a:ln>
+        <a:effectLst/>
+      </dsp:spPr>
+      <dsp:style>
+        <a:lnRef idx="2">
+          <a:scrgbClr r="0" g="0" b="0"/>
+        </a:lnRef>
+        <a:fillRef idx="1">
+          <a:scrgbClr r="0" g="0" b="0"/>
+        </a:fillRef>
+        <a:effectRef idx="0">
+          <a:scrgbClr r="0" g="0" b="0"/>
+        </a:effectRef>
+        <a:fontRef idx="minor">
+          <a:schemeClr val="lt1"/>
+        </a:fontRef>
+      </dsp:style>
+    </dsp:sp>
+    <dsp:sp modelId="{FABF0CCC-4919-47DD-A717-DB06D6063D48}">
+      <dsp:nvSpPr>
+        <dsp:cNvPr id="0" name=""/>
+        <dsp:cNvSpPr/>
+      </dsp:nvSpPr>
+      <dsp:spPr>
+        <a:xfrm>
+          <a:off x="2971796" y="1904996"/>
+          <a:ext cx="862338" cy="631102"/>
+        </a:xfrm>
+        <a:prstGeom prst="rect">
+          <a:avLst/>
+        </a:prstGeom>
+        <a:noFill/>
+        <a:ln>
+          <a:noFill/>
+        </a:ln>
+        <a:effectLst/>
+      </dsp:spPr>
+      <dsp:style>
+        <a:lnRef idx="0">
+          <a:scrgbClr r="0" g="0" b="0"/>
+        </a:lnRef>
+        <a:fillRef idx="0">
+          <a:scrgbClr r="0" g="0" b="0"/>
+        </a:fillRef>
+        <a:effectRef idx="0">
+          <a:scrgbClr r="0" g="0" b="0"/>
+        </a:effectRef>
+        <a:fontRef idx="minor"/>
+      </dsp:style>
+      <dsp:txBody>
+        <a:bodyPr spcFirstLastPara="0" vert="horz" wrap="square" lIns="189157" tIns="0" rIns="0" bIns="0" numCol="1" spcCol="1270" anchor="t" anchorCtr="0">
+          <a:noAutofit/>
+        </a:bodyPr>
+        <a:lstStyle/>
+        <a:p>
+          <a:pPr lvl="0" algn="l" defTabSz="1244600">
+            <a:lnSpc>
+              <a:spcPct val="90000"/>
+            </a:lnSpc>
+            <a:spcBef>
+              <a:spcPct val="0"/>
+            </a:spcBef>
+            <a:spcAft>
+              <a:spcPct val="35000"/>
+            </a:spcAft>
+          </a:pPr>
+          <a:r>
+            <a:rPr lang="en-US" sz="2800" kern="1200" dirty="0" smtClean="0"/>
+            <a:t>NER</a:t>
+          </a:r>
+          <a:endParaRPr lang="en-US" sz="2800" kern="1200" dirty="0"/>
+        </a:p>
+      </dsp:txBody>
+      <dsp:txXfrm>
+        <a:off x="2971796" y="1904996"/>
+        <a:ext cx="862338" cy="631102"/>
+      </dsp:txXfrm>
+    </dsp:sp>
+    <dsp:sp modelId="{94FDD9BE-CED9-41C3-89A4-737B623C85BE}">
+      <dsp:nvSpPr>
+        <dsp:cNvPr id="0" name=""/>
+        <dsp:cNvSpPr/>
+      </dsp:nvSpPr>
+      <dsp:spPr>
+        <a:xfrm>
+          <a:off x="3958500" y="1371602"/>
+          <a:ext cx="461101" cy="461101"/>
+        </a:xfrm>
+        <a:prstGeom prst="ellipse">
+          <a:avLst/>
+        </a:prstGeom>
+        <a:solidFill>
+          <a:schemeClr val="accent1">
+            <a:hueOff val="0"/>
+            <a:satOff val="0"/>
+            <a:lumOff val="0"/>
+            <a:alphaOff val="0"/>
+          </a:schemeClr>
+        </a:solidFill>
+        <a:ln w="25400" cap="flat" cmpd="sng" algn="ctr">
+          <a:solidFill>
+            <a:schemeClr val="lt1">
+              <a:hueOff val="0"/>
+              <a:satOff val="0"/>
+              <a:lumOff val="0"/>
+              <a:alphaOff val="0"/>
+            </a:schemeClr>
+          </a:solidFill>
+          <a:prstDash val="solid"/>
+        </a:ln>
+        <a:effectLst/>
+      </dsp:spPr>
+      <dsp:style>
+        <a:lnRef idx="2">
+          <a:scrgbClr r="0" g="0" b="0"/>
+        </a:lnRef>
+        <a:fillRef idx="1">
+          <a:scrgbClr r="0" g="0" b="0"/>
+        </a:fillRef>
+        <a:effectRef idx="0">
+          <a:scrgbClr r="0" g="0" b="0"/>
+        </a:effectRef>
+        <a:fontRef idx="minor">
+          <a:schemeClr val="lt1"/>
+        </a:fontRef>
+      </dsp:style>
+    </dsp:sp>
+    <dsp:sp modelId="{1D9BC2BC-FCFE-4F5D-83E2-D6971254F7B9}">
+      <dsp:nvSpPr>
+        <dsp:cNvPr id="0" name=""/>
+        <dsp:cNvSpPr/>
+      </dsp:nvSpPr>
+      <dsp:spPr>
+        <a:xfrm>
+          <a:off x="3886200" y="1914908"/>
+          <a:ext cx="2554234" cy="980691"/>
+        </a:xfrm>
+        <a:prstGeom prst="rect">
+          <a:avLst/>
+        </a:prstGeom>
+        <a:noFill/>
+        <a:ln>
+          <a:noFill/>
+        </a:ln>
+        <a:effectLst/>
+      </dsp:spPr>
+      <dsp:style>
+        <a:lnRef idx="0">
+          <a:scrgbClr r="0" g="0" b="0"/>
+        </a:lnRef>
+        <a:fillRef idx="0">
+          <a:scrgbClr r="0" g="0" b="0"/>
+        </a:fillRef>
+        <a:effectRef idx="0">
+          <a:scrgbClr r="0" g="0" b="0"/>
+        </a:effectRef>
+        <a:fontRef idx="minor"/>
+      </dsp:style>
+      <dsp:txBody>
+        <a:bodyPr spcFirstLastPara="0" vert="horz" wrap="square" lIns="244328" tIns="0" rIns="0" bIns="0" numCol="1" spcCol="1270" anchor="t" anchorCtr="0">
+          <a:noAutofit/>
+        </a:bodyPr>
+        <a:lstStyle/>
+        <a:p>
+          <a:pPr lvl="0" algn="l" defTabSz="1244600">
+            <a:lnSpc>
+              <a:spcPct val="90000"/>
+            </a:lnSpc>
+            <a:spcBef>
+              <a:spcPct val="0"/>
+            </a:spcBef>
+            <a:spcAft>
+              <a:spcPct val="35000"/>
+            </a:spcAft>
+          </a:pPr>
+          <a:r>
+            <a:rPr lang="en-US" sz="2800" kern="1200" dirty="0" smtClean="0"/>
+            <a:t>Background </a:t>
+          </a:r>
+          <a:br>
+            <a:rPr lang="en-US" sz="2800" kern="1200" dirty="0" smtClean="0"/>
+          </a:br>
+          <a:r>
+            <a:rPr lang="en-US" sz="2800" kern="1200" dirty="0" smtClean="0"/>
+            <a:t>Extraction</a:t>
+          </a:r>
+          <a:endParaRPr lang="en-US" sz="2800" kern="1200" dirty="0"/>
+        </a:p>
+      </dsp:txBody>
+      <dsp:txXfrm>
+        <a:off x="3886200" y="1914908"/>
+        <a:ext cx="2554234" cy="980691"/>
+      </dsp:txXfrm>
+    </dsp:sp>
+    <dsp:sp modelId="{59305BF5-FAC8-49A1-BE09-CB1FEA7271E9}">
+      <dsp:nvSpPr>
+        <dsp:cNvPr id="0" name=""/>
+        <dsp:cNvSpPr/>
+      </dsp:nvSpPr>
+      <dsp:spPr>
+        <a:xfrm>
+          <a:off x="5203665" y="990601"/>
+          <a:ext cx="587532" cy="587532"/>
+        </a:xfrm>
+        <a:prstGeom prst="ellipse">
+          <a:avLst/>
+        </a:prstGeom>
+        <a:solidFill>
+          <a:schemeClr val="accent1">
+            <a:hueOff val="0"/>
+            <a:satOff val="0"/>
+            <a:lumOff val="0"/>
+            <a:alphaOff val="0"/>
+          </a:schemeClr>
+        </a:solidFill>
+        <a:ln w="25400" cap="flat" cmpd="sng" algn="ctr">
+          <a:solidFill>
+            <a:schemeClr val="lt1">
+              <a:hueOff val="0"/>
+              <a:satOff val="0"/>
+              <a:lumOff val="0"/>
+              <a:alphaOff val="0"/>
+            </a:schemeClr>
+          </a:solidFill>
+          <a:prstDash val="solid"/>
+        </a:ln>
+        <a:effectLst/>
+      </dsp:spPr>
+      <dsp:style>
+        <a:lnRef idx="2">
+          <a:scrgbClr r="0" g="0" b="0"/>
+        </a:lnRef>
+        <a:fillRef idx="1">
+          <a:scrgbClr r="0" g="0" b="0"/>
+        </a:fillRef>
+        <a:effectRef idx="0">
+          <a:scrgbClr r="0" g="0" b="0"/>
+        </a:effectRef>
+        <a:fontRef idx="minor">
+          <a:schemeClr val="lt1"/>
+        </a:fontRef>
+      </dsp:style>
+    </dsp:sp>
+    <dsp:sp modelId="{6AACD624-6843-4A51-A724-C556F0639569}">
+      <dsp:nvSpPr>
+        <dsp:cNvPr id="0" name=""/>
+        <dsp:cNvSpPr/>
+      </dsp:nvSpPr>
+      <dsp:spPr>
+        <a:xfrm>
+          <a:off x="5562602" y="914404"/>
+          <a:ext cx="2859037" cy="982669"/>
+        </a:xfrm>
+        <a:prstGeom prst="rect">
+          <a:avLst/>
+        </a:prstGeom>
+        <a:noFill/>
+        <a:ln>
+          <a:noFill/>
+        </a:ln>
+        <a:effectLst/>
+      </dsp:spPr>
+      <dsp:style>
+        <a:lnRef idx="0">
+          <a:scrgbClr r="0" g="0" b="0"/>
+        </a:lnRef>
+        <a:fillRef idx="0">
+          <a:scrgbClr r="0" g="0" b="0"/>
+        </a:fillRef>
+        <a:effectRef idx="0">
+          <a:scrgbClr r="0" g="0" b="0"/>
+        </a:effectRef>
+        <a:fontRef idx="minor"/>
+      </dsp:style>
+      <dsp:txBody>
+        <a:bodyPr spcFirstLastPara="0" vert="horz" wrap="square" lIns="311321" tIns="0" rIns="0" bIns="0" numCol="1" spcCol="1270" anchor="t" anchorCtr="0">
+          <a:noAutofit/>
+        </a:bodyPr>
+        <a:lstStyle/>
+        <a:p>
+          <a:pPr lvl="0" algn="l" defTabSz="1244600">
+            <a:lnSpc>
+              <a:spcPct val="90000"/>
+            </a:lnSpc>
+            <a:spcBef>
+              <a:spcPct val="0"/>
+            </a:spcBef>
+            <a:spcAft>
+              <a:spcPct val="35000"/>
+            </a:spcAft>
+          </a:pPr>
+          <a:r>
+            <a:rPr lang="en-US" sz="2800" kern="1200" dirty="0" smtClean="0"/>
+            <a:t>Web </a:t>
+          </a:r>
+          <a:br>
+            <a:rPr lang="en-US" sz="2800" kern="1200" dirty="0" smtClean="0"/>
+          </a:br>
+          <a:r>
+            <a:rPr lang="en-US" sz="2800" kern="1200" dirty="0" smtClean="0"/>
+            <a:t>Framework</a:t>
+          </a:r>
+          <a:endParaRPr lang="en-US" sz="2800" kern="1200" dirty="0"/>
+        </a:p>
+      </dsp:txBody>
+      <dsp:txXfrm>
+        <a:off x="5562602" y="914404"/>
+        <a:ext cx="2859037" cy="982669"/>
+      </dsp:txXfrm>
+    </dsp:sp>
+  </dsp:spTree>
+</dsp:drawing>
+</file>
+
+<file path=ppt/diagrams/layout1.xml><?xml version="1.0" encoding="utf-8"?>
+<dgm:layoutDef xmlns:dgm="http://schemas.openxmlformats.org/drawingml/2006/diagram" xmlns:a="http://schemas.openxmlformats.org/drawingml/2006/main" uniqueId="urn:microsoft.com/office/officeart/2005/8/layout/arrow2">
+  <dgm:title val=""/>
+  <dgm:desc val=""/>
+  <dgm:catLst>
+    <dgm:cat type="process" pri="23000"/>
+  </dgm:catLst>
+  <dgm:sampData useDef="1">
+    <dgm:dataModel>
+      <dgm:ptLst/>
+      <dgm:bg/>
+      <dgm:whole/>
+    </dgm:dataModel>
+  </dgm:sampData>
+  <dgm:styleData>
+    <dgm:dataModel>
+      <dgm:ptLst>
+        <dgm:pt modelId="0" type="doc"/>
+        <dgm:pt modelId="1"/>
+        <dgm:pt modelId="2"/>
+      </dgm:ptLst>
+      <dgm:cxnLst>
+        <dgm:cxn modelId="3" srcId="0" destId="1" srcOrd="0" destOrd="0"/>
+        <dgm:cxn modelId="4" srcId="0" destId="2" srcOrd="1" destOrd="0"/>
+      </dgm:cxnLst>
+      <dgm:bg/>
+      <dgm:whole/>
+    </dgm:dataModel>
+  </dgm:styleData>
+  <dgm:clrData>
+    <dgm:dataModel>
+      <dgm:ptLst>
+        <dgm:pt modelId="0" type="doc"/>
+        <dgm:pt modelId="1"/>
+        <dgm:pt modelId="2"/>
+        <dgm:pt modelId="3"/>
+        <dgm:pt modelId="4"/>
+      </dgm:ptLst>
+      <dgm:cxnLst>
+        <dgm:cxn modelId="5" srcId="0" destId="1" srcOrd="0" destOrd="0"/>
+        <dgm:cxn modelId="6" srcId="0" destId="2" srcOrd="1" destOrd="0"/>
+        <dgm:cxn modelId="7" srcId="0" destId="3" srcOrd="2" destOrd="0"/>
+        <dgm:cxn modelId="8" srcId="0" destId="4" srcOrd="3" destOrd="0"/>
+      </dgm:cxnLst>
+      <dgm:bg/>
+      <dgm:whole/>
+    </dgm:dataModel>
+  </dgm:clrData>
+  <dgm:layoutNode name="arrowDiagram">
+    <dgm:varLst>
+      <dgm:chMax val="5"/>
+      <dgm:dir/>
+      <dgm:resizeHandles val="exact"/>
+    </dgm:varLst>
+    <dgm:alg type="composite">
+      <dgm:param type="ar" val="1.6"/>
+    </dgm:alg>
+    <dgm:shape xmlns:r="http://schemas.openxmlformats.org/officeDocument/2006/relationships" r:blip="">
+      <dgm:adjLst/>
+    </dgm:shape>
+    <dgm:presOf/>
+    <dgm:constrLst>
+      <dgm:constr type="l" for="ch" forName="arrow"/>
+      <dgm:constr type="t" for="ch" forName="arrow"/>
+      <dgm:constr type="w" for="ch" forName="arrow" refType="w"/>
+      <dgm:constr type="h" for="ch" forName="arrow" refType="h"/>
+      <dgm:constr type="ctrX" for="ch" forName="arrowDiagram1" refType="w" fact="0.5"/>
+      <dgm:constr type="ctrY" for="ch" forName="arrowDiagram1" refType="h" fact="0.5"/>
+      <dgm:constr type="w" for="ch" forName="arrowDiagram1" refType="w"/>
+      <dgm:constr type="h" for="ch" forName="arrowDiagram1" refType="h"/>
+      <dgm:constr type="ctrX" for="ch" forName="arrowDiagram2" refType="w" fact="0.5"/>
+      <dgm:constr type="ctrY" for="ch" forName="arrowDiagram2" refType="h" fact="0.5"/>
+      <dgm:constr type="w" for="ch" forName="arrowDiagram2" refType="w"/>
+      <dgm:constr type="h" for="ch" forName="arrowDiagram2" refType="h"/>
+      <dgm:constr type="ctrX" for="ch" forName="arrowDiagram3" refType="w" fact="0.5"/>
+      <dgm:constr type="ctrY" for="ch" forName="arrowDiagram3" refType="h" fact="0.5"/>
+      <dgm:constr type="w" for="ch" forName="arrowDiagram3" refType="w"/>
+      <dgm:constr type="h" for="ch" forName="arrowDiagram3" refType="h"/>
+      <dgm:constr type="ctrX" for="ch" forName="arrowDiagram4" refType="w" fact="0.5"/>
+      <dgm:constr type="ctrY" for="ch" forName="arrowDiagram4" refType="h" fact="0.5"/>
+      <dgm:constr type="w" for="ch" forName="arrowDiagram4" refType="w"/>
+      <dgm:constr type="h" for="ch" forName="arrowDiagram4" refType="h"/>
+      <dgm:constr type="ctrX" for="ch" forName="arrowDiagram5" refType="w" fact="0.5"/>
+      <dgm:constr type="ctrY" for="ch" forName="arrowDiagram5" refType="h" fact="0.5"/>
+      <dgm:constr type="w" for="ch" forName="arrowDiagram5" refType="w"/>
+      <dgm:constr type="h" for="ch" forName="arrowDiagram5" refType="h"/>
+    </dgm:constrLst>
+    <dgm:ruleLst/>
+    <dgm:choose name="Name0">
+      <dgm:if name="Name1" axis="ch" ptType="node" func="cnt" op="gte" val="1">
+        <dgm:layoutNode name="arrow" styleLbl="bgShp">
+          <dgm:alg type="sp"/>
+          <dgm:shape xmlns:r="http://schemas.openxmlformats.org/officeDocument/2006/relationships" type="swooshArrow" r:blip="">
+            <dgm:adjLst>
+              <dgm:adj idx="2" val="0.25"/>
+            </dgm:adjLst>
+          </dgm:shape>
+          <dgm:presOf/>
+          <dgm:constrLst/>
+          <dgm:ruleLst/>
+        </dgm:layoutNode>
+        <dgm:choose name="Name2">
+          <dgm:if name="Name3" axis="ch" ptType="node" func="cnt" op="lt" val="1"/>
+          <dgm:if name="Name4" axis="ch" ptType="node" func="cnt" op="equ" val="1">
+            <dgm:layoutNode name="arrowDiagram1">
+              <dgm:varLst>
+                <dgm:bulletEnabled val="1"/>
+              </dgm:varLst>
+              <dgm:alg type="composite">
+                <dgm:param type="vertAlign" val="none"/>
+                <dgm:param type="horzAlign" val="none"/>
+              </dgm:alg>
+              <dgm:shape xmlns:r="http://schemas.openxmlformats.org/officeDocument/2006/relationships" r:blip="">
+                <dgm:adjLst/>
+              </dgm:shape>
+              <dgm:presOf/>
+              <dgm:constrLst>
+                <dgm:constr type="ctrX" for="ch" forName="bullet1" refType="w" fact="0.8"/>
+                <dgm:constr type="ctrY" for="ch" forName="bullet1" refType="h" fact="0.262"/>
+                <dgm:constr type="w" for="ch" forName="bullet1" refType="w" fact="0.074"/>
+                <dgm:constr type="h" for="ch" forName="bullet1" refType="w" refFor="ch" refForName="bullet1"/>
+                <dgm:constr type="r" for="ch" forName="textBox1" refType="ctrX" refFor="ch" refForName="bullet1"/>
+                <dgm:constr type="t" for="ch" forName="textBox1" refType="ctrY" refFor="ch" refForName="bullet1"/>
+                <dgm:constr type="w" for="ch" forName="textBox1" refType="w" fact="0.4"/>
+                <dgm:constr type="h" for="ch" forName="textBox1" refType="h" fact="0.738"/>
+                <dgm:constr type="userA" refType="h" refFor="ch" refForName="bullet1" fact="0.53"/>
+                <dgm:constr type="rMarg" for="ch" forName="textBox1" refType="userA" fact="2.834"/>
+                <dgm:constr type="primFontSz" for="ch" ptType="node" op="equ" val="65"/>
+              </dgm:constrLst>
+              <dgm:ruleLst/>
+              <dgm:forEach name="Name5" axis="ch" ptType="node" cnt="1">
+                <dgm:layoutNode name="bullet1" styleLbl="node1">
+                  <dgm:alg type="sp"/>
+                  <dgm:shape xmlns:r="http://schemas.openxmlformats.org/officeDocument/2006/relationships" type="ellipse" r:blip="">
+                    <dgm:adjLst/>
+                  </dgm:shape>
+                  <dgm:presOf/>
+                  <dgm:constrLst/>
+                  <dgm:ruleLst/>
+                </dgm:layoutNode>
+                <dgm:layoutNode name="textBox1" styleLbl="revTx">
+                  <dgm:varLst>
+                    <dgm:bulletEnabled val="1"/>
+                  </dgm:varLst>
+                  <dgm:alg type="tx">
+                    <dgm:param type="txAnchorVert" val="t"/>
+                    <dgm:param type="parTxLTRAlign" val="r"/>
+                    <dgm:param type="parTxRTLAlign" val="r"/>
+                  </dgm:alg>
+                  <dgm:shape xmlns:r="http://schemas.openxmlformats.org/officeDocument/2006/relationships" type="round2DiagRect" r:blip="">
+                    <dgm:adjLst/>
+                  </dgm:shape>
+                  <dgm:presOf axis="desOrSelf" ptType="node"/>
+                  <dgm:constrLst>
+                    <dgm:constr type="lMarg"/>
+                    <dgm:constr type="tMarg"/>
+                    <dgm:constr type="bMarg"/>
+                  </dgm:constrLst>
+                  <dgm:ruleLst>
+                    <dgm:rule type="primFontSz" val="5" fact="NaN" max="NaN"/>
+                  </dgm:ruleLst>
+                </dgm:layoutNode>
+              </dgm:forEach>
+            </dgm:layoutNode>
+          </dgm:if>
+          <dgm:if name="Name6" axis="ch" ptType="node" func="cnt" op="equ" val="2">
+            <dgm:layoutNode name="arrowDiagram2">
+              <dgm:alg type="composite">
+                <dgm:param type="vertAlign" val="none"/>
+                <dgm:param type="horzAlign" val="none"/>
+              </dgm:alg>
+              <dgm:shape xmlns:r="http://schemas.openxmlformats.org/officeDocument/2006/relationships" r:blip="">
+                <dgm:adjLst/>
+              </dgm:shape>
+              <dgm:presOf/>
+              <dgm:choose name="Name7">
+                <dgm:if name="Name8" func="var" arg="dir" op="equ" val="norm">
+                  <dgm:constrLst>
+                    <dgm:constr type="ctrX" for="ch" forName="bullet2a" refType="w" fact="0.25"/>
+                    <dgm:constr type="ctrY" for="ch" forName="bullet2a" refType="h" fact="0.573"/>
+                    <dgm:constr type="w" for="ch" forName="bullet2a" refType="w" fact="0.035"/>
+                    <dgm:constr type="h" for="ch" forName="bullet2a" refType="w" refFor="ch" refForName="bullet2a"/>
+                    <dgm:constr type="l" for="ch" forName="textBox2a" refType="ctrX" refFor="ch" refForName="bullet2a"/>
+                    <dgm:constr type="t" for="ch" forName="textBox2a" refType="ctrY" refFor="ch" refForName="bullet2a"/>
+                    <dgm:constr type="w" for="ch" forName="textBox2a" refType="w" fact="0.325"/>
+                    <dgm:constr type="h" for="ch" forName="textBox2a" refType="h" fact="0.427"/>
+                    <dgm:constr type="userA" refType="h" refFor="ch" refForName="bullet2a" fact="0.53"/>
+                    <dgm:constr type="lMarg" for="ch" forName="textBox2a" refType="userA" fact="2.834"/>
+                    <dgm:constr type="ctrX" for="ch" forName="bullet2b" refType="w" fact="0.585"/>
+                    <dgm:constr type="ctrY" for="ch" forName="bullet2b" refType="h" fact="0.338"/>
+                    <dgm:constr type="w" for="ch" forName="bullet2b" refType="w" fact="0.06"/>
+                    <dgm:constr type="h" for="ch" forName="bullet2b" refType="w" refFor="ch" refForName="bullet2b"/>
+                    <dgm:constr type="l" for="ch" forName="textBox2b" refType="ctrX" refFor="ch" refForName="bullet2b"/>
+                    <dgm:constr type="t" for="ch" forName="textBox2b" refType="ctrY" refFor="ch" refForName="bullet2b"/>
+                    <dgm:constr type="w" for="ch" forName="textBox2b" refType="w" fact="0.325"/>
+                    <dgm:constr type="h" for="ch" forName="textBox2b" refType="h" fact="0.662"/>
+                    <dgm:constr type="userB" refType="h" refFor="ch" refForName="bullet2b" fact="0.53"/>
+                    <dgm:constr type="lMarg" for="ch" forName="textBox2b" refType="userB" fact="2.834"/>
+                    <dgm:constr type="primFontSz" for="ch" ptType="node" op="equ" val="65"/>
+                  </dgm:constrLst>
+                </dgm:if>
+                <dgm:else name="Name9">
+                  <dgm:constrLst>
+                    <dgm:constr type="ctrX" for="ch" forName="bullet2a" refType="w" fact="0.25"/>
+                    <dgm:constr type="ctrY" for="ch" forName="bullet2a" refType="h" fact="0.573"/>
+                    <dgm:constr type="w" for="ch" forName="bullet2a" refType="w" fact="0.035"/>
+                    <dgm:constr type="h" for="ch" forName="bullet2a" refType="w" refFor="ch" refForName="bullet2a"/>
+                    <dgm:constr type="r" for="ch" forName="textBox2a" refType="ctrX" refFor="ch" refForName="bullet2a"/>
+                    <dgm:constr type="b" for="ch" forName="textBox2a" refType="ctrY" refFor="ch" refForName="bullet2a"/>
+                    <dgm:constr type="w" for="ch" forName="textBox2a" refType="w" fact="0.25"/>
+                    <dgm:constr type="h" for="ch" forName="textBox2a" refType="h" fact="0.573"/>
+                    <dgm:constr type="userA" refType="h" refFor="ch" refForName="bullet2a" fact="0.53"/>
+                    <dgm:constr type="rMarg" for="ch" forName="textBox2a" refType="userA" fact="2.834"/>
+                    <dgm:constr type="ctrX" for="ch" forName="bullet2b" refType="w" fact="0.585"/>
+                    <dgm:constr type="ctrY" for="ch" forName="bullet2b" refType="h" fact="0.338"/>
+                    <dgm:constr type="w" for="ch" forName="bullet2b" refType="w" fact="0.06"/>
+                    <dgm:constr type="h" for="ch" forName="bullet2b" refType="w" refFor="ch" refForName="bullet2b"/>
+                    <dgm:constr type="r" for="ch" forName="textBox2b" refType="ctrX" refFor="ch" refForName="bullet2b"/>
+                    <dgm:constr type="b" for="ch" forName="textBox2b" refType="ctrY" refFor="ch" refForName="bullet2b"/>
+                    <dgm:constr type="w" for="ch" forName="textBox2b" refType="w" fact="0.28"/>
+                    <dgm:constr type="h" for="ch" forName="textBox2b" refType="h" fact="0.338"/>
+                    <dgm:constr type="userB" refType="h" refFor="ch" refForName="bullet2b" fact="0.53"/>
+                    <dgm:constr type="rMarg" for="ch" forName="textBox2b" refType="userB" fact="2.834"/>
+                    <dgm:constr type="primFontSz" for="ch" ptType="node" op="equ" val="65"/>
+                  </dgm:constrLst>
+                </dgm:else>
+              </dgm:choose>
+              <dgm:ruleLst/>
+              <dgm:forEach name="Name10" axis="ch" ptType="node" cnt="1">
+                <dgm:layoutNode name="bullet2a" styleLbl="node1">
+                  <dgm:alg type="sp"/>
+                  <dgm:shape xmlns:r="http://schemas.openxmlformats.org/officeDocument/2006/relationships" type="ellipse" r:blip="">
+                    <dgm:adjLst/>
+                  </dgm:shape>
+                  <dgm:presOf/>
+                  <dgm:constrLst/>
+                  <dgm:ruleLst/>
+                </dgm:layoutNode>
+                <dgm:layoutNode name="textBox2a" styleLbl="revTx">
+                  <dgm:varLst>
+                    <dgm:bulletEnabled val="1"/>
+                  </dgm:varLst>
+                  <dgm:choose name="Name11">
+                    <dgm:if name="Name12" func="var" arg="dir" op="equ" val="norm">
+                      <dgm:choose name="Name13">
+                        <dgm:if name="Name14" axis="root des" ptType="all node" func="maxDepth" op="gt" val="1">
+                          <dgm:alg type="tx">
+                            <dgm:param type="txAnchorVert" val="t"/>
+                            <dgm:param type="parTxLTRAlign" val="l"/>
+                            <dgm:param type="parTxRTLAlign" val="r"/>
+                          </dgm:alg>
+                        </dgm:if>
+                        <dgm:else name="Name15">
+                          <dgm:alg type="tx">
+                            <dgm:param type="txAnchorVert" val="t"/>
+                            <dgm:param type="parTxLTRAlign" val="l"/>
+                            <dgm:param type="parTxRTLAlign" val="l"/>
+                          </dgm:alg>
+                        </dgm:else>
+                      </dgm:choose>
+                    </dgm:if>
+                    <dgm:else name="Name16">
+                      <dgm:choose name="Name17">
+                        <dgm:if name="Name18" axis="root des" ptType="all node" func="maxDepth" op="gt" val="1">
+                          <dgm:alg type="tx">
+                            <dgm:param type="txAnchorVert" val="b"/>
+                            <dgm:param type="txAnchorVertCh" val="b"/>
+                            <dgm:param type="parTxLTRAlign" val="l"/>
+                            <dgm:param type="parTxRTLAlign" val="r"/>
+                          </dgm:alg>
+                        </dgm:if>
+                        <dgm:else name="Name19">
+                          <dgm:alg type="tx">
+                            <dgm:param type="txAnchorVert" val="b"/>
+                            <dgm:param type="parTxLTRAlign" val="r"/>
+                            <dgm:param type="parTxRTLAlign" val="r"/>
+                          </dgm:alg>
+                        </dgm:else>
+                      </dgm:choose>
+                    </dgm:else>
+                  </dgm:choose>
+                  <dgm:shape xmlns:r="http://schemas.openxmlformats.org/officeDocument/2006/relationships" type="rect" r:blip="">
+                    <dgm:adjLst/>
+                  </dgm:shape>
+                  <dgm:presOf axis="desOrSelf" ptType="node"/>
+                  <dgm:choose name="Name20">
+                    <dgm:if name="Name21" func="var" arg="dir" op="equ" val="norm">
+                      <dgm:constrLst>
+                        <dgm:constr type="rMarg"/>
+                        <dgm:constr type="tMarg"/>
+                        <dgm:constr type="bMarg"/>
+                      </dgm:constrLst>
+                    </dgm:if>
+                    <dgm:else name="Name22">
+                      <dgm:constrLst>
+                        <dgm:constr type="lMarg"/>
+                        <dgm:constr type="tMarg"/>
+                        <dgm:constr type="bMarg"/>
+                      </dgm:constrLst>
+                    </dgm:else>
+                  </dgm:choose>
+                  <dgm:ruleLst>
+                    <dgm:rule type="primFontSz" val="5" fact="NaN" max="NaN"/>
+                  </dgm:ruleLst>
+                </dgm:layoutNode>
+              </dgm:forEach>
+              <dgm:forEach name="Name23" axis="ch" ptType="node" st="2" cnt="1">
+                <dgm:layoutNode name="bullet2b" styleLbl="node1">
+                  <dgm:alg type="sp"/>
+                  <dgm:shape xmlns:r="http://schemas.openxmlformats.org/officeDocument/2006/relationships" type="ellipse" r:blip="">
+                    <dgm:adjLst/>
+                  </dgm:shape>
+                  <dgm:presOf/>
+                  <dgm:constrLst/>
+                  <dgm:ruleLst/>
+                </dgm:layoutNode>
+                <dgm:layoutNode name="textBox2b" styleLbl="revTx">
+                  <dgm:varLst>
+                    <dgm:bulletEnabled val="1"/>
+                  </dgm:varLst>
+                  <dgm:choose name="Name24">
+                    <dgm:if name="Name25" func="var" arg="dir" op="equ" val="norm">
+                      <dgm:choose name="Name26">
+                        <dgm:if name="Name27" axis="root des" ptType="all node" func="maxDepth" op="gt" val="1">
+                          <dgm:alg type="tx">
+                            <dgm:param type="txAnchorVert" val="t"/>
+                            <dgm:param type="parTxLTRAlign" val="l"/>
+                            <dgm:param type="parTxRTLAlign" val="r"/>
+                          </dgm:alg>
+                        </dgm:if>
+                        <dgm:else name="Name28">
+                          <dgm:alg type="tx">
+                            <dgm:param type="txAnchorVert" val="t"/>
+                            <dgm:param type="parTxLTRAlign" val="l"/>
+                            <dgm:param type="parTxRTLAlign" val="l"/>
+                          </dgm:alg>
+                        </dgm:else>
+                      </dgm:choose>
+                    </dgm:if>
+                    <dgm:else name="Name29">
+                      <dgm:choose name="Name30">
+                        <dgm:if name="Name31" axis="root des" ptType="all node" func="maxDepth" op="gt" val="1">
+                          <dgm:alg type="tx">
+                            <dgm:param type="txAnchorVert" val="b"/>
+                            <dgm:param type="txAnchorVertCh" val="b"/>
+                            <dgm:param type="parTxLTRAlign" val="l"/>
+                            <dgm:param type="parTxRTLAlign" val="r"/>
+                          </dgm:alg>
+                        </dgm:if>
+                        <dgm:else name="Name32">
+                          <dgm:alg type="tx">
+                            <dgm:param type="txAnchorVert" val="b"/>
+                            <dgm:param type="parTxLTRAlign" val="r"/>
+                            <dgm:param type="parTxRTLAlign" val="r"/>
+                          </dgm:alg>
+                        </dgm:else>
+                      </dgm:choose>
+                    </dgm:else>
+                  </dgm:choose>
+                  <dgm:shape xmlns:r="http://schemas.openxmlformats.org/officeDocument/2006/relationships" type="rect" r:blip="">
+                    <dgm:adjLst/>
+                  </dgm:shape>
+                  <dgm:presOf axis="desOrSelf" ptType="node"/>
+                  <dgm:choose name="Name33">
+                    <dgm:if name="Name34" func="var" arg="dir" op="equ" val="norm">
+                      <dgm:constrLst>
+                        <dgm:constr type="rMarg"/>
+                        <dgm:constr type="tMarg"/>
+                        <dgm:constr type="bMarg"/>
+                      </dgm:constrLst>
+                    </dgm:if>
+                    <dgm:else name="Name35">
+                      <dgm:constrLst>
+                        <dgm:constr type="lMarg"/>
+                        <dgm:constr type="tMarg"/>
+                        <dgm:constr type="bMarg"/>
+                      </dgm:constrLst>
+                    </dgm:else>
+                  </dgm:choose>
+                  <dgm:ruleLst>
+                    <dgm:rule type="primFontSz" val="5" fact="NaN" max="NaN"/>
+                  </dgm:ruleLst>
+                </dgm:layoutNode>
+              </dgm:forEach>
+            </dgm:layoutNode>
+          </dgm:if>
+          <dgm:if name="Name36" axis="ch" ptType="node" func="cnt" op="equ" val="3">
+            <dgm:layoutNode name="arrowDiagram3">
+              <dgm:alg type="composite">
+                <dgm:param type="vertAlign" val="none"/>
+                <dgm:param type="horzAlign" val="none"/>
+              </dgm:alg>
+              <dgm:shape xmlns:r="http://schemas.openxmlformats.org/officeDocument/2006/relationships" r:blip="">
+                <dgm:adjLst/>
+              </dgm:shape>
+              <dgm:presOf/>
+              <dgm:choose name="Name37">
+                <dgm:if name="Name38" func="var" arg="dir" op="equ" val="norm">
+                  <dgm:constrLst>
+                    <dgm:constr type="ctrX" for="ch" forName="bullet3a" refType="w" fact="0.14"/>
+                    <dgm:constr type="ctrY" for="ch" forName="bullet3a" refType="h" fact="0.711"/>
+                    <dgm:constr type="w" for="ch" forName="bullet3a" refType="w" fact="0.026"/>
+                    <dgm:constr type="h" for="ch" forName="bullet3a" refType="w" refFor="ch" refForName="bullet3a"/>
+                    <dgm:constr type="l" for="ch" forName="textBox3a" refType="ctrX" refFor="ch" refForName="bullet3a"/>
+                    <dgm:constr type="t" for="ch" forName="textBox3a" refType="ctrY" refFor="ch" refForName="bullet3a"/>
+                    <dgm:constr type="w" for="ch" forName="textBox3a" refType="w" fact="0.233"/>
+                    <dgm:constr type="h" for="ch" forName="textBox3a" refType="h" fact="0.289"/>
+                    <dgm:constr type="userA" refType="h" refFor="ch" refForName="bullet3a" fact="0.53"/>
+                    <dgm:constr type="lMarg" for="ch" forName="textBox3a" refType="userA" fact="2.834"/>
+                    <dgm:constr type="ctrX" for="ch" forName="bullet3b" refType="w" fact="0.38"/>
+                    <dgm:constr type="ctrY" for="ch" forName="bullet3b" refType="h" fact="0.456"/>
+                    <dgm:constr type="w" for="ch" forName="bullet3b" refType="w" fact="0.047"/>
+                    <dgm:constr type="h" for="ch" forName="bullet3b" refType="w" refFor="ch" refForName="bullet3b"/>
+                    <dgm:constr type="l" for="ch" forName="textBox3b" refType="ctrX" refFor="ch" refForName="bullet3b"/>
+                    <dgm:constr type="t" for="ch" forName="textBox3b" refType="ctrY" refFor="ch" refForName="bullet3b"/>
+                    <dgm:constr type="w" for="ch" forName="textBox3b" refType="w" fact="0.24"/>
+                    <dgm:constr type="h" for="ch" forName="textBox3b" refType="h" fact="0.544"/>
+                    <dgm:constr type="userB" refType="h" refFor="ch" refForName="bullet3b" fact="0.53"/>
+                    <dgm:constr type="lMarg" for="ch" forName="textBox3b" refType="userB" fact="2.834"/>
+                    <dgm:constr type="ctrX" for="ch" forName="bullet3c" refType="w" fact="0.665"/>
+                    <dgm:constr type="ctrY" for="ch" forName="bullet3c" refType="h" fact="0.305"/>
+                    <dgm:constr type="w" for="ch" forName="bullet3c" refType="w" fact="0.065"/>
+                    <dgm:constr type="h" for="ch" forName="bullet3c" refType="w" refFor="ch" refForName="bullet3c"/>
+                    <dgm:constr type="l" for="ch" forName="textBox3c" refType="ctrX" refFor="ch" refForName="bullet3c"/>
+                    <dgm:constr type="t" for="ch" forName="textBox3c" refType="ctrY" refFor="ch" refForName="bullet3c"/>
+                    <dgm:constr type="w" for="ch" forName="textBox3c" refType="w" fact="0.24"/>
+                    <dgm:constr type="h" for="ch" forName="textBox3c" refType="h" fact="0.695"/>
+                    <dgm:constr type="userC" refType="h" refFor="ch" refForName="bullet3c" fact="0.53"/>
+                    <dgm:constr type="lMarg" for="ch" forName="textBox3c" refType="userC" fact="2.834"/>
+                    <dgm:constr type="primFontSz" for="ch" ptType="node" op="equ" val="65"/>
+                  </dgm:constrLst>
+                </dgm:if>
+                <dgm:else name="Name39">
+                  <dgm:constrLst>
+                    <dgm:constr type="ctrX" for="ch" forName="bullet3a" refType="w" fact="0.14"/>
+                    <dgm:constr type="ctrY" for="ch" forName="bullet3a" refType="h" fact="0.711"/>
+                    <dgm:constr type="w" for="ch" forName="bullet3a" refType="w" fact="0.026"/>
+                    <dgm:constr type="h" for="ch" forName="bullet3a" refType="w" refFor="ch" refForName="bullet3a"/>
+                    <dgm:constr type="r" for="ch" forName="textBox3a" refType="ctrX" refFor="ch" refForName="bullet3a"/>
+                    <dgm:constr type="b" for="ch" forName="textBox3a" refType="ctrY" refFor="ch" refForName="bullet3a"/>
+                    <dgm:constr type="w" for="ch" forName="textBox3a" refType="w" fact="0.14"/>
+                    <dgm:constr type="h" for="ch" forName="textBox3a" refType="h" fact="0.711"/>
+                    <dgm:constr type="userA" refType="h" refFor="ch" refForName="bullet3a" fact="0.53"/>
+                    <dgm:constr type="rMarg" for="ch" forName="textBox3a" refType="userA" fact="2.834"/>
+                    <dgm:constr type="ctrX" for="ch" forName="bullet3b" refType="w" fact="0.38"/>
+                    <dgm:constr type="ctrY" for="ch" forName="bullet3b" refType="h" fact="0.456"/>
+                    <dgm:constr type="w" for="ch" forName="bullet3b" refType="w" fact="0.047"/>
+                    <dgm:constr type="h" for="ch" forName="bullet3b" refType="w" refFor="ch" refForName="bullet3b"/>
+                    <dgm:constr type="r" for="ch" forName="textBox3b" refType="ctrX" refFor="ch" refForName="bullet3b"/>
+                    <dgm:constr type="b" for="ch" forName="textBox3b" refType="ctrY" refFor="ch" refForName="bullet3b"/>
+                    <dgm:constr type="w" for="ch" forName="textBox3b" refType="w" fact="0.24"/>
+                    <dgm:constr type="h" for="ch" forName="textBox3b" refType="h" fact="0.456"/>
+                    <dgm:constr type="userB" refType="h" refFor="ch" refForName="bullet3b" fact="0.53"/>
+                    <dgm:constr type="rMarg" for="ch" forName="textBox3b" refType="userB" fact="2.834"/>
+                    <dgm:constr type="ctrX" for="ch" forName="bullet3c" refType="w" fact="0.665"/>
+                    <dgm:constr type="ctrY" for="ch" forName="bullet3c" refType="h" fact="0.305"/>
+                    <dgm:constr type="w" for="ch" forName="bullet3c" refType="w" fact="0.065"/>
+                    <dgm:constr type="h" for="ch" forName="bullet3c" refType="w" refFor="ch" refForName="bullet3c"/>
+                    <dgm:constr type="r" for="ch" forName="textBox3c" refType="ctrX" refFor="ch" refForName="bullet3c"/>
+                    <dgm:constr type="b" for="ch" forName="textBox3c" refType="ctrY" refFor="ch" refForName="bullet3c"/>
+                    <dgm:constr type="w" for="ch" forName="textBox3c" refType="w" fact="0.24"/>
+                    <dgm:constr type="h" for="ch" forName="textBox3c" refType="h" fact="0.305"/>
+                    <dgm:constr type="userC" refType="h" refFor="ch" refForName="bullet3c" fact="0.53"/>
+                    <dgm:constr type="rMarg" for="ch" forName="textBox3c" refType="userC" fact="2.834"/>
+                    <dgm:constr type="primFontSz" for="ch" ptType="node" op="equ" val="65"/>
+                  </dgm:constrLst>
+                </dgm:else>
+              </dgm:choose>
+              <dgm:ruleLst/>
+              <dgm:forEach name="Name40" axis="ch" ptType="node" cnt="1">
+                <dgm:layoutNode name="bullet3a" styleLbl="node1">
+                  <dgm:alg type="sp"/>
+                  <dgm:shape xmlns:r="http://schemas.openxmlformats.org/officeDocument/2006/relationships" type="ellipse" r:blip="">
+                    <dgm:adjLst/>
+                  </dgm:shape>
+                  <dgm:presOf/>
+                  <dgm:constrLst/>
+                  <dgm:ruleLst/>
+                </dgm:layoutNode>
+                <dgm:layoutNode name="textBox3a" styleLbl="revTx">
+                  <dgm:varLst>
+                    <dgm:bulletEnabled val="1"/>
+                  </dgm:varLst>
+                  <dgm:choose name="Name41">
+                    <dgm:if name="Name42" func="var" arg="dir" op="equ" val="norm">
+                      <dgm:choose name="Name43">
+                        <dgm:if name="Name44" axis="root des" ptType="all node" func="maxDepth" op="gt" val="1">
+                          <dgm:alg type="tx">
+                            <dgm:param type="txAnchorVert" val="t"/>
+                            <dgm:param type="parTxLTRAlign" val="l"/>
+                            <dgm:param type="parTxRTLAlign" val="r"/>
+                          </dgm:alg>
+                        </dgm:if>
+                        <dgm:else name="Name45">
+                          <dgm:alg type="tx">
+                            <dgm:param type="txAnchorVert" val="t"/>
+                            <dgm:param type="parTxLTRAlign" val="l"/>
+                            <dgm:param type="parTxRTLAlign" val="l"/>
+                          </dgm:alg>
+                        </dgm:else>
+                      </dgm:choose>
+                    </dgm:if>
+                    <dgm:else name="Name46">
+                      <dgm:choose name="Name47">
+                        <dgm:if name="Name48" axis="root des" ptType="all node" func="maxDepth" op="gt" val="1">
+                          <dgm:alg type="tx">
+                            <dgm:param type="txAnchorVert" val="b"/>
+                            <dgm:param type="txAnchorVertCh" val="b"/>
+                            <dgm:param type="parTxLTRAlign" val="l"/>
+                            <dgm:param type="parTxRTLAlign" val="r"/>
+                          </dgm:alg>
+                        </dgm:if>
+                        <dgm:else name="Name49">
+                          <dgm:alg type="tx">
+                            <dgm:param type="txAnchorVert" val="b"/>
+                            <dgm:param type="parTxLTRAlign" val="r"/>
+                            <dgm:param type="parTxRTLAlign" val="r"/>
+                          </dgm:alg>
+                        </dgm:else>
+                      </dgm:choose>
+                    </dgm:else>
+                  </dgm:choose>
+                  <dgm:shape xmlns:r="http://schemas.openxmlformats.org/officeDocument/2006/relationships" type="rect" r:blip="">
+                    <dgm:adjLst/>
+                  </dgm:shape>
+                  <dgm:presOf axis="desOrSelf" ptType="node"/>
+                  <dgm:choose name="Name50">
+                    <dgm:if name="Name51" func="var" arg="dir" op="equ" val="norm">
+                      <dgm:constrLst>
+                        <dgm:constr type="rMarg"/>
+                        <dgm:constr type="tMarg"/>
+                        <dgm:constr type="bMarg"/>
+                      </dgm:constrLst>
+                    </dgm:if>
+                    <dgm:else name="Name52">
+                      <dgm:constrLst>
+                        <dgm:constr type="lMarg"/>
+                        <dgm:constr type="tMarg"/>
+                        <dgm:constr type="bMarg"/>
+                      </dgm:constrLst>
+                    </dgm:else>
+                  </dgm:choose>
+                  <dgm:ruleLst>
+                    <dgm:rule type="primFontSz" val="5" fact="NaN" max="NaN"/>
+                  </dgm:ruleLst>
+                </dgm:layoutNode>
+              </dgm:forEach>
+              <dgm:forEach name="Name53" axis="ch" ptType="node" st="2" cnt="1">
+                <dgm:layoutNode name="bullet3b" styleLbl="node1">
+                  <dgm:alg type="sp"/>
+                  <dgm:shape xmlns:r="http://schemas.openxmlformats.org/officeDocument/2006/relationships" type="ellipse" r:blip="">
+                    <dgm:adjLst/>
+                  </dgm:shape>
+                  <dgm:presOf/>
+                  <dgm:constrLst/>
+                  <dgm:ruleLst/>
+                </dgm:layoutNode>
+                <dgm:layoutNode name="textBox3b" styleLbl="revTx">
+                  <dgm:varLst>
+                    <dgm:bulletEnabled val="1"/>
+                  </dgm:varLst>
+                  <dgm:choose name="Name54">
+                    <dgm:if name="Name55" func="var" arg="dir" op="equ" val="norm">
+                      <dgm:choose name="Name56">
+                        <dgm:if name="Name57" axis="root des" ptType="all node" func="maxDepth" op="gt" val="1">
+                          <dgm:alg type="tx">
+                            <dgm:param type="txAnchorVert" val="t"/>
+                            <dgm:param type="parTxLTRAlign" val="l"/>
+                            <dgm:param type="parTxRTLAlign" val="r"/>
+                          </dgm:alg>
+                        </dgm:if>
+                        <dgm:else name="Name58">
+                          <dgm:alg type="tx">
+                            <dgm:param type="txAnchorVert" val="t"/>
+                            <dgm:param type="parTxLTRAlign" val="l"/>
+                            <dgm:param type="parTxRTLAlign" val="l"/>
+                          </dgm:alg>
+                        </dgm:else>
+                      </dgm:choose>
+                    </dgm:if>
+                    <dgm:else name="Name59">
+                      <dgm:choose name="Name60">
+                        <dgm:if name="Name61" axis="root des" ptType="all node" func="maxDepth" op="gt" val="1">
+                          <dgm:alg type="tx">
+                            <dgm:param type="txAnchorVert" val="b"/>
+                            <dgm:param type="txAnchorVertCh" val="b"/>
+                            <dgm:param type="parTxLTRAlign" val="l"/>
+                            <dgm:param type="parTxRTLAlign" val="r"/>
+                          </dgm:alg>
+                        </dgm:if>
+                        <dgm:else name="Name62">
+                          <dgm:alg type="tx">
+                            <dgm:param type="txAnchorVert" val="b"/>
+                            <dgm:param type="parTxLTRAlign" val="r"/>
+                            <dgm:param type="parTxRTLAlign" val="r"/>
+                          </dgm:alg>
+                        </dgm:else>
+                      </dgm:choose>
+                    </dgm:else>
+                  </dgm:choose>
+                  <dgm:shape xmlns:r="http://schemas.openxmlformats.org/officeDocument/2006/relationships" type="rect" r:blip="">
+                    <dgm:adjLst/>
+                  </dgm:shape>
+                  <dgm:presOf axis="desOrSelf" ptType="node"/>
+                  <dgm:choose name="Name63">
+                    <dgm:if name="Name64" func="var" arg="dir" op="equ" val="norm">
+                      <dgm:constrLst>
+                        <dgm:constr type="rMarg"/>
+                        <dgm:constr type="tMarg"/>
+                        <dgm:constr type="bMarg"/>
+                      </dgm:constrLst>
+                    </dgm:if>
+                    <dgm:else name="Name65">
+                      <dgm:constrLst>
+                        <dgm:constr type="lMarg"/>
+                        <dgm:constr type="tMarg"/>
+                        <dgm:constr type="bMarg"/>
+                      </dgm:constrLst>
+                    </dgm:else>
+                  </dgm:choose>
+                  <dgm:ruleLst>
+                    <dgm:rule type="primFontSz" val="5" fact="NaN" max="NaN"/>
+                  </dgm:ruleLst>
+                </dgm:layoutNode>
+              </dgm:forEach>
+              <dgm:forEach name="Name66" axis="ch" ptType="node" st="3" cnt="1">
+                <dgm:layoutNode name="bullet3c" styleLbl="node1">
+                  <dgm:alg type="sp"/>
+                  <dgm:shape xmlns:r="http://schemas.openxmlformats.org/officeDocument/2006/relationships" type="ellipse" r:blip="">
+                    <dgm:adjLst/>
+                  </dgm:shape>
+                  <dgm:presOf/>
+                  <dgm:constrLst/>
+                  <dgm:ruleLst/>
+                </dgm:layoutNode>
+                <dgm:layoutNode name="textBox3c" styleLbl="revTx">
+                  <dgm:varLst>
+                    <dgm:bulletEnabled val="1"/>
+                  </dgm:varLst>
+                  <dgm:choose name="Name67">
+                    <dgm:if name="Name68" func="var" arg="dir" op="equ" val="norm">
+                      <dgm:choose name="Name69">
+                        <dgm:if name="Name70" axis="root des" ptType="all node" func="maxDepth" op="gt" val="1">
+                          <dgm:alg type="tx">
+                            <dgm:param type="txAnchorVert" val="t"/>
+                            <dgm:param type="parTxLTRAlign" val="l"/>
+                            <dgm:param type="parTxRTLAlign" val="r"/>
+                          </dgm:alg>
+                        </dgm:if>
+                        <dgm:else name="Name71">
+                          <dgm:alg type="tx">
+                            <dgm:param type="txAnchorVert" val="t"/>
+                            <dgm:param type="parTxLTRAlign" val="l"/>
+                            <dgm:param type="parTxRTLAlign" val="l"/>
+                          </dgm:alg>
+                        </dgm:else>
+                      </dgm:choose>
+                    </dgm:if>
+                    <dgm:else name="Name72">
+                      <dgm:choose name="Name73">
+                        <dgm:if name="Name74" axis="root des" ptType="all node" func="maxDepth" op="gt" val="1">
+                          <dgm:alg type="tx">
+                            <dgm:param type="txAnchorVert" val="b"/>
+                            <dgm:param type="txAnchorVertCh" val="b"/>
+                            <dgm:param type="parTxLTRAlign" val="l"/>
+                            <dgm:param type="parTxRTLAlign" val="r"/>
+                          </dgm:alg>
+                        </dgm:if>
+                        <dgm:else name="Name75">
+                          <dgm:alg type="tx">
+                            <dgm:param type="txAnchorVert" val="b"/>
+                            <dgm:param type="parTxLTRAlign" val="r"/>
+                            <dgm:param type="parTxRTLAlign" val="r"/>
+                          </dgm:alg>
+                        </dgm:else>
+                      </dgm:choose>
+                    </dgm:else>
+                  </dgm:choose>
+                  <dgm:shape xmlns:r="http://schemas.openxmlformats.org/officeDocument/2006/relationships" type="rect" r:blip="">
+                    <dgm:adjLst/>
+                  </dgm:shape>
+                  <dgm:presOf axis="desOrSelf" ptType="node"/>
+                  <dgm:choose name="Name76">
+                    <dgm:if name="Name77" func="var" arg="dir" op="equ" val="norm">
+                      <dgm:constrLst>
+                        <dgm:constr type="rMarg"/>
+                        <dgm:constr type="tMarg"/>
+                        <dgm:constr type="bMarg"/>
+                      </dgm:constrLst>
+                    </dgm:if>
+                    <dgm:else name="Name78">
+                      <dgm:constrLst>
+                        <dgm:constr type="lMarg"/>
+                        <dgm:constr type="tMarg"/>
+                        <dgm:constr type="bMarg"/>
+                      </dgm:constrLst>
+                    </dgm:else>
+                  </dgm:choose>
+                  <dgm:ruleLst>
+                    <dgm:rule type="primFontSz" val="5" fact="NaN" max="NaN"/>
+                  </dgm:ruleLst>
+                </dgm:layoutNode>
+              </dgm:forEach>
+            </dgm:layoutNode>
+          </dgm:if>
+          <dgm:if name="Name79" axis="ch" ptType="node" func="cnt" op="equ" val="4">
+            <dgm:layoutNode name="arrowDiagram4">
+              <dgm:alg type="composite">
+                <dgm:param type="vertAlign" val="none"/>
+                <dgm:param type="horzAlign" val="none"/>
+              </dgm:alg>
+              <dgm:shape xmlns:r="http://schemas.openxmlformats.org/officeDocument/2006/relationships" r:blip="">
+                <dgm:adjLst/>
+              </dgm:shape>
+              <dgm:presOf/>
+              <dgm:choose name="Name80">
+                <dgm:if name="Name81" func="var" arg="dir" op="equ" val="norm">
+                  <dgm:constrLst>
+                    <dgm:constr type="ctrX" for="ch" forName="bullet4a" refType="w" fact="0.11"/>
+                    <dgm:constr type="ctrY" for="ch" forName="bullet4a" refType="h" fact="0.762"/>
+                    <dgm:constr type="w" for="ch" forName="bullet4a" refType="w" fact="0.023"/>
+                    <dgm:constr type="h" for="ch" forName="bullet4a" refType="w" refFor="ch" refForName="bullet4a"/>
+                    <dgm:constr type="l" for="ch" forName="textBox4a" refType="ctrX" refFor="ch" refForName="bullet4a"/>
+                    <dgm:constr type="t" for="ch" forName="textBox4a" refType="ctrY" refFor="ch" refForName="bullet4a"/>
+                    <dgm:constr type="w" for="ch" forName="textBox4a" refType="w" fact="0.171"/>
+                    <dgm:constr type="h" for="ch" forName="textBox4a" refType="h" fact="0.238"/>
+                    <dgm:constr type="userA" refType="h" refFor="ch" refForName="bullet4a" fact="0.53"/>
+                    <dgm:constr type="lMarg" for="ch" forName="textBox4a" refType="userA" fact="2.834"/>
+                    <dgm:constr type="ctrX" for="ch" forName="bullet4b" refType="w" fact="0.281"/>
+                    <dgm:constr type="ctrY" for="ch" forName="bullet4b" refType="h" fact="0.543"/>
+                    <dgm:constr type="w" for="ch" forName="bullet4b" refType="w" fact="0.04"/>
+                    <dgm:constr type="h" for="ch" forName="bullet4b" refType="w" refFor="ch" refForName="bullet4b"/>
+                    <dgm:constr type="l" for="ch" forName="textBox4b" refType="ctrX" refFor="ch" refForName="bullet4b"/>
+                    <dgm:constr type="t" for="ch" forName="textBox4b" refType="ctrY" refFor="ch" refForName="bullet4b"/>
+                    <dgm:constr type="w" for="ch" forName="textBox4b" refType="w" fact="0.21"/>
+                    <dgm:constr type="h" for="ch" forName="textBox4b" refType="h" fact="0.457"/>
+                    <dgm:constr type="userB" refType="h" refFor="ch" refForName="bullet4b" fact="0.53"/>
+                    <dgm:constr type="lMarg" for="ch" forName="textBox4b" refType="userB" fact="2.834"/>
+                    <dgm:constr type="ctrX" for="ch" forName="bullet4c" refType="w" fact="0.495"/>
+                    <dgm:constr type="ctrY" for="ch" forName="bullet4c" refType="h" fact="0.382"/>
+                    <dgm:constr type="w" for="ch" forName="bullet4c" refType="w" fact="0.053"/>
+                    <dgm:constr type="h" for="ch" forName="bullet4c" refType="w" refFor="ch" refForName="bullet4c"/>
+                    <dgm:constr type="l" for="ch" forName="textBox4c" refType="ctrX" refFor="ch" refForName="bullet4c"/>
+                    <dgm:constr type="t" for="ch" forName="textBox4c" refType="ctrY" refFor="ch" refForName="bullet4c"/>
+                    <dgm:constr type="w" for="ch" forName="textBox4c" refType="w" fact="0.21"/>
+                    <dgm:constr type="h" for="ch" forName="textBox4c" refType="h" fact="0.618"/>
+                    <dgm:constr type="userC" refType="h" refFor="ch" refForName="bullet4c" fact="0.53"/>
+                    <dgm:constr type="lMarg" for="ch" forName="textBox4c" refType="userC" fact="2.834"/>
+                    <dgm:constr type="ctrX" for="ch" forName="bullet4d" refType="w" fact="0.73"/>
+                    <dgm:constr type="ctrY" for="ch" forName="bullet4d" refType="h" fact="0.283"/>
+                    <dgm:constr type="w" for="ch" forName="bullet4d" refType="w" fact="0.071"/>
+                    <dgm:constr type="h" for="ch" forName="bullet4d" refType="w" refFor="ch" refForName="bullet4d"/>
+                    <dgm:constr type="l" for="ch" forName="textBox4d" refType="ctrX" refFor="ch" refForName="bullet4d"/>
+                    <dgm:constr type="t" for="ch" forName="textBox4d" refType="ctrY" refFor="ch" refForName="bullet4d"/>
+                    <dgm:constr type="w" for="ch" forName="textBox4d" refType="w" fact="0.21"/>
+                    <dgm:constr type="h" for="ch" forName="textBox4d" refType="h" fact="0.717"/>
+                    <dgm:constr type="userD" refType="h" refFor="ch" refForName="bullet4d" fact="0.53"/>
+                    <dgm:constr type="lMarg" for="ch" forName="textBox4d" refType="userD" fact="2.834"/>
+                    <dgm:constr type="primFontSz" for="ch" ptType="node" op="equ" val="65"/>
+                  </dgm:constrLst>
+                </dgm:if>
+                <dgm:else name="Name82">
+                  <dgm:constrLst>
+                    <dgm:constr type="ctrX" for="ch" forName="bullet4a" refType="w" fact="0.11"/>
+                    <dgm:constr type="ctrY" for="ch" forName="bullet4a" refType="h" fact="0.762"/>
+                    <dgm:constr type="w" for="ch" forName="bullet4a" refType="w" fact="0.023"/>
+                    <dgm:constr type="h" for="ch" forName="bullet4a" refType="w" refFor="ch" refForName="bullet4a"/>
+                    <dgm:constr type="r" for="ch" forName="textBox4a" refType="ctrX" refFor="ch" refForName="bullet4a"/>
+                    <dgm:constr type="b" for="ch" forName="textBox4a" refType="ctrY" refFor="ch" refForName="bullet4a"/>
+                    <dgm:constr type="w" for="ch" forName="textBox4a" refType="w" fact="0.11"/>
+                    <dgm:constr type="h" for="ch" forName="textBox4a" refType="h" fact="0.762"/>
+                    <dgm:constr type="userA" refType="h" refFor="ch" refForName="bullet4a" fact="0.53"/>
+                    <dgm:constr type="rMarg" for="ch" forName="textBox4a" refType="userA" fact="2.834"/>
+                    <dgm:constr type="ctrX" for="ch" forName="bullet4b" refType="w" fact="0.281"/>
+                    <dgm:constr type="ctrY" for="ch" forName="bullet4b" refType="h" fact="0.543"/>
+                    <dgm:constr type="w" for="ch" forName="bullet4b" refType="w" fact="0.04"/>
+                    <dgm:constr type="h" for="ch" forName="bullet4b" refType="w" refFor="ch" refForName="bullet4b"/>
+                    <dgm:constr type="r" for="ch" forName="textBox4b" refType="ctrX" refFor="ch" refForName="bullet4b"/>
+                    <dgm:constr type="b" for="ch" forName="textBox4b" refType="ctrY" refFor="ch" refForName="bullet4b"/>
+                    <dgm:constr type="w" for="ch" forName="textBox4b" refType="w" fact="0.171"/>
+                    <dgm:constr type="h" for="ch" forName="textBox4b" refType="h" fact="0.543"/>
+                    <dgm:constr type="userB" refType="h" refFor="ch" refForName="bullet4b" fact="0.53"/>
+                    <dgm:constr type="rMarg" for="ch" forName="textBox4b" refType="userB" fact="2.834"/>
+                    <dgm:constr type="ctrX" for="ch" forName="bullet4c" refType="w" fact="0.495"/>
+                    <dgm:constr type="ctrY" for="ch" forName="bullet4c" refType="h" fact="0.382"/>
+                    <dgm:constr type="w" for="ch" forName="bullet4c" refType="w" fact="0.053"/>
+                    <dgm:constr type="h" for="ch" forName="bullet4c" refType="w" refFor="ch" refForName="bullet4c"/>
+                    <dgm:constr type="r" for="ch" forName="textBox4c" refType="ctrX" refFor="ch" refForName="bullet4c"/>
+                    <dgm:constr type="b" for="ch" forName="textBox4c" refType="ctrY" refFor="ch" refForName="bullet4c"/>
+                    <dgm:constr type="w" for="ch" forName="textBox4c" refType="w" fact="0.21"/>
+                    <dgm:constr type="h" for="ch" forName="textBox4c" refType="h" fact="0.382"/>
+                    <dgm:constr type="userC" refType="h" refFor="ch" refForName="bullet4c" fact="0.53"/>
+                    <dgm:constr type="rMarg" for="ch" forName="textBox4c" refType="userC" fact="2.834"/>
+                    <dgm:constr type="ctrX" for="ch" forName="bullet4d" refType="w" fact="0.73"/>
+                    <dgm:constr type="ctrY" for="ch" forName="bullet4d" refType="h" fact="0.283"/>
+                    <dgm:constr type="w" for="ch" forName="bullet4d" refType="w" fact="0.071"/>
+                    <dgm:constr type="h" for="ch" forName="bullet4d" refType="w" refFor="ch" refForName="bullet4d"/>
+                    <dgm:constr type="r" for="ch" forName="textBox4d" refType="ctrX" refFor="ch" refForName="bullet4d"/>
+                    <dgm:constr type="b" for="ch" forName="textBox4d" refType="ctrY" refFor="ch" refForName="bullet4d"/>
+                    <dgm:constr type="w" for="ch" forName="textBox4d" refType="w" fact="0.21"/>
+                    <dgm:constr type="h" for="ch" forName="textBox4d" refType="h" fact="0.283"/>
+                    <dgm:constr type="userD" refType="h" refFor="ch" refForName="bullet4d" fact="0.53"/>
+                    <dgm:constr type="rMarg" for="ch" forName="textBox4d" refType="userD" fact="2.834"/>
+                    <dgm:constr type="primFontSz" for="ch" ptType="node" op="equ" val="65"/>
+                  </dgm:constrLst>
+                </dgm:else>
+              </dgm:choose>
+              <dgm:ruleLst/>
+              <dgm:forEach name="Name83" axis="ch" ptType="node" cnt="1">
+                <dgm:layoutNode name="bullet4a" styleLbl="node1">
+                  <dgm:alg type="sp"/>
+                  <dgm:shape xmlns:r="http://schemas.openxmlformats.org/officeDocument/2006/relationships" type="ellipse" r:blip="">
+                    <dgm:adjLst/>
+                  </dgm:shape>
+                  <dgm:presOf/>
+                  <dgm:constrLst/>
+                  <dgm:ruleLst/>
+                </dgm:layoutNode>
+                <dgm:layoutNode name="textBox4a" styleLbl="revTx">
+                  <dgm:varLst>
+                    <dgm:bulletEnabled val="1"/>
+                  </dgm:varLst>
+                  <dgm:choose name="Name84">
+                    <dgm:if name="Name85" func="var" arg="dir" op="equ" val="norm">
+                      <dgm:choose name="Name86">
+                        <dgm:if name="Name87" axis="root des" ptType="all node" func="maxDepth" op="gt" val="1">
+                          <dgm:alg type="tx">
+                            <dgm:param type="txAnchorVert" val="t"/>
+                            <dgm:param type="parTxLTRAlign" val="l"/>
+                            <dgm:param type="parTxRTLAlign" val="r"/>
+                          </dgm:alg>
+                        </dgm:if>
+                        <dgm:else name="Name88">
+                          <dgm:alg type="tx">
+                            <dgm:param type="txAnchorVert" val="t"/>
+                            <dgm:param type="parTxLTRAlign" val="l"/>
+                            <dgm:param type="parTxRTLAlign" val="l"/>
+                          </dgm:alg>
+                        </dgm:else>
+                      </dgm:choose>
+                    </dgm:if>
+                    <dgm:else name="Name89">
+                      <dgm:choose name="Name90">
+                        <dgm:if name="Name91" axis="root des" ptType="all node" func="maxDepth" op="gt" val="1">
+                          <dgm:alg type="tx">
+                            <dgm:param type="txAnchorVert" val="b"/>
+                            <dgm:param type="txAnchorVertCh" val="b"/>
+                            <dgm:param type="parTxLTRAlign" val="l"/>
+                            <dgm:param type="parTxRTLAlign" val="r"/>
+                          </dgm:alg>
+                        </dgm:if>
+                        <dgm:else name="Name92">
+                          <dgm:alg type="tx">
+                            <dgm:param type="txAnchorVert" val="b"/>
+                            <dgm:param type="parTxLTRAlign" val="r"/>
+                            <dgm:param type="parTxRTLAlign" val="r"/>
+                          </dgm:alg>
+                        </dgm:else>
+                      </dgm:choose>
+                    </dgm:else>
+                  </dgm:choose>
+                  <dgm:shape xmlns:r="http://schemas.openxmlformats.org/officeDocument/2006/relationships" type="rect" r:blip="">
+                    <dgm:adjLst/>
+                  </dgm:shape>
+                  <dgm:presOf axis="desOrSelf" ptType="node"/>
+                  <dgm:choose name="Name93">
+                    <dgm:if name="Name94" func="var" arg="dir" op="equ" val="norm">
+                      <dgm:constrLst>
+                        <dgm:constr type="rMarg"/>
+                        <dgm:constr type="tMarg"/>
+                        <dgm:constr type="bMarg"/>
+                      </dgm:constrLst>
+                    </dgm:if>
+                    <dgm:else name="Name95">
+                      <dgm:constrLst>
+                        <dgm:constr type="lMarg"/>
+                        <dgm:constr type="tMarg"/>
+                        <dgm:constr type="bMarg"/>
+                      </dgm:constrLst>
+                    </dgm:else>
+                  </dgm:choose>
+                  <dgm:ruleLst>
+                    <dgm:rule type="primFontSz" val="5" fact="NaN" max="NaN"/>
+                  </dgm:ruleLst>
+                </dgm:layoutNode>
+              </dgm:forEach>
+              <dgm:forEach name="Name96" axis="ch" ptType="node" st="2" cnt="1">
+                <dgm:layoutNode name="bullet4b" styleLbl="node1">
+                  <dgm:alg type="sp"/>
+                  <dgm:shape xmlns:r="http://schemas.openxmlformats.org/officeDocument/2006/relationships" type="ellipse" r:blip="">
+                    <dgm:adjLst/>
+                  </dgm:shape>
+                  <dgm:presOf/>
+                  <dgm:constrLst/>
+                  <dgm:ruleLst/>
+                </dgm:layoutNode>
+                <dgm:layoutNode name="textBox4b" styleLbl="revTx">
+                  <dgm:varLst>
+                    <dgm:bulletEnabled val="1"/>
+                  </dgm:varLst>
+                  <dgm:choose name="Name97">
+                    <dgm:if name="Name98" func="var" arg="dir" op="equ" val="norm">
+                      <dgm:choose name="Name99">
+                        <dgm:if name="Name100" axis="root des" ptType="all node" func="maxDepth" op="gt" val="1">
+                          <dgm:alg type="tx">
+                            <dgm:param type="txAnchorVert" val="t"/>
+                            <dgm:param type="parTxLTRAlign" val="l"/>
+                            <dgm:param type="parTxRTLAlign" val="r"/>
+                          </dgm:alg>
+                        </dgm:if>
+                        <dgm:else name="Name101">
+                          <dgm:alg type="tx">
+                            <dgm:param type="txAnchorVert" val="t"/>
+                            <dgm:param type="parTxLTRAlign" val="l"/>
+                            <dgm:param type="parTxRTLAlign" val="l"/>
+                          </dgm:alg>
+                        </dgm:else>
+                      </dgm:choose>
+                    </dgm:if>
+                    <dgm:else name="Name102">
+                      <dgm:choose name="Name103">
+                        <dgm:if name="Name104" axis="root des" ptType="all node" func="maxDepth" op="gt" val="1">
+                          <dgm:alg type="tx">
+                            <dgm:param type="txAnchorVert" val="b"/>
+                            <dgm:param type="txAnchorVertCh" val="b"/>
+                            <dgm:param type="parTxLTRAlign" val="l"/>
+                            <dgm:param type="parTxRTLAlign" val="r"/>
+                          </dgm:alg>
+                        </dgm:if>
+                        <dgm:else name="Name105">
+                          <dgm:alg type="tx">
+                            <dgm:param type="txAnchorVert" val="b"/>
+                            <dgm:param type="parTxLTRAlign" val="r"/>
+                            <dgm:param type="parTxRTLAlign" val="r"/>
+                          </dgm:alg>
+                        </dgm:else>
+                      </dgm:choose>
+                    </dgm:else>
+                  </dgm:choose>
+                  <dgm:shape xmlns:r="http://schemas.openxmlformats.org/officeDocument/2006/relationships" type="rect" r:blip="">
+                    <dgm:adjLst/>
+                  </dgm:shape>
+                  <dgm:presOf axis="desOrSelf" ptType="node"/>
+                  <dgm:choose name="Name106">
+                    <dgm:if name="Name107" func="var" arg="dir" op="equ" val="norm">
+                      <dgm:constrLst>
+                        <dgm:constr type="rMarg"/>
+                        <dgm:constr type="tMarg"/>
+                        <dgm:constr type="bMarg"/>
+                      </dgm:constrLst>
+                    </dgm:if>
+                    <dgm:else name="Name108">
+                      <dgm:constrLst>
+                        <dgm:constr type="lMarg"/>
+                        <dgm:constr type="tMarg"/>
+                        <dgm:constr type="bMarg"/>
+                      </dgm:constrLst>
+                    </dgm:else>
+                  </dgm:choose>
+                  <dgm:ruleLst>
+                    <dgm:rule type="primFontSz" val="5" fact="NaN" max="NaN"/>
+                  </dgm:ruleLst>
+                </dgm:layoutNode>
+              </dgm:forEach>
+              <dgm:forEach name="Name109" axis="ch" ptType="node" st="3" cnt="1">
+                <dgm:layoutNode name="bullet4c" styleLbl="node1">
+                  <dgm:alg type="sp"/>
+                  <dgm:shape xmlns:r="http://schemas.openxmlformats.org/officeDocument/2006/relationships" type="ellipse" r:blip="">
+                    <dgm:adjLst/>
+                  </dgm:shape>
+                  <dgm:presOf/>
+                  <dgm:constrLst/>
+                  <dgm:ruleLst/>
+                </dgm:layoutNode>
+                <dgm:layoutNode name="textBox4c" styleLbl="revTx">
+                  <dgm:varLst>
+                    <dgm:bulletEnabled val="1"/>
+                  </dgm:varLst>
+                  <dgm:choose name="Name110">
+                    <dgm:if name="Name111" func="var" arg="dir" op="equ" val="norm">
+                      <dgm:choose name="Name112">
+                        <dgm:if name="Name113" axis="root des" ptType="all node" func="maxDepth" op="gt" val="1">
+                          <dgm:alg type="tx">
+                            <dgm:param type="txAnchorVert" val="t"/>
+                            <dgm:param type="parTxLTRAlign" val="l"/>
+                            <dgm:param type="parTxRTLAlign" val="r"/>
+                          </dgm:alg>
+                        </dgm:if>
+                        <dgm:else name="Name114">
+                          <dgm:alg type="tx">
+                            <dgm:param type="txAnchorVert" val="t"/>
+                            <dgm:param type="parTxLTRAlign" val="l"/>
+                            <dgm:param type="parTxRTLAlign" val="l"/>
+                          </dgm:alg>
+                        </dgm:else>
+                      </dgm:choose>
+                    </dgm:if>
+                    <dgm:else name="Name115">
+                      <dgm:choose name="Name116">
+                        <dgm:if name="Name117" axis="root des" ptType="all node" func="maxDepth" op="gt" val="1">
+                          <dgm:alg type="tx">
+                            <dgm:param type="txAnchorVert" val="b"/>
+                            <dgm:param type="txAnchorVertCh" val="b"/>
+                            <dgm:param type="parTxLTRAlign" val="l"/>
+                            <dgm:param type="parTxRTLAlign" val="r"/>
+                          </dgm:alg>
+                        </dgm:if>
+                        <dgm:else name="Name118">
+                          <dgm:alg type="tx">
+                            <dgm:param type="txAnchorVert" val="b"/>
+                            <dgm:param type="parTxLTRAlign" val="r"/>
+                            <dgm:param type="parTxRTLAlign" val="r"/>
+                          </dgm:alg>
+                        </dgm:else>
+                      </dgm:choose>
+                    </dgm:else>
+                  </dgm:choose>
+                  <dgm:shape xmlns:r="http://schemas.openxmlformats.org/officeDocument/2006/relationships" type="rect" r:blip="">
+                    <dgm:adjLst/>
+                  </dgm:shape>
+                  <dgm:presOf axis="desOrSelf" ptType="node"/>
+                  <dgm:choose name="Name119">
+                    <dgm:if name="Name120" func="var" arg="dir" op="equ" val="norm">
+                      <dgm:constrLst>
+                        <dgm:constr type="rMarg"/>
+                        <dgm:constr type="tMarg"/>
+                        <dgm:constr type="bMarg"/>
+                      </dgm:constrLst>
+                    </dgm:if>
+                    <dgm:else name="Name121">
+                      <dgm:constrLst>
+                        <dgm:constr type="lMarg"/>
+                        <dgm:constr type="tMarg"/>
+                        <dgm:constr type="bMarg"/>
+                      </dgm:constrLst>
+                    </dgm:else>
+                  </dgm:choose>
+                  <dgm:ruleLst>
+                    <dgm:rule type="primFontSz" val="5" fact="NaN" max="NaN"/>
+                  </dgm:ruleLst>
+                </dgm:layoutNode>
+              </dgm:forEach>
+              <dgm:forEach name="Name122" axis="ch" ptType="node" st="4" cnt="1">
+                <dgm:layoutNode name="bullet4d" styleLbl="node1">
+                  <dgm:alg type="sp"/>
+                  <dgm:shape xmlns:r="http://schemas.openxmlformats.org/officeDocument/2006/relationships" type="ellipse" r:blip="">
+                    <dgm:adjLst/>
+                  </dgm:shape>
+                  <dgm:presOf/>
+                  <dgm:constrLst/>
+                  <dgm:ruleLst/>
+                </dgm:layoutNode>
+                <dgm:layoutNode name="textBox4d" styleLbl="revTx">
+                  <dgm:varLst>
+                    <dgm:bulletEnabled val="1"/>
+                  </dgm:varLst>
+                  <dgm:choose name="Name123">
+                    <dgm:if name="Name124" func="var" arg="dir" op="equ" val="norm">
+                      <dgm:choose name="Name125">
+                        <dgm:if name="Name126" axis="root des" ptType="all node" func="maxDepth" op="gt" val="1">
+                          <dgm:alg type="tx">
+                            <dgm:param type="txAnchorVert" val="t"/>
+                            <dgm:param type="parTxLTRAlign" val="l"/>
+                            <dgm:param type="parTxRTLAlign" val="r"/>
+                          </dgm:alg>
+                        </dgm:if>
+                        <dgm:else name="Name127">
+                          <dgm:alg type="tx">
+                            <dgm:param type="txAnchorVert" val="t"/>
+                            <dgm:param type="parTxLTRAlign" val="l"/>
+                            <dgm:param type="parTxRTLAlign" val="l"/>
+                          </dgm:alg>
+                        </dgm:else>
+                      </dgm:choose>
+                    </dgm:if>
+                    <dgm:else name="Name128">
+                      <dgm:choose name="Name129">
+                        <dgm:if name="Name130" axis="root des" ptType="all node" func="maxDepth" op="gt" val="1">
+                          <dgm:alg type="tx">
+                            <dgm:param type="txAnchorVert" val="b"/>
+                            <dgm:param type="txAnchorVertCh" val="b"/>
+                            <dgm:param type="parTxLTRAlign" val="l"/>
+                            <dgm:param type="parTxRTLAlign" val="r"/>
+                          </dgm:alg>
+                        </dgm:if>
+                        <dgm:else name="Name131">
+                          <dgm:alg type="tx">
+                            <dgm:param type="txAnchorVert" val="b"/>
+                            <dgm:param type="parTxLTRAlign" val="r"/>
+                            <dgm:param type="parTxRTLAlign" val="r"/>
+                          </dgm:alg>
+                        </dgm:else>
+                      </dgm:choose>
+                    </dgm:else>
+                  </dgm:choose>
+                  <dgm:shape xmlns:r="http://schemas.openxmlformats.org/officeDocument/2006/relationships" type="rect" r:blip="">
+                    <dgm:adjLst/>
+                  </dgm:shape>
+                  <dgm:presOf axis="desOrSelf" ptType="node"/>
+                  <dgm:choose name="Name132">
+                    <dgm:if name="Name133" func="var" arg="dir" op="equ" val="norm">
+                      <dgm:constrLst>
+                        <dgm:constr type="rMarg"/>
+                        <dgm:constr type="tMarg"/>
+                        <dgm:constr type="bMarg"/>
+                      </dgm:constrLst>
+                    </dgm:if>
+                    <dgm:else name="Name134">
+                      <dgm:constrLst>
+                        <dgm:constr type="lMarg"/>
+                        <dgm:constr type="tMarg"/>
+                        <dgm:constr type="bMarg"/>
+                      </dgm:constrLst>
+                    </dgm:else>
+                  </dgm:choose>
+                  <dgm:ruleLst>
+                    <dgm:rule type="primFontSz" val="5" fact="NaN" max="NaN"/>
+                  </dgm:ruleLst>
+                </dgm:layoutNode>
+              </dgm:forEach>
+            </dgm:layoutNode>
+          </dgm:if>
+          <dgm:else name="Name135">
+            <dgm:layoutNode name="arrowDiagram5">
+              <dgm:alg type="composite">
+                <dgm:param type="vertAlign" val="none"/>
+                <dgm:param type="horzAlign" val="none"/>
+              </dgm:alg>
+              <dgm:shape xmlns:r="http://schemas.openxmlformats.org/officeDocument/2006/relationships" r:blip="">
+                <dgm:adjLst/>
+              </dgm:shape>
+              <dgm:presOf/>
+              <dgm:choose name="Name136">
+                <dgm:if name="Name137" func="var" arg="dir" op="equ" val="norm">
+                  <dgm:constrLst>
+                    <dgm:constr type="ctrX" for="ch" forName="bullet5a" refType="w" fact="0.11"/>
+                    <dgm:constr type="ctrY" for="ch" forName="bullet5a" refType="h" fact="0.762"/>
+                    <dgm:constr type="w" for="ch" forName="bullet5a" refType="w" fact="0.023"/>
+                    <dgm:constr type="h" for="ch" forName="bullet5a" refType="w" refFor="ch" refForName="bullet5a"/>
+                    <dgm:constr type="l" for="ch" forName="textBox5a" refType="ctrX" refFor="ch" refForName="bullet5a"/>
+                    <dgm:constr type="t" for="ch" forName="textBox5a" refType="ctrY" refFor="ch" refForName="bullet5a"/>
+                    <dgm:constr type="w" for="ch" forName="textBox5a" refType="w" fact="0.131"/>
+                    <dgm:constr type="h" for="ch" forName="textBox5a" refType="h" fact="0.238"/>
+                    <dgm:constr type="userA" refType="h" refFor="ch" refForName="bullet5a" fact="0.53"/>
+                    <dgm:constr type="lMarg" for="ch" forName="textBox5a" refType="userA" fact="2.834"/>
+                    <dgm:constr type="ctrX" for="ch" forName="bullet5b" refType="w" fact="0.241"/>
+                    <dgm:constr type="ctrY" for="ch" forName="bullet5b" refType="h" fact="0.581"/>
+                    <dgm:constr type="w" for="ch" forName="bullet5b" refType="w" fact="0.036"/>
+                    <dgm:constr type="h" for="ch" forName="bullet5b" refType="w" refFor="ch" refForName="bullet5b"/>
+                    <dgm:constr type="l" for="ch" forName="textBox5b" refType="ctrX" refFor="ch" refForName="bullet5b"/>
+                    <dgm:constr type="t" for="ch" forName="textBox5b" refType="ctrY" refFor="ch" refForName="bullet5b"/>
+                    <dgm:constr type="w" for="ch" forName="textBox5b" refType="w" fact="0.166"/>
+                    <dgm:constr type="h" for="ch" forName="textBox5b" refType="h" fact="0.419"/>
+                    <dgm:constr type="userB" refType="h" refFor="ch" refForName="bullet5b" fact="0.53"/>
+                    <dgm:constr type="lMarg" for="ch" forName="textBox5b" refType="userB" fact="2.834"/>
+                    <dgm:constr type="ctrX" for="ch" forName="bullet5c" refType="w" fact="0.407"/>
+                    <dgm:constr type="ctrY" for="ch" forName="bullet5c" refType="h" fact="0.438"/>
+                    <dgm:constr type="w" for="ch" forName="bullet5c" refType="w" fact="0.048"/>
+                    <dgm:constr type="h" for="ch" forName="bullet5c" refType="w" refFor="ch" refForName="bullet5c"/>
+                    <dgm:constr type="l" for="ch" forName="textBox5c" refType="ctrX" refFor="ch" refForName="bullet5c"/>
+                    <dgm:constr type="t" for="ch" forName="textBox5c" refType="ctrY" refFor="ch" refForName="bullet5c"/>
+                    <dgm:constr type="w" for="ch" forName="textBox5c" refType="w" fact="0.193"/>
+                    <dgm:constr type="h" for="ch" forName="textBox5c" refType="h" fact="0.562"/>
+                    <dgm:constr type="userC" refType="h" refFor="ch" refForName="bullet5c" fact="0.53"/>
+                    <dgm:constr type="lMarg" for="ch" forName="textBox5c" refType="userC" fact="2.834"/>
+                    <dgm:constr type="ctrX" for="ch" forName="bullet5d" refType="w" fact="0.6"/>
+                    <dgm:constr type="ctrY" for="ch" forName="bullet5d" refType="h" fact="0.33"/>
+                    <dgm:constr type="w" for="ch" forName="bullet5d" refType="w" fact="0.062"/>
+                    <dgm:constr type="h" for="ch" forName="bullet5d" refType="w" refFor="ch" refForName="bullet5d"/>
+                    <dgm:constr type="l" for="ch" forName="textBox5d" refType="ctrX" refFor="ch" refForName="bullet5d"/>
+                    <dgm:constr type="t" for="ch" forName="textBox5d" refType="ctrY" refFor="ch" refForName="bullet5d"/>
+                    <dgm:constr type="w" for="ch" forName="textBox5d" refType="w" fact="0.2"/>
+                    <dgm:constr type="h" for="ch" forName="textBox5d" refType="h" fact="0.67"/>
+                    <dgm:constr type="userD" refType="h" refFor="ch" refForName="bullet5d" fact="0.53"/>
+                    <dgm:constr type="lMarg" for="ch" forName="textBox5d" refType="userD" fact="2.834"/>
+                    <dgm:constr type="ctrX" for="ch" forName="bullet5e" refType="w" fact="0.8"/>
+                    <dgm:constr type="ctrY" for="ch" forName="bullet5e" refType="h" fact="0.264"/>
+                    <dgm:constr type="w" for="ch" forName="bullet5e" refType="w" fact="0.079"/>
+                    <dgm:constr type="h" for="ch" forName="bullet5e" refType="w" refFor="ch" refForName="bullet5e"/>
+                    <dgm:constr type="l" for="ch" forName="textBox5e" refType="ctrX" refFor="ch" refForName="bullet5e"/>
+                    <dgm:constr type="t" for="ch" forName="textBox5e" refType="ctrY" refFor="ch" refForName="bullet5e"/>
+                    <dgm:constr type="w" for="ch" forName="textBox5e" refType="w" fact="0.2"/>
+                    <dgm:constr type="h" for="ch" forName="textBox5e" refType="h" fact="0.736"/>
+                    <dgm:constr type="userE" refType="h" refFor="ch" refForName="bullet5e" fact="0.53"/>
+                    <dgm:constr type="lMarg" for="ch" forName="textBox5e" refType="userE" fact="2.834"/>
+                    <dgm:constr type="primFontSz" for="ch" ptType="node" op="equ" val="65"/>
+                  </dgm:constrLst>
+                </dgm:if>
+                <dgm:else name="Name138">
+                  <dgm:constrLst>
+                    <dgm:constr type="ctrX" for="ch" forName="bullet5a" refType="w" fact="0.11"/>
+                    <dgm:constr type="ctrY" for="ch" forName="bullet5a" refType="h" fact="0.762"/>
+                    <dgm:constr type="w" for="ch" forName="bullet5a" refType="w" fact="0.023"/>
+                    <dgm:constr type="h" for="ch" forName="bullet5a" refType="w" refFor="ch" refForName="bullet5a"/>
+                    <dgm:constr type="r" for="ch" forName="textBox5a" refType="ctrX" refFor="ch" refForName="bullet5a"/>
+                    <dgm:constr type="b" for="ch" forName="textBox5a" refType="ctrY" refFor="ch" refForName="bullet5a"/>
+                    <dgm:constr type="w" for="ch" forName="textBox5a" refType="w" fact="0.11"/>
+                    <dgm:constr type="h" for="ch" forName="textBox5a" refType="h" fact="0.762"/>
+                    <dgm:constr type="userA" refType="h" refFor="ch" refForName="bullet5a" fact="0.53"/>
+                    <dgm:constr type="rMarg" for="ch" forName="textBox5a" refType="userA" fact="2.834"/>
+                    <dgm:constr type="ctrX" for="ch" forName="bullet5b" refType="w" fact="0.241"/>
+                    <dgm:constr type="ctrY" for="ch" forName="bullet5b" refType="h" fact="0.581"/>
+                    <dgm:constr type="w" for="ch" forName="bullet5b" refType="w" fact="0.036"/>
+                    <dgm:constr type="h" for="ch" forName="bullet5b" refType="w" refFor="ch" refForName="bullet5b"/>
+                    <dgm:constr type="r" for="ch" forName="textBox5b" refType="ctrX" refFor="ch" refForName="bullet5b"/>
+                    <dgm:constr type="b" for="ch" forName="textBox5b" refType="ctrY" refFor="ch" refForName="bullet5b"/>
+                    <dgm:constr type="w" for="ch" forName="textBox5b" refType="w" fact="0.131"/>
+                    <dgm:constr type="h" for="ch" forName="textBox5b" refType="h" fact="0.581"/>
+                    <dgm:constr type="userB" refType="h" refFor="ch" refForName="bullet5b" fact="0.53"/>
+                    <dgm:constr type="rMarg" for="ch" forName="textBox5b" refType="userB" fact="2.834"/>
+                    <dgm:constr type="ctrX" for="ch" forName="bullet5c" refType="w" fact="0.407"/>
+                    <dgm:constr type="ctrY" for="ch" forName="bullet5c" refType="h" fact="0.438"/>
+                    <dgm:constr type="w" for="ch" forName="bullet5c" refType="w" fact="0.048"/>
+                    <dgm:constr type="h" for="ch" forName="bullet5c" refType="w" refFor="ch" refForName="bullet5c"/>
+                    <dgm:constr type="r" for="ch" forName="textBox5c" refType="ctrX" refFor="ch" refForName="bullet5c"/>
+                    <dgm:constr type="b" for="ch" forName="textBox5c" refType="ctrY" refFor="ch" refForName="bullet5c"/>
+                    <dgm:constr type="w" for="ch" forName="textBox5c" refType="w" fact="0.166"/>
+                    <dgm:constr type="h" for="ch" forName="textBox5c" refType="h" fact="0.438"/>
+                    <dgm:constr type="userC" refType="h" refFor="ch" refForName="bullet5c" fact="0.53"/>
+                    <dgm:constr type="rMarg" for="ch" forName="textBox5c" refType="userC" fact="2.834"/>
+                    <dgm:constr type="ctrX" for="ch" forName="bullet5d" refType="w" fact="0.6"/>
+                    <dgm:constr type="ctrY" for="ch" forName="bullet5d" refType="h" fact="0.33"/>
+                    <dgm:constr type="w" for="ch" forName="bullet5d" refType="w" fact="0.062"/>
+                    <dgm:constr type="h" for="ch" forName="bullet5d" refType="w" refFor="ch" refForName="bullet5d"/>
+                    <dgm:constr type="r" for="ch" forName="textBox5d" refType="ctrX" refFor="ch" refForName="bullet5d"/>
+                    <dgm:constr type="b" for="ch" forName="textBox5d" refType="ctrY" refFor="ch" refForName="bullet5d"/>
+                    <dgm:constr type="w" for="ch" forName="textBox5d" refType="w" fact="0.193"/>
+                    <dgm:constr type="h" for="ch" forName="textBox5d" refType="h" fact="0.33"/>
+                    <dgm:constr type="userD" refType="h" refFor="ch" refForName="bullet5d" fact="0.53"/>
+                    <dgm:constr type="rMarg" for="ch" forName="textBox5d" refType="userD" fact="2.834"/>
+                    <dgm:constr type="ctrX" for="ch" forName="bullet5e" refType="w" fact="0.8"/>
+                    <dgm:constr type="ctrY" for="ch" forName="bullet5e" refType="h" fact="0.264"/>
+                    <dgm:constr type="w" for="ch" forName="bullet5e" refType="w" fact="0.079"/>
+                    <dgm:constr type="h" for="ch" forName="bullet5e" refType="w" refFor="ch" refForName="bullet5e"/>
+                    <dgm:constr type="r" for="ch" forName="textBox5e" refType="ctrX" refFor="ch" refForName="bullet5e"/>
+                    <dgm:constr type="b" for="ch" forName="textBox5e" refType="ctrY" refFor="ch" refForName="bullet5e"/>
+                    <dgm:constr type="w" for="ch" forName="textBox5e" refType="w" fact="0.2"/>
+                    <dgm:constr type="h" for="ch" forName="textBox5e" refType="h" fact="0.264"/>
+                    <dgm:constr type="userE" refType="h" refFor="ch" refForName="bullet5e" fact="0.53"/>
+                    <dgm:constr type="rMarg" for="ch" forName="textBox5e" refType="userE" fact="2.834"/>
+                    <dgm:constr type="primFontSz" for="ch" ptType="node" op="equ" val="65"/>
+                  </dgm:constrLst>
+                </dgm:else>
+              </dgm:choose>
+              <dgm:ruleLst/>
+              <dgm:forEach name="Name139" axis="ch" ptType="node" cnt="1">
+                <dgm:layoutNode name="bullet5a" styleLbl="node1">
+                  <dgm:alg type="sp"/>
+                  <dgm:shape xmlns:r="http://schemas.openxmlformats.org/officeDocument/2006/relationships" type="ellipse" r:blip="">
+                    <dgm:adjLst/>
+                  </dgm:shape>
+                  <dgm:presOf/>
+                  <dgm:constrLst/>
+                  <dgm:ruleLst/>
+                </dgm:layoutNode>
+                <dgm:layoutNode name="textBox5a" styleLbl="revTx">
+                  <dgm:varLst>
+                    <dgm:bulletEnabled val="1"/>
+                  </dgm:varLst>
+                  <dgm:choose name="Name140">
+                    <dgm:if name="Name141" func="var" arg="dir" op="equ" val="norm">
+                      <dgm:choose name="Name142">
+                        <dgm:if name="Name143" axis="root des" ptType="all node" func="maxDepth" op="gt" val="1">
+                          <dgm:alg type="tx">
+                            <dgm:param type="txAnchorVert" val="t"/>
+                            <dgm:param type="parTxLTRAlign" val="l"/>
+                            <dgm:param type="parTxRTLAlign" val="r"/>
+                          </dgm:alg>
+                        </dgm:if>
+                        <dgm:else name="Name144">
+                          <dgm:alg type="tx">
+                            <dgm:param type="txAnchorVert" val="t"/>
+                            <dgm:param type="parTxLTRAlign" val="l"/>
+                            <dgm:param type="parTxRTLAlign" val="l"/>
+                          </dgm:alg>
+                        </dgm:else>
+                      </dgm:choose>
+                    </dgm:if>
+                    <dgm:else name="Name145">
+                      <dgm:choose name="Name146">
+                        <dgm:if name="Name147" axis="root des" ptType="all node" func="maxDepth" op="gt" val="1">
+                          <dgm:alg type="tx">
+                            <dgm:param type="txAnchorVert" val="b"/>
+                            <dgm:param type="txAnchorVertCh" val="b"/>
+                            <dgm:param type="parTxLTRAlign" val="l"/>
+                            <dgm:param type="parTxRTLAlign" val="r"/>
+                          </dgm:alg>
+                        </dgm:if>
+                        <dgm:else name="Name148">
+                          <dgm:alg type="tx">
+                            <dgm:param type="txAnchorVert" val="b"/>
+                            <dgm:param type="parTxLTRAlign" val="r"/>
+                            <dgm:param type="parTxRTLAlign" val="r"/>
+                          </dgm:alg>
+                        </dgm:else>
+                      </dgm:choose>
+                    </dgm:else>
+                  </dgm:choose>
+                  <dgm:shape xmlns:r="http://schemas.openxmlformats.org/officeDocument/2006/relationships" type="rect" r:blip="">
+                    <dgm:adjLst/>
+                  </dgm:shape>
+                  <dgm:presOf axis="desOrSelf" ptType="node"/>
+                  <dgm:choose name="Name149">
+                    <dgm:if name="Name150" func="var" arg="dir" op="equ" val="norm">
+                      <dgm:constrLst>
+                        <dgm:constr type="rMarg"/>
+                        <dgm:constr type="tMarg"/>
+                        <dgm:constr type="bMarg"/>
+                      </dgm:constrLst>
+                    </dgm:if>
+                    <dgm:else name="Name151">
+                      <dgm:constrLst>
+                        <dgm:constr type="lMarg"/>
+                        <dgm:constr type="tMarg"/>
+                        <dgm:constr type="bMarg"/>
+                      </dgm:constrLst>
+                    </dgm:else>
+                  </dgm:choose>
+                  <dgm:ruleLst>
+                    <dgm:rule type="primFontSz" val="5" fact="NaN" max="NaN"/>
+                  </dgm:ruleLst>
+                </dgm:layoutNode>
+              </dgm:forEach>
+              <dgm:forEach name="Name152" axis="ch" ptType="node" st="2" cnt="1">
+                <dgm:layoutNode name="bullet5b" styleLbl="node1">
+                  <dgm:alg type="sp"/>
+                  <dgm:shape xmlns:r="http://schemas.openxmlformats.org/officeDocument/2006/relationships" type="ellipse" r:blip="">
+                    <dgm:adjLst/>
+                  </dgm:shape>
+                  <dgm:presOf/>
+                  <dgm:constrLst/>
+                  <dgm:ruleLst/>
+                </dgm:layoutNode>
+                <dgm:layoutNode name="textBox5b" styleLbl="revTx">
+                  <dgm:varLst>
+                    <dgm:bulletEnabled val="1"/>
+                  </dgm:varLst>
+                  <dgm:choose name="Name153">
+                    <dgm:if name="Name154" func="var" arg="dir" op="equ" val="norm">
+                      <dgm:choose name="Name155">
+                        <dgm:if name="Name156" axis="root des" ptType="all node" func="maxDepth" op="gt" val="1">
+                          <dgm:alg type="tx">
+                            <dgm:param type="txAnchorVert" val="t"/>
+                            <dgm:param type="parTxLTRAlign" val="l"/>
+                            <dgm:param type="parTxRTLAlign" val="r"/>
+                          </dgm:alg>
+                        </dgm:if>
+                        <dgm:else name="Name157">
+                          <dgm:alg type="tx">
+                            <dgm:param type="txAnchorVert" val="t"/>
+                            <dgm:param type="parTxLTRAlign" val="l"/>
+                            <dgm:param type="parTxRTLAlign" val="l"/>
+                          </dgm:alg>
+                        </dgm:else>
+                      </dgm:choose>
+                    </dgm:if>
+                    <dgm:else name="Name158">
+                      <dgm:choose name="Name159">
+                        <dgm:if name="Name160" axis="root des" ptType="all node" func="maxDepth" op="gt" val="1">
+                          <dgm:alg type="tx">
+                            <dgm:param type="txAnchorVert" val="b"/>
+                            <dgm:param type="txAnchorVertCh" val="b"/>
+                            <dgm:param type="parTxLTRAlign" val="l"/>
+                            <dgm:param type="parTxRTLAlign" val="r"/>
+                          </dgm:alg>
+                        </dgm:if>
+                        <dgm:else name="Name161">
+                          <dgm:alg type="tx">
+                            <dgm:param type="txAnchorVert" val="b"/>
+                            <dgm:param type="parTxLTRAlign" val="r"/>
+                            <dgm:param type="parTxRTLAlign" val="r"/>
+                          </dgm:alg>
+                        </dgm:else>
+                      </dgm:choose>
+                    </dgm:else>
+                  </dgm:choose>
+                  <dgm:shape xmlns:r="http://schemas.openxmlformats.org/officeDocument/2006/relationships" type="rect" r:blip="">
+                    <dgm:adjLst/>
+                  </dgm:shape>
+                  <dgm:presOf axis="desOrSelf" ptType="node"/>
+                  <dgm:choose name="Name162">
+                    <dgm:if name="Name163" func="var" arg="dir" op="equ" val="norm">
+                      <dgm:constrLst>
+                        <dgm:constr type="rMarg"/>
+                        <dgm:constr type="tMarg"/>
+                        <dgm:constr type="bMarg"/>
+                      </dgm:constrLst>
+                    </dgm:if>
+                    <dgm:else name="Name164">
+                      <dgm:constrLst>
+                        <dgm:constr type="lMarg"/>
+                        <dgm:constr type="tMarg"/>
+                        <dgm:constr type="bMarg"/>
+                      </dgm:constrLst>
+                    </dgm:else>
+                  </dgm:choose>
+                  <dgm:ruleLst>
+                    <dgm:rule type="primFontSz" val="5" fact="NaN" max="NaN"/>
+                  </dgm:ruleLst>
+                </dgm:layoutNode>
+              </dgm:forEach>
+              <dgm:forEach name="Name165" axis="ch" ptType="node" st="3" cnt="1">
+                <dgm:layoutNode name="bullet5c" styleLbl="node1">
+                  <dgm:alg type="sp"/>
+                  <dgm:shape xmlns:r="http://schemas.openxmlformats.org/officeDocument/2006/relationships" type="ellipse" r:blip="">
+                    <dgm:adjLst/>
+                  </dgm:shape>
+                  <dgm:presOf/>
+                  <dgm:constrLst/>
+                  <dgm:ruleLst/>
+                </dgm:layoutNode>
+                <dgm:layoutNode name="textBox5c" styleLbl="revTx">
+                  <dgm:varLst>
+                    <dgm:bulletEnabled val="1"/>
+                  </dgm:varLst>
+                  <dgm:choose name="Name166">
+                    <dgm:if name="Name167" func="var" arg="dir" op="equ" val="norm">
+                      <dgm:choose name="Name168">
+                        <dgm:if name="Name169" axis="root des" ptType="all node" func="maxDepth" op="gt" val="1">
+                          <dgm:alg type="tx">
+                            <dgm:param type="txAnchorVert" val="t"/>
+                            <dgm:param type="parTxLTRAlign" val="l"/>
+                            <dgm:param type="parTxRTLAlign" val="r"/>
+                          </dgm:alg>
+                        </dgm:if>
+                        <dgm:else name="Name170">
+                          <dgm:alg type="tx">
+                            <dgm:param type="txAnchorVert" val="t"/>
+                            <dgm:param type="parTxLTRAlign" val="l"/>
+                            <dgm:param type="parTxRTLAlign" val="l"/>
+                          </dgm:alg>
+                        </dgm:else>
+                      </dgm:choose>
+                    </dgm:if>
+                    <dgm:else name="Name171">
+                      <dgm:choose name="Name172">
+                        <dgm:if name="Name173" axis="root des" ptType="all node" func="maxDepth" op="gt" val="1">
+                          <dgm:alg type="tx">
+                            <dgm:param type="txAnchorVert" val="b"/>
+                            <dgm:param type="txAnchorVertCh" val="b"/>
+                            <dgm:param type="parTxLTRAlign" val="l"/>
+                            <dgm:param type="parTxRTLAlign" val="r"/>
+                          </dgm:alg>
+                        </dgm:if>
+                        <dgm:else name="Name174">
+                          <dgm:alg type="tx">
+                            <dgm:param type="txAnchorVert" val="b"/>
+                            <dgm:param type="parTxLTRAlign" val="r"/>
+                            <dgm:param type="parTxRTLAlign" val="r"/>
+                          </dgm:alg>
+                        </dgm:else>
+                      </dgm:choose>
+                    </dgm:else>
+                  </dgm:choose>
+                  <dgm:shape xmlns:r="http://schemas.openxmlformats.org/officeDocument/2006/relationships" type="rect" r:blip="">
+                    <dgm:adjLst/>
+                  </dgm:shape>
+                  <dgm:presOf axis="desOrSelf" ptType="node"/>
+                  <dgm:choose name="Name175">
+                    <dgm:if name="Name176" func="var" arg="dir" op="equ" val="norm">
+                      <dgm:constrLst>
+                        <dgm:constr type="rMarg"/>
+                        <dgm:constr type="tMarg"/>
+                        <dgm:constr type="bMarg"/>
+                      </dgm:constrLst>
+                    </dgm:if>
+                    <dgm:else name="Name177">
+                      <dgm:constrLst>
+                        <dgm:constr type="lMarg"/>
+                        <dgm:constr type="tMarg"/>
+                        <dgm:constr type="bMarg"/>
+                      </dgm:constrLst>
+                    </dgm:else>
+                  </dgm:choose>
+                  <dgm:ruleLst>
+                    <dgm:rule type="primFontSz" val="5" fact="NaN" max="NaN"/>
+                  </dgm:ruleLst>
+                </dgm:layoutNode>
+              </dgm:forEach>
+              <dgm:forEach name="Name178" axis="ch" ptType="node" st="4" cnt="1">
+                <dgm:layoutNode name="bullet5d" styleLbl="node1">
+                  <dgm:alg type="sp"/>
+                  <dgm:shape xmlns:r="http://schemas.openxmlformats.org/officeDocument/2006/relationships" type="ellipse" r:blip="">
+                    <dgm:adjLst/>
+                  </dgm:shape>
+                  <dgm:presOf/>
+                  <dgm:constrLst/>
+                  <dgm:ruleLst/>
+                </dgm:layoutNode>
+                <dgm:layoutNode name="textBox5d" styleLbl="revTx">
+                  <dgm:varLst>
+                    <dgm:bulletEnabled val="1"/>
+                  </dgm:varLst>
+                  <dgm:choose name="Name179">
+                    <dgm:if name="Name180" func="var" arg="dir" op="equ" val="norm">
+                      <dgm:choose name="Name181">
+                        <dgm:if name="Name182" axis="root des" ptType="all node" func="maxDepth" op="gt" val="1">
+                          <dgm:alg type="tx">
+                            <dgm:param type="txAnchorVert" val="t"/>
+                            <dgm:param type="parTxLTRAlign" val="l"/>
+                            <dgm:param type="parTxRTLAlign" val="r"/>
+                          </dgm:alg>
+                        </dgm:if>
+                        <dgm:else name="Name183">
+                          <dgm:alg type="tx">
+                            <dgm:param type="txAnchorVert" val="t"/>
+                            <dgm:param type="parTxLTRAlign" val="l"/>
+                            <dgm:param type="parTxRTLAlign" val="l"/>
+                          </dgm:alg>
+                        </dgm:else>
+                      </dgm:choose>
+                    </dgm:if>
+                    <dgm:else name="Name184">
+                      <dgm:choose name="Name185">
+                        <dgm:if name="Name186" axis="root des" ptType="all node" func="maxDepth" op="gt" val="1">
+                          <dgm:alg type="tx">
+                            <dgm:param type="txAnchorVert" val="b"/>
+                            <dgm:param type="txAnchorVertCh" val="b"/>
+                            <dgm:param type="parTxLTRAlign" val="l"/>
+                            <dgm:param type="parTxRTLAlign" val="r"/>
+                          </dgm:alg>
+                        </dgm:if>
+                        <dgm:else name="Name187">
+                          <dgm:alg type="tx">
+                            <dgm:param type="txAnchorVert" val="b"/>
+                            <dgm:param type="parTxLTRAlign" val="r"/>
+                            <dgm:param type="parTxRTLAlign" val="r"/>
+                          </dgm:alg>
+                        </dgm:else>
+                      </dgm:choose>
+                    </dgm:else>
+                  </dgm:choose>
+                  <dgm:shape xmlns:r="http://schemas.openxmlformats.org/officeDocument/2006/relationships" type="rect" r:blip="">
+                    <dgm:adjLst/>
+                  </dgm:shape>
+                  <dgm:presOf axis="desOrSelf" ptType="node"/>
+                  <dgm:choose name="Name188">
+                    <dgm:if name="Name189" func="var" arg="dir" op="equ" val="norm">
+                      <dgm:constrLst>
+                        <dgm:constr type="rMarg"/>
+                        <dgm:constr type="tMarg"/>
+                        <dgm:constr type="bMarg"/>
+                      </dgm:constrLst>
+                    </dgm:if>
+                    <dgm:else name="Name190">
+                      <dgm:constrLst>
+                        <dgm:constr type="lMarg"/>
+                        <dgm:constr type="tMarg"/>
+                        <dgm:constr type="bMarg"/>
+                      </dgm:constrLst>
+                    </dgm:else>
+                  </dgm:choose>
+                  <dgm:ruleLst>
+                    <dgm:rule type="primFontSz" val="5" fact="NaN" max="NaN"/>
+                  </dgm:ruleLst>
+                </dgm:layoutNode>
+              </dgm:forEach>
+              <dgm:forEach name="Name191" axis="ch" ptType="node" st="5" cnt="1">
+                <dgm:layoutNode name="bullet5e" styleLbl="node1">
+                  <dgm:alg type="sp"/>
+                  <dgm:shape xmlns:r="http://schemas.openxmlformats.org/officeDocument/2006/relationships" type="ellipse" r:blip="">
+                    <dgm:adjLst/>
+                  </dgm:shape>
+                  <dgm:presOf/>
+                  <dgm:constrLst/>
+                  <dgm:ruleLst/>
+                </dgm:layoutNode>
+                <dgm:layoutNode name="textBox5e" styleLbl="revTx">
+                  <dgm:varLst>
+                    <dgm:bulletEnabled val="1"/>
+                  </dgm:varLst>
+                  <dgm:choose name="Name192">
+                    <dgm:if name="Name193" func="var" arg="dir" op="equ" val="norm">
+                      <dgm:choose name="Name194">
+                        <dgm:if name="Name195" axis="root des" ptType="all node" func="maxDepth" op="gt" val="1">
+                          <dgm:alg type="tx">
+                            <dgm:param type="txAnchorVert" val="t"/>
+                            <dgm:param type="parTxLTRAlign" val="l"/>
+                            <dgm:param type="parTxRTLAlign" val="r"/>
+                          </dgm:alg>
+                        </dgm:if>
+                        <dgm:else name="Name196">
+                          <dgm:alg type="tx">
+                            <dgm:param type="txAnchorVert" val="t"/>
+                            <dgm:param type="parTxLTRAlign" val="l"/>
+                            <dgm:param type="parTxRTLAlign" val="l"/>
+                          </dgm:alg>
+                        </dgm:else>
+                      </dgm:choose>
+                    </dgm:if>
+                    <dgm:else name="Name197">
+                      <dgm:choose name="Name198">
+                        <dgm:if name="Name199" axis="root des" ptType="all node" func="maxDepth" op="gt" val="1">
+                          <dgm:alg type="tx">
+                            <dgm:param type="txAnchorVert" val="b"/>
+                            <dgm:param type="txAnchorVertCh" val="b"/>
+                            <dgm:param type="parTxLTRAlign" val="l"/>
+                            <dgm:param type="parTxRTLAlign" val="r"/>
+                          </dgm:alg>
+                        </dgm:if>
+                        <dgm:else name="Name200">
+                          <dgm:alg type="tx">
+                            <dgm:param type="txAnchorVert" val="b"/>
+                            <dgm:param type="parTxLTRAlign" val="r"/>
+                            <dgm:param type="parTxRTLAlign" val="r"/>
+                          </dgm:alg>
+                        </dgm:else>
+                      </dgm:choose>
+                    </dgm:else>
+                  </dgm:choose>
+                  <dgm:shape xmlns:r="http://schemas.openxmlformats.org/officeDocument/2006/relationships" type="rect" r:blip="">
+                    <dgm:adjLst/>
+                  </dgm:shape>
+                  <dgm:presOf axis="desOrSelf" ptType="node"/>
+                  <dgm:choose name="Name201">
+                    <dgm:if name="Name202" func="var" arg="dir" op="equ" val="norm">
+                      <dgm:constrLst>
+                        <dgm:constr type="rMarg"/>
+                        <dgm:constr type="tMarg"/>
+                        <dgm:constr type="bMarg"/>
+                      </dgm:constrLst>
+                    </dgm:if>
+                    <dgm:else name="Name203">
+                      <dgm:constrLst>
+                        <dgm:constr type="lMarg"/>
+                        <dgm:constr type="tMarg"/>
+                        <dgm:constr type="bMarg"/>
+                      </dgm:constrLst>
+                    </dgm:else>
+                  </dgm:choose>
+                  <dgm:ruleLst>
+                    <dgm:rule type="primFontSz" val="5" fact="NaN" max="NaN"/>
+                  </dgm:ruleLst>
+                </dgm:layoutNode>
+              </dgm:forEach>
+            </dgm:layoutNode>
+          </dgm:else>
+        </dgm:choose>
+      </dgm:if>
+      <dgm:else name="Name204"/>
+    </dgm:choose>
+  </dgm:layoutNode>
+</dgm:layoutDef>
+</file>
+
+<file path=ppt/diagrams/quickStyle1.xml><?xml version="1.0" encoding="utf-8"?>
+<dgm:styleDef xmlns:dgm="http://schemas.openxmlformats.org/drawingml/2006/diagram" xmlns:a="http://schemas.openxmlformats.org/drawingml/2006/main" uniqueId="urn:microsoft.com/office/officeart/2005/8/quickstyle/simple1">
+  <dgm:title val=""/>
+  <dgm:desc val=""/>
+  <dgm:catLst>
+    <dgm:cat type="simple" pri="10100"/>
+  </dgm:catLst>
+  <dgm:scene3d>
+    <a:camera prst="orthographicFront"/>
+    <a:lightRig rig="threePt" dir="t"/>
+  </dgm:scene3d>
+  <dgm:styleLbl name="node0">
+    <dgm:scene3d>
+      <a:camera prst="orthographicFront"/>
+      <a:lightRig rig="threePt" dir="t"/>
+    </dgm:scene3d>
+    <dgm:sp3d/>
+    <dgm:txPr/>
+    <dgm:style>
+      <a:lnRef idx="2">
+        <a:scrgbClr r="0" g="0" b="0"/>
+      </a:lnRef>
+      <a:fillRef idx="1">
+        <a:scrgbClr r="0" g="0" b="0"/>
+      </a:fillRef>
+      <a:effectRef idx="0">
+        <a:scrgbClr r="0" g="0" b="0"/>
+      </a:effectRef>
+      <a:fontRef idx="minor">
+        <a:schemeClr val="lt1"/>
+      </a:fontRef>
+    </dgm:style>
+  </dgm:styleLbl>
+  <dgm:styleLbl name="lnNode1">
+    <dgm:scene3d>
+      <a:camera prst="orthographicFront"/>
+      <a:lightRig rig="threePt" dir="t"/>
+    </dgm:scene3d>
+    <dgm:sp3d/>
+    <dgm:txPr/>
+    <dgm:style>
+      <a:lnRef idx="2">
+        <a:scrgbClr r="0" g="0" b="0"/>
+      </a:lnRef>
+      <a:fillRef idx="1">
+        <a:scrgbClr r="0" g="0" b="0"/>
+      </a:fillRef>
+      <a:effectRef idx="0">
+        <a:scrgbClr r="0" g="0" b="0"/>
+      </a:effectRef>
+      <a:fontRef idx="minor">
+        <a:schemeClr val="lt1"/>
+      </a:fontRef>
+    </dgm:style>
+  </dgm:styleLbl>
+  <dgm:styleLbl name="vennNode1">
+    <dgm:scene3d>
+      <a:camera prst="orthographicFront"/>
+      <a:lightRig rig="threePt" dir="t"/>
+    </dgm:scene3d>
+    <dgm:sp3d/>
+    <dgm:txPr/>
+    <dgm:style>
+      <a:lnRef idx="2">
+        <a:scrgbClr r="0" g="0" b="0"/>
+      </a:lnRef>
+      <a:fillRef idx="1">
+        <a:scrgbClr r="0" g="0" b="0"/>
+      </a:fillRef>
+      <a:effectRef idx="0">
+        <a:scrgbClr r="0" g="0" b="0"/>
+      </a:effectRef>
+      <a:fontRef idx="minor">
+        <a:schemeClr val="tx1"/>
+      </a:fontRef>
+    </dgm:style>
+  </dgm:styleLbl>
+  <dgm:styleLbl name="alignNode1">
+    <dgm:scene3d>
+      <a:camera prst="orthographicFront"/>
+      <a:lightRig rig="threePt" dir="t"/>
+    </dgm:scene3d>
+    <dgm:sp3d/>
+    <dgm:txPr/>
+    <dgm:style>
+      <a:lnRef idx="2">
+        <a:scrgbClr r="0" g="0" b="0"/>
+      </a:lnRef>
+      <a:fillRef idx="1">
+        <a:scrgbClr r="0" g="0" b="0"/>
+      </a:fillRef>
+      <a:effectRef idx="0">
+        <a:scrgbClr r="0" g="0" b="0"/>
+      </a:effectRef>
+      <a:fontRef idx="minor">
+        <a:schemeClr val="lt1"/>
+      </a:fontRef>
+    </dgm:style>
+  </dgm:styleLbl>
+  <dgm:styleLbl name="node1">
+    <dgm:scene3d>
+      <a:camera prst="orthographicFront"/>
+      <a:lightRig rig="threePt" dir="t"/>
+    </dgm:scene3d>
+    <dgm:sp3d/>
+    <dgm:txPr/>
+    <dgm:style>
+      <a:lnRef idx="2">
+        <a:scrgbClr r="0" g="0" b="0"/>
+      </a:lnRef>
+      <a:fillRef idx="1">
+        <a:scrgbClr r="0" g="0" b="0"/>
+      </a:fillRef>
+      <a:effectRef idx="0">
+        <a:scrgbClr r="0" g="0" b="0"/>
+      </a:effectRef>
+      <a:fontRef idx="minor">
+        <a:schemeClr val="lt1"/>
+      </a:fontRef>
+    </dgm:style>
+  </dgm:styleLbl>
+  <dgm:styleLbl name="node2">
+    <dgm:scene3d>
+      <a:camera prst="orthographicFront"/>
+      <a:lightRig rig="threePt" dir="t"/>
+    </dgm:scene3d>
+    <dgm:sp3d/>
+    <dgm:txPr/>
+    <dgm:style>
+      <a:lnRef idx="2">
+        <a:scrgbClr r="0" g="0" b="0"/>
+      </a:lnRef>
+      <a:fillRef idx="1">
+        <a:scrgbClr r="0" g="0" b="0"/>
+      </a:fillRef>
+      <a:effectRef idx="0">
+        <a:scrgbClr r="0" g="0" b="0"/>
+      </a:effectRef>
+      <a:fontRef idx="minor">
+        <a:schemeClr val="lt1"/>
+      </a:fontRef>
+    </dgm:style>
+  </dgm:styleLbl>
+  <dgm:styleLbl name="node3">
+    <dgm:scene3d>
+      <a:camera prst="orthographicFront"/>
+      <a:lightRig rig="threePt" dir="t"/>
+    </dgm:scene3d>
+    <dgm:sp3d/>
+    <dgm:txPr/>
+    <dgm:style>
+      <a:lnRef idx="2">
+        <a:scrgbClr r="0" g="0" b="0"/>
+      </a:lnRef>
+      <a:fillRef idx="1">
+        <a:scrgbClr r="0" g="0" b="0"/>
+      </a:fillRef>
+      <a:effectRef idx="0">
+        <a:scrgbClr r="0" g="0" b="0"/>
+      </a:effectRef>
+      <a:fontRef idx="minor">
+        <a:schemeClr val="lt1"/>
+      </a:fontRef>
+    </dgm:style>
+  </dgm:styleLbl>
+  <dgm:styleLbl name="node4">
+    <dgm:scene3d>
+      <a:camera prst="orthographicFront"/>
+      <a:lightRig rig="threePt" dir="t"/>
+    </dgm:scene3d>
+    <dgm:sp3d/>
+    <dgm:txPr/>
+    <dgm:style>
+      <a:lnRef idx="2">
+        <a:scrgbClr r="0" g="0" b="0"/>
+      </a:lnRef>
+      <a:fillRef idx="1">
+        <a:scrgbClr r="0" g="0" b="0"/>
+      </a:fillRef>
+      <a:effectRef idx="0">
+        <a:scrgbClr r="0" g="0" b="0"/>
+      </a:effectRef>
+      <a:fontRef idx="minor">
+        <a:schemeClr val="lt1"/>
+      </a:fontRef>
+    </dgm:style>
+  </dgm:styleLbl>
+  <dgm:styleLbl name="fgImgPlace1">
+    <dgm:scene3d>
+      <a:camera prst="orthographicFront"/>
+      <a:lightRig rig="threePt" dir="t"/>
+    </dgm:scene3d>
+    <dgm:sp3d/>
+    <dgm:txPr/>
+    <dgm:style>
+      <a:lnRef idx="2">
+        <a:scrgbClr r="0" g="0" b="0"/>
+      </a:lnRef>
+      <a:fillRef idx="1">
+        <a:scrgbClr r="0" g="0" b="0"/>
+      </a:fillRef>
+      <a:effectRef idx="0">
+        <a:scrgbClr r="0" g="0" b="0"/>
+      </a:effectRef>
+      <a:fontRef idx="minor"/>
+    </dgm:style>
+  </dgm:styleLbl>
+  <dgm:styleLbl name="alignImgPlace1">
+    <dgm:scene3d>
+      <a:camera prst="orthographicFront"/>
+      <a:lightRig rig="threePt" dir="t"/>
+    </dgm:scene3d>
+    <dgm:sp3d/>
+    <dgm:txPr/>
+    <dgm:style>
+      <a:lnRef idx="2">
+        <a:scrgbClr r="0" g="0" b="0"/>
+      </a:lnRef>
+      <a:fillRef idx="1">
+        <a:scrgbClr r="0" g="0" b="0"/>
+      </a:fillRef>
+      <a:effectRef idx="0">
+        <a:scrgbClr r="0" g="0" b="0"/>
+      </a:effectRef>
+      <a:fontRef idx="minor"/>
+    </dgm:style>
+  </dgm:styleLbl>
+  <dgm:styleLbl name="bgImgPlace1">
+    <dgm:scene3d>
+      <a:camera prst="orthographicFront"/>
+      <a:lightRig rig="threePt" dir="t"/>
+    </dgm:scene3d>
+    <dgm:sp3d/>
+    <dgm:txPr/>
+    <dgm:style>
+      <a:lnRef idx="2">
+        <a:scrgbClr r="0" g="0" b="0"/>
+      </a:lnRef>
+      <a:fillRef idx="1">
+        <a:scrgbClr r="0" g="0" b="0"/>
+      </a:fillRef>
+      <a:effectRef idx="0">
+        <a:scrgbClr r="0" g="0" b="0"/>
+      </a:effectRef>
+      <a:fontRef idx="minor"/>
+    </dgm:style>
+  </dgm:styleLbl>
+  <dgm:styleLbl name="sibTrans2D1">
+    <dgm:scene3d>
+      <a:camera prst="orthographicFront"/>
+      <a:lightRig rig="threePt" dir="t"/>
+    </dgm:scene3d>
+    <dgm:sp3d/>
+    <dgm:txPr/>
+    <dgm:style>
+      <a:lnRef idx="0">
+        <a:scrgbClr r="0" g="0" b="0"/>
+      </a:lnRef>
+      <a:fillRef idx="1">
+        <a:scrgbClr r="0" g="0" b="0"/>
+      </a:fillRef>
+      <a:effectRef idx="0">
+        <a:scrgbClr r="0" g="0" b="0"/>
+      </a:effectRef>
+      <a:fontRef idx="minor">
+        <a:schemeClr val="lt1"/>
+      </a:fontRef>
+    </dgm:style>
+  </dgm:styleLbl>
+  <dgm:styleLbl name="fgSibTrans2D1">
+    <dgm:scene3d>
+      <a:camera prst="orthographicFront"/>
+      <a:lightRig rig="threePt" dir="t"/>
+    </dgm:scene3d>
+    <dgm:sp3d/>
+    <dgm:txPr/>
+    <dgm:style>
+      <a:lnRef idx="0">
+        <a:scrgbClr r="0" g="0" b="0"/>
+      </a:lnRef>
+      <a:fillRef idx="1">
+        <a:scrgbClr r="0" g="0" b="0"/>
+      </a:fillRef>
+      <a:effectRef idx="0">
+        <a:scrgbClr r="0" g="0" b="0"/>
+      </a:effectRef>
+      <a:fontRef idx="minor">
+        <a:schemeClr val="lt1"/>
+      </a:fontRef>
+    </dgm:style>
+  </dgm:styleLbl>
+  <dgm:styleLbl name="bgSibTrans2D1">
+    <dgm:scene3d>
+      <a:camera prst="orthographicFront"/>
+      <a:lightRig rig="threePt" dir="t"/>
+    </dgm:scene3d>
+    <dgm:sp3d/>
+    <dgm:txPr/>
+    <dgm:style>
+      <a:lnRef idx="0">
+        <a:scrgbClr r="0" g="0" b="0"/>
+      </a:lnRef>
+      <a:fillRef idx="1">
+        <a:scrgbClr r="0" g="0" b="0"/>
+      </a:fillRef>
+      <a:effectRef idx="0">
+        <a:scrgbClr r="0" g="0" b="0"/>
+      </a:effectRef>
+      <a:fontRef idx="minor">
+        <a:schemeClr val="lt1"/>
+      </a:fontRef>
+    </dgm:style>
+  </dgm:styleLbl>
+  <dgm:styleLbl name="sibTrans1D1">
+    <dgm:scene3d>
+      <a:camera prst="orthographicFront"/>
+      <a:lightRig rig="threePt" dir="t"/>
+    </dgm:scene3d>
+    <dgm:sp3d/>
+    <dgm:txPr/>
+    <dgm:style>
+      <a:lnRef idx="1">
+        <a:scrgbClr r="0" g="0" b="0"/>
+      </a:lnRef>
+      <a:fillRef idx="0">
+        <a:scrgbClr r="0" g="0" b="0"/>
+      </a:fillRef>
+      <a:effectRef idx="0">
+        <a:scrgbClr r="0" g="0" b="0"/>
+      </a:effectRef>
+      <a:fontRef idx="minor"/>
+    </dgm:style>
+  </dgm:styleLbl>
+  <dgm:styleLbl name="callout">
+    <dgm:scene3d>
+      <a:camera prst="orthographicFront"/>
+      <a:lightRig rig="threePt" dir="t"/>
+    </dgm:scene3d>
+    <dgm:sp3d/>
+    <dgm:txPr/>
+    <dgm:style>
+      <a:lnRef idx="2">
+        <a:scrgbClr r="0" g="0" b="0"/>
+      </a:lnRef>
+      <a:fillRef idx="1">
+        <a:scrgbClr r="0" g="0" b="0"/>
+      </a:fillRef>
+      <a:effectRef idx="0">
+        <a:scrgbClr r="0" g="0" b="0"/>
+      </a:effectRef>
+      <a:fontRef idx="minor"/>
+    </dgm:style>
+  </dgm:styleLbl>
+  <dgm:styleLbl name="asst0">
+    <dgm:scene3d>
+      <a:camera prst="orthographicFront"/>
+      <a:lightRig rig="threePt" dir="t"/>
+    </dgm:scene3d>
+    <dgm:sp3d/>
+    <dgm:txPr/>
+    <dgm:style>
+      <a:lnRef idx="2">
+        <a:scrgbClr r="0" g="0" b="0"/>
+      </a:lnRef>
+      <a:fillRef idx="1">
+        <a:scrgbClr r="0" g="0" b="0"/>
+      </a:fillRef>
+      <a:effectRef idx="0">
+        <a:scrgbClr r="0" g="0" b="0"/>
+      </a:effectRef>
+      <a:fontRef idx="minor">
+        <a:schemeClr val="lt1"/>
+      </a:fontRef>
+    </dgm:style>
+  </dgm:styleLbl>
+  <dgm:styleLbl name="asst1">
+    <dgm:scene3d>
+      <a:camera prst="orthographicFront"/>
+      <a:lightRig rig="threePt" dir="t"/>
+    </dgm:scene3d>
+    <dgm:sp3d/>
+    <dgm:txPr/>
+    <dgm:style>
+      <a:lnRef idx="2">
+        <a:scrgbClr r="0" g="0" b="0"/>
+      </a:lnRef>
+      <a:fillRef idx="1">
+        <a:scrgbClr r="0" g="0" b="0"/>
+      </a:fillRef>
+      <a:effectRef idx="0">
+        <a:scrgbClr r="0" g="0" b="0"/>
+      </a:effectRef>
+      <a:fontRef idx="minor">
+        <a:schemeClr val="lt1"/>
+      </a:fontRef>
+    </dgm:style>
+  </dgm:styleLbl>
+  <dgm:styleLbl name="asst2">
+    <dgm:scene3d>
+      <a:camera prst="orthographicFront"/>
+      <a:lightRig rig="threePt" dir="t"/>
+    </dgm:scene3d>
+    <dgm:sp3d/>
+    <dgm:txPr/>
+    <dgm:style>
+      <a:lnRef idx="2">
+        <a:scrgbClr r="0" g="0" b="0"/>
+      </a:lnRef>
+      <a:fillRef idx="1">
+        <a:scrgbClr r="0" g="0" b="0"/>
+      </a:fillRef>
+      <a:effectRef idx="0">
+        <a:scrgbClr r="0" g="0" b="0"/>
+      </a:effectRef>
+      <a:fontRef idx="minor">
+        <a:schemeClr val="lt1"/>
+      </a:fontRef>
+    </dgm:style>
+  </dgm:styleLbl>
+  <dgm:styleLbl name="asst3">
+    <dgm:scene3d>
+      <a:camera prst="orthographicFront"/>
+      <a:lightRig rig="threePt" dir="t"/>
+    </dgm:scene3d>
+    <dgm:sp3d/>
+    <dgm:txPr/>
+    <dgm:style>
+      <a:lnRef idx="2">
+        <a:scrgbClr r="0" g="0" b="0"/>
+      </a:lnRef>
+      <a:fillRef idx="1">
+        <a:scrgbClr r="0" g="0" b="0"/>
+      </a:fillRef>
+      <a:effectRef idx="0">
+        <a:scrgbClr r="0" g="0" b="0"/>
+      </a:effectRef>
+      <a:fontRef idx="minor">
+        <a:schemeClr val="lt1"/>
+      </a:fontRef>
+    </dgm:style>
+  </dgm:styleLbl>
+  <dgm:styleLbl name="asst4">
+    <dgm:scene3d>
+      <a:camera prst="orthographicFront"/>
+      <a:lightRig rig="threePt" dir="t"/>
+    </dgm:scene3d>
+    <dgm:sp3d/>
+    <dgm:txPr/>
+    <dgm:style>
+      <a:lnRef idx="2">
+        <a:scrgbClr r="0" g="0" b="0"/>
+      </a:lnRef>
+      <a:fillRef idx="1">
+        <a:scrgbClr r="0" g="0" b="0"/>
+      </a:fillRef>
+      <a:effectRef idx="0">
+        <a:scrgbClr r="0" g="0" b="0"/>
+      </a:effectRef>
+      <a:fontRef idx="minor">
+        <a:schemeClr val="lt1"/>
+      </a:fontRef>
+    </dgm:style>
+  </dgm:styleLbl>
+  <dgm:styleLbl name="parChTrans2D1">
+    <dgm:scene3d>
+      <a:camera prst="orthographicFront"/>
+      <a:lightRig rig="threePt" dir="t"/>
+    </dgm:scene3d>
+    <dgm:sp3d/>
+    <dgm:txPr/>
+    <dgm:style>
+      <a:lnRef idx="2">
+        <a:scrgbClr r="0" g="0" b="0"/>
+      </a:lnRef>
+      <a:fillRef idx="1">
+        <a:scrgbClr r="0" g="0" b="0"/>
+      </a:fillRef>
+      <a:effectRef idx="0">
+        <a:scrgbClr r="0" g="0" b="0"/>
+      </a:effectRef>
+      <a:fontRef idx="minor">
+        <a:schemeClr val="lt1"/>
+      </a:fontRef>
+    </dgm:style>
+  </dgm:styleLbl>
+  <dgm:styleLbl name="parChTrans2D2">
+    <dgm:scene3d>
+      <a:camera prst="orthographicFront"/>
+      <a:lightRig rig="threePt" dir="t"/>
+    </dgm:scene3d>
+    <dgm:sp3d/>
+    <dgm:txPr/>
+    <dgm:style>
+      <a:lnRef idx="2">
+        <a:scrgbClr r="0" g="0" b="0"/>
+      </a:lnRef>
+      <a:fillRef idx="1">
+        <a:scrgbClr r="0" g="0" b="0"/>
+      </a:fillRef>
+      <a:effectRef idx="0">
+        <a:scrgbClr r="0" g="0" b="0"/>
+      </a:effectRef>
+      <a:fontRef idx="minor">
+        <a:schemeClr val="lt1"/>
+      </a:fontRef>
+    </dgm:style>
+  </dgm:styleLbl>
+  <dgm:styleLbl name="parChTrans2D3">
+    <dgm:scene3d>
+      <a:camera prst="orthographicFront"/>
+      <a:lightRig rig="threePt" dir="t"/>
+    </dgm:scene3d>
+    <dgm:sp3d/>
+    <dgm:txPr/>
+    <dgm:style>
+      <a:lnRef idx="2">
+        <a:scrgbClr r="0" g="0" b="0"/>
+      </a:lnRef>
+      <a:fillRef idx="1">
+        <a:scrgbClr r="0" g="0" b="0"/>
+      </a:fillRef>
+      <a:effectRef idx="0">
+        <a:scrgbClr r="0" g="0" b="0"/>
+      </a:effectRef>
+      <a:fontRef idx="minor">
+        <a:schemeClr val="lt1"/>
+      </a:fontRef>
+    </dgm:style>
+  </dgm:styleLbl>
+  <dgm:styleLbl name="parChTrans2D4">
+    <dgm:scene3d>
+      <a:camera prst="orthographicFront"/>
+      <a:lightRig rig="threePt" dir="t"/>
+    </dgm:scene3d>
+    <dgm:sp3d/>
+    <dgm:txPr/>
+    <dgm:style>
+      <a:lnRef idx="2">
+        <a:scrgbClr r="0" g="0" b="0"/>
+      </a:lnRef>
+      <a:fillRef idx="1">
+        <a:scrgbClr r="0" g="0" b="0"/>
+      </a:fillRef>
+      <a:effectRef idx="0">
+        <a:scrgbClr r="0" g="0" b="0"/>
+      </a:effectRef>
+      <a:fontRef idx="minor">
+        <a:schemeClr val="lt1"/>
+      </a:fontRef>
+    </dgm:style>
+  </dgm:styleLbl>
+  <dgm:styleLbl name="parChTrans1D1">
+    <dgm:scene3d>
+      <a:camera prst="orthographicFront"/>
+      <a:lightRig rig="threePt" dir="t"/>
+    </dgm:scene3d>
+    <dgm:sp3d/>
+    <dgm:txPr/>
+    <dgm:style>
+      <a:lnRef idx="2">
+        <a:scrgbClr r="0" g="0" b="0"/>
+      </a:lnRef>
+      <a:fillRef idx="0">
+        <a:scrgbClr r="0" g="0" b="0"/>
+      </a:fillRef>
+      <a:effectRef idx="0">
+        <a:scrgbClr r="0" g="0" b="0"/>
+      </a:effectRef>
+      <a:fontRef idx="minor"/>
+    </dgm:style>
+  </dgm:styleLbl>
+  <dgm:styleLbl name="parChTrans1D2">
+    <dgm:scene3d>
+      <a:camera prst="orthographicFront"/>
+      <a:lightRig rig="threePt" dir="t"/>
+    </dgm:scene3d>
+    <dgm:sp3d/>
+    <dgm:txPr/>
+    <dgm:style>
+      <a:lnRef idx="2">
+        <a:scrgbClr r="0" g="0" b="0"/>
+      </a:lnRef>
+      <a:fillRef idx="0">
+        <a:scrgbClr r="0" g="0" b="0"/>
+      </a:fillRef>
+      <a:effectRef idx="0">
+        <a:scrgbClr r="0" g="0" b="0"/>
+      </a:effectRef>
+      <a:fontRef idx="minor"/>
+    </dgm:style>
+  </dgm:styleLbl>
+  <dgm:styleLbl name="parChTrans1D3">
+    <dgm:scene3d>
+      <a:camera prst="orthographicFront"/>
+      <a:lightRig rig="threePt" dir="t"/>
+    </dgm:scene3d>
+    <dgm:sp3d/>
+    <dgm:txPr/>
+    <dgm:style>
+      <a:lnRef idx="2">
+        <a:scrgbClr r="0" g="0" b="0"/>
+      </a:lnRef>
+      <a:fillRef idx="0">
+        <a:scrgbClr r="0" g="0" b="0"/>
+      </a:fillRef>
+      <a:effectRef idx="0">
+        <a:scrgbClr r="0" g="0" b="0"/>
+      </a:effectRef>
+      <a:fontRef idx="minor"/>
+    </dgm:style>
+  </dgm:styleLbl>
+  <dgm:styleLbl name="parChTrans1D4">
+    <dgm:scene3d>
+      <a:camera prst="orthographicFront"/>
+      <a:lightRig rig="threePt" dir="t"/>
+    </dgm:scene3d>
+    <dgm:sp3d/>
+    <dgm:txPr/>
+    <dgm:style>
+      <a:lnRef idx="2">
+        <a:scrgbClr r="0" g="0" b="0"/>
+      </a:lnRef>
+      <a:fillRef idx="0">
+        <a:scrgbClr r="0" g="0" b="0"/>
+      </a:fillRef>
+      <a:effectRef idx="0">
+        <a:scrgbClr r="0" g="0" b="0"/>
+      </a:effectRef>
+      <a:fontRef idx="minor"/>
+    </dgm:style>
+  </dgm:styleLbl>
+  <dgm:styleLbl name="fgAcc1">
+    <dgm:scene3d>
+      <a:camera prst="orthographicFront"/>
+      <a:lightRig rig="threePt" dir="t"/>
+    </dgm:scene3d>
+    <dgm:sp3d/>
+    <dgm:txPr/>
+    <dgm:style>
+      <a:lnRef idx="2">
+        <a:scrgbClr r="0" g="0" b="0"/>
+      </a:lnRef>
+      <a:fillRef idx="1">
+        <a:scrgbClr r="0" g="0" b="0"/>
+      </a:fillRef>
+      <a:effectRef idx="0">
+        <a:scrgbClr r="0" g="0" b="0"/>
+      </a:effectRef>
+      <a:fontRef idx="minor"/>
+    </dgm:style>
+  </dgm:styleLbl>
+  <dgm:styleLbl name="conFgAcc1">
+    <dgm:scene3d>
+      <a:camera prst="orthographicFront"/>
+      <a:lightRig rig="threePt" dir="t"/>
+    </dgm:scene3d>
+    <dgm:sp3d/>
+    <dgm:txPr/>
+    <dgm:style>
+      <a:lnRef idx="2">
+        <a:scrgbClr r="0" g="0" b="0"/>
+      </a:lnRef>
+      <a:fillRef idx="1">
+        <a:scrgbClr r="0" g="0" b="0"/>
+      </a:fillRef>
+      <a:effectRef idx="0">
+        <a:scrgbClr r="0" g="0" b="0"/>
+      </a:effectRef>
+      <a:fontRef idx="minor"/>
+    </dgm:style>
+  </dgm:styleLbl>
+  <dgm:styleLbl name="alignAcc1">
+    <dgm:scene3d>
+      <a:camera prst="orthographicFront"/>
+      <a:lightRig rig="threePt" dir="t"/>
+    </dgm:scene3d>
+    <dgm:sp3d/>
+    <dgm:txPr/>
+    <dgm:style>
+      <a:lnRef idx="2">
+        <a:scrgbClr r="0" g="0" b="0"/>
+      </a:lnRef>
+      <a:fillRef idx="1">
+        <a:scrgbClr r="0" g="0" b="0"/>
+      </a:fillRef>
+      <a:effectRef idx="0">
+        <a:scrgbClr r="0" g="0" b="0"/>
+      </a:effectRef>
+      <a:fontRef idx="minor"/>
+    </dgm:style>
+  </dgm:styleLbl>
+  <dgm:styleLbl name="trAlignAcc1">
+    <dgm:scene3d>
+      <a:camera prst="orthographicFront"/>
+      <a:lightRig rig="threePt" dir="t"/>
+    </dgm:scene3d>
+    <dgm:sp3d/>
+    <dgm:txPr/>
+    <dgm:style>
+      <a:lnRef idx="1">
+        <a:scrgbClr r="0" g="0" b="0"/>
+      </a:lnRef>
+      <a:fillRef idx="1">
+        <a:scrgbClr r="0" g="0" b="0"/>
+      </a:fillRef>
+      <a:effectRef idx="0">
+        <a:scrgbClr r="0" g="0" b="0"/>
+      </a:effectRef>
+      <a:fontRef idx="minor"/>
+    </dgm:style>
+  </dgm:styleLbl>
+  <dgm:styleLbl name="bgAcc1">
+    <dgm:scene3d>
+      <a:camera prst="orthographicFront"/>
+      <a:lightRig rig="threePt" dir="t"/>
+    </dgm:scene3d>
+    <dgm:sp3d/>
+    <dgm:txPr/>
+    <dgm:style>
+      <a:lnRef idx="2">
+        <a:scrgbClr r="0" g="0" b="0"/>
+      </a:lnRef>
+      <a:fillRef idx="1">
+        <a:scrgbClr r="0" g="0" b="0"/>
+      </a:fillRef>
+      <a:effectRef idx="0">
+        <a:scrgbClr r="0" g="0" b="0"/>
+      </a:effectRef>
+      <a:fontRef idx="minor"/>
+    </dgm:style>
+  </dgm:styleLbl>
+  <dgm:styleLbl name="solidFgAcc1">
+    <dgm:scene3d>
+      <a:camera prst="orthographicFront"/>
+      <a:lightRig rig="threePt" dir="t"/>
+    </dgm:scene3d>
+    <dgm:sp3d/>
+    <dgm:txPr/>
+    <dgm:style>
+      <a:lnRef idx="2">
+        <a:scrgbClr r="0" g="0" b="0"/>
+      </a:lnRef>
+      <a:fillRef idx="1">
+        <a:scrgbClr r="0" g="0" b="0"/>
+      </a:fillRef>
+      <a:effectRef idx="0">
+        <a:scrgbClr r="0" g="0" b="0"/>
+      </a:effectRef>
+      <a:fontRef idx="minor"/>
+    </dgm:style>
+  </dgm:styleLbl>
+  <dgm:styleLbl name="solidAlignAcc1">
+    <dgm:scene3d>
+      <a:camera prst="orthographicFront"/>
+      <a:lightRig rig="threePt" dir="t"/>
+    </dgm:scene3d>
+    <dgm:sp3d/>
+    <dgm:txPr/>
+    <dgm:style>
+      <a:lnRef idx="2">
+        <a:scrgbClr r="0" g="0" b="0"/>
+      </a:lnRef>
+      <a:fillRef idx="1">
+        <a:scrgbClr r="0" g="0" b="0"/>
+      </a:fillRef>
+      <a:effectRef idx="0">
+        <a:scrgbClr r="0" g="0" b="0"/>
+      </a:effectRef>
+      <a:fontRef idx="minor"/>
+    </dgm:style>
+  </dgm:styleLbl>
+  <dgm:styleLbl name="solidBgAcc1">
+    <dgm:scene3d>
+      <a:camera prst="orthographicFront"/>
+      <a:lightRig rig="threePt" dir="t"/>
+    </dgm:scene3d>
+    <dgm:sp3d/>
+    <dgm:txPr/>
+    <dgm:style>
+      <a:lnRef idx="2">
+        <a:scrgbClr r="0" g="0" b="0"/>
+      </a:lnRef>
+      <a:fillRef idx="1">
+        <a:scrgbClr r="0" g="0" b="0"/>
+      </a:fillRef>
+      <a:effectRef idx="0">
+        <a:scrgbClr r="0" g="0" b="0"/>
+      </a:effectRef>
+      <a:fontRef idx="minor"/>
+    </dgm:style>
+  </dgm:styleLbl>
+  <dgm:styleLbl name="fgAccFollowNode1">
+    <dgm:scene3d>
+      <a:camera prst="orthographicFront"/>
+      <a:lightRig rig="threePt" dir="t"/>
+    </dgm:scene3d>
+    <dgm:sp3d/>
+    <dgm:txPr/>
+    <dgm:style>
+      <a:lnRef idx="2">
+        <a:scrgbClr r="0" g="0" b="0"/>
+      </a:lnRef>
+      <a:fillRef idx="1">
+        <a:scrgbClr r="0" g="0" b="0"/>
+      </a:fillRef>
+      <a:effectRef idx="0">
+        <a:scrgbClr r="0" g="0" b="0"/>
+      </a:effectRef>
+      <a:fontRef idx="minor"/>
+    </dgm:style>
+  </dgm:styleLbl>
+  <dgm:styleLbl name="alignAccFollowNode1">
+    <dgm:scene3d>
+      <a:camera prst="orthographicFront"/>
+      <a:lightRig rig="threePt" dir="t"/>
+    </dgm:scene3d>
+    <dgm:sp3d/>
+    <dgm:txPr/>
+    <dgm:style>
+      <a:lnRef idx="2">
+        <a:scrgbClr r="0" g="0" b="0"/>
+      </a:lnRef>
+      <a:fillRef idx="1">
+        <a:scrgbClr r="0" g="0" b="0"/>
+      </a:fillRef>
+      <a:effectRef idx="0">
+        <a:scrgbClr r="0" g="0" b="0"/>
+      </a:effectRef>
+      <a:fontRef idx="minor"/>
+    </dgm:style>
+  </dgm:styleLbl>
+  <dgm:styleLbl name="bgAccFollowNode1">
+    <dgm:scene3d>
+      <a:camera prst="orthographicFront"/>
+      <a:lightRig rig="threePt" dir="t"/>
+    </dgm:scene3d>
+    <dgm:sp3d/>
+    <dgm:txPr/>
+    <dgm:style>
+      <a:lnRef idx="2">
+        <a:scrgbClr r="0" g="0" b="0"/>
+      </a:lnRef>
+      <a:fillRef idx="1">
+        <a:scrgbClr r="0" g="0" b="0"/>
+      </a:fillRef>
+      <a:effectRef idx="0">
+        <a:scrgbClr r="0" g="0" b="0"/>
+      </a:effectRef>
+      <a:fontRef idx="minor"/>
+    </dgm:style>
+  </dgm:styleLbl>
+  <dgm:styleLbl name="fgAcc0">
+    <dgm:scene3d>
+      <a:camera prst="orthographicFront"/>
+      <a:lightRig rig="threePt" dir="t"/>
+    </dgm:scene3d>
+    <dgm:sp3d/>
+    <dgm:txPr/>
+    <dgm:style>
+      <a:lnRef idx="2">
+        <a:scrgbClr r="0" g="0" b="0"/>
+      </a:lnRef>
+      <a:fillRef idx="1">
+        <a:scrgbClr r="0" g="0" b="0"/>
+      </a:fillRef>
+      <a:effectRef idx="0">
+        <a:scrgbClr r="0" g="0" b="0"/>
+      </a:effectRef>
+      <a:fontRef idx="minor"/>
+    </dgm:style>
+  </dgm:styleLbl>
+  <dgm:styleLbl name="fgAcc2">
+    <dgm:scene3d>
+      <a:camera prst="orthographicFront"/>
+      <a:lightRig rig="threePt" dir="t"/>
+    </dgm:scene3d>
+    <dgm:sp3d/>
+    <dgm:txPr/>
+    <dgm:style>
+      <a:lnRef idx="2">
+        <a:scrgbClr r="0" g="0" b="0"/>
+      </a:lnRef>
+      <a:fillRef idx="1">
+        <a:scrgbClr r="0" g="0" b="0"/>
+      </a:fillRef>
+      <a:effectRef idx="0">
+        <a:scrgbClr r="0" g="0" b="0"/>
+      </a:effectRef>
+      <a:fontRef idx="minor"/>
+    </dgm:style>
+  </dgm:styleLbl>
+  <dgm:styleLbl name="fgAcc3">
+    <dgm:scene3d>
+      <a:camera prst="orthographicFront"/>
+      <a:lightRig rig="threePt" dir="t"/>
+    </dgm:scene3d>
+    <dgm:sp3d/>
+    <dgm:txPr/>
+    <dgm:style>
+      <a:lnRef idx="2">
+        <a:scrgbClr r="0" g="0" b="0"/>
+      </a:lnRef>
+      <a:fillRef idx="1">
+        <a:scrgbClr r="0" g="0" b="0"/>
+      </a:fillRef>
+      <a:effectRef idx="0">
+        <a:scrgbClr r="0" g="0" b="0"/>
+      </a:effectRef>
+      <a:fontRef idx="minor"/>
+    </dgm:style>
+  </dgm:styleLbl>
+  <dgm:styleLbl name="fgAcc4">
+    <dgm:scene3d>
+      <a:camera prst="orthographicFront"/>
+      <a:lightRig rig="threePt" dir="t"/>
+    </dgm:scene3d>
+    <dgm:sp3d/>
+    <dgm:txPr/>
+    <dgm:style>
+      <a:lnRef idx="2">
+        <a:scrgbClr r="0" g="0" b="0"/>
+      </a:lnRef>
+      <a:fillRef idx="1">
+        <a:scrgbClr r="0" g="0" b="0"/>
+      </a:fillRef>
+      <a:effectRef idx="0">
+        <a:scrgbClr r="0" g="0" b="0"/>
+      </a:effectRef>
+      <a:fontRef idx="minor"/>
+    </dgm:style>
+  </dgm:styleLbl>
+  <dgm:styleLbl name="bgShp">
+    <dgm:scene3d>
+      <a:camera prst="orthographicFront"/>
+      <a:lightRig rig="threePt" dir="t"/>
+    </dgm:scene3d>
+    <dgm:sp3d/>
+    <dgm:txPr/>
+    <dgm:style>
+      <a:lnRef idx="0">
+        <a:scrgbClr r="0" g="0" b="0"/>
+      </a:lnRef>
+      <a:fillRef idx="1">
+        <a:scrgbClr r="0" g="0" b="0"/>
+      </a:fillRef>
+      <a:effectRef idx="0">
+        <a:scrgbClr r="0" g="0" b="0"/>
+      </a:effectRef>
+      <a:fontRef idx="minor"/>
+    </dgm:style>
+  </dgm:styleLbl>
+  <dgm:styleLbl name="dkBgShp">
+    <dgm:scene3d>
+      <a:camera prst="orthographicFront"/>
+      <a:lightRig rig="threePt" dir="t"/>
+    </dgm:scene3d>
+    <dgm:sp3d/>
+    <dgm:txPr/>
+    <dgm:style>
+      <a:lnRef idx="0">
+        <a:scrgbClr r="0" g="0" b="0"/>
+      </a:lnRef>
+      <a:fillRef idx="1">
+        <a:scrgbClr r="0" g="0" b="0"/>
+      </a:fillRef>
+      <a:effectRef idx="0">
+        <a:scrgbClr r="0" g="0" b="0"/>
+      </a:effectRef>
+      <a:fontRef idx="minor"/>
+    </dgm:style>
+  </dgm:styleLbl>
+  <dgm:styleLbl name="trBgShp">
+    <dgm:scene3d>
+      <a:camera prst="orthographicFront"/>
+      <a:lightRig rig="threePt" dir="t"/>
+    </dgm:scene3d>
+    <dgm:sp3d/>
+    <dgm:txPr/>
+    <dgm:style>
+      <a:lnRef idx="0">
+        <a:scrgbClr r="0" g="0" b="0"/>
+      </a:lnRef>
+      <a:fillRef idx="1">
+        <a:scrgbClr r="0" g="0" b="0"/>
+      </a:fillRef>
+      <a:effectRef idx="0">
+        <a:scrgbClr r="0" g="0" b="0"/>
+      </a:effectRef>
+      <a:fontRef idx="minor"/>
+    </dgm:style>
+  </dgm:styleLbl>
+  <dgm:styleLbl name="fgShp">
+    <dgm:scene3d>
+      <a:camera prst="orthographicFront"/>
+      <a:lightRig rig="threePt" dir="t"/>
+    </dgm:scene3d>
+    <dgm:sp3d/>
+    <dgm:txPr/>
+    <dgm:style>
+      <a:lnRef idx="2">
+        <a:scrgbClr r="0" g="0" b="0"/>
+      </a:lnRef>
+      <a:fillRef idx="1">
+        <a:scrgbClr r="0" g="0" b="0"/>
+      </a:fillRef>
+      <a:effectRef idx="0">
+        <a:scrgbClr r="0" g="0" b="0"/>
+      </a:effectRef>
+      <a:fontRef idx="minor"/>
+    </dgm:style>
+  </dgm:styleLbl>
+  <dgm:styleLbl name="revTx">
+    <dgm:scene3d>
+      <a:camera prst="orthographicFront"/>
+      <a:lightRig rig="threePt" dir="t"/>
+    </dgm:scene3d>
+    <dgm:sp3d/>
+    <dgm:txPr/>
+    <dgm:style>
+      <a:lnRef idx="0">
+        <a:scrgbClr r="0" g="0" b="0"/>
+      </a:lnRef>
+      <a:fillRef idx="0">
+        <a:scrgbClr r="0" g="0" b="0"/>
+      </a:fillRef>
+      <a:effectRef idx="0">
+        <a:scrgbClr r="0" g="0" b="0"/>
+      </a:effectRef>
+      <a:fontRef idx="minor"/>
+    </dgm:style>
+  </dgm:styleLbl>
+</dgm:styleDef>
+</file>
+
 <file path=ppt/handoutMasters/handoutMaster1.xml><?xml version="1.0" encoding="utf-8"?>
 <p:handoutMaster xmlns:a="http://schemas.openxmlformats.org/drawingml/2006/main" xmlns:r="http://schemas.openxmlformats.org/officeDocument/2006/relationships" xmlns:p="http://schemas.openxmlformats.org/presentationml/2006/main">
   <p:cSld>
@@ -201,7 +4581,7 @@
             <a:fld id="{87FED0E4-3A89-4C76-A12C-CCD67DAE0C57}" type="datetimeFigureOut">
               <a:rPr lang="en-US" smtClean="0"/>
               <a:pPr/>
-              <a:t>7/9/2014</a:t>
+              <a:t>7/12/2014</a:t>
             </a:fld>
             <a:endParaRPr lang="en-US"/>
           </a:p>
@@ -363,7 +4743,7 @@
             <a:fld id="{69F585BA-CC47-4983-8886-C617D5996AAB}" type="datetimeFigureOut">
               <a:rPr lang="en-US" smtClean="0"/>
               <a:pPr/>
-              <a:t>7/9/2014</a:t>
+              <a:t>7/12/2014</a:t>
             </a:fld>
             <a:endParaRPr lang="en-US"/>
           </a:p>
@@ -627,6 +5007,698 @@
     </a:lvl9pPr>
   </p:notesStyle>
 </p:notesMaster>
+</file>
+
+<file path=ppt/notesSlides/notesSlide1.xml><?xml version="1.0" encoding="utf-8"?>
+<p:notes xmlns:a="http://schemas.openxmlformats.org/drawingml/2006/main" xmlns:r="http://schemas.openxmlformats.org/officeDocument/2006/relationships" xmlns:p="http://schemas.openxmlformats.org/presentationml/2006/main">
+  <p:cSld>
+    <p:spTree>
+      <p:nvGrpSpPr>
+        <p:cNvPr id="1" name=""/>
+        <p:cNvGrpSpPr/>
+        <p:nvPr/>
+      </p:nvGrpSpPr>
+      <p:grpSpPr>
+        <a:xfrm>
+          <a:off x="0" y="0"/>
+          <a:ext cx="0" cy="0"/>
+          <a:chOff x="0" y="0"/>
+          <a:chExt cx="0" cy="0"/>
+        </a:xfrm>
+      </p:grpSpPr>
+      <p:sp>
+        <p:nvSpPr>
+          <p:cNvPr id="2" name="Folienbildplatzhalter 1"/>
+          <p:cNvSpPr>
+            <a:spLocks noGrp="1" noRot="1" noChangeAspect="1"/>
+          </p:cNvSpPr>
+          <p:nvPr>
+            <p:ph type="sldImg"/>
+          </p:nvPr>
+        </p:nvSpPr>
+        <p:spPr/>
+      </p:sp>
+      <p:sp>
+        <p:nvSpPr>
+          <p:cNvPr id="3" name="Notizenplatzhalter 2"/>
+          <p:cNvSpPr>
+            <a:spLocks noGrp="1"/>
+          </p:cNvSpPr>
+          <p:nvPr>
+            <p:ph type="body" idx="1"/>
+          </p:nvPr>
+        </p:nvSpPr>
+        <p:spPr/>
+        <p:txBody>
+          <a:bodyPr>
+            <a:normAutofit/>
+          </a:bodyPr>
+          <a:lstStyle/>
+          <a:p>
+            <a:r>
+              <a:rPr lang="de-DE" dirty="0" smtClean="0"/>
+              <a:t>Arsenij </a:t>
+            </a:r>
+            <a:r>
+              <a:rPr lang="de-DE" dirty="0" err="1" smtClean="0"/>
+              <a:t>Jazenjuk</a:t>
+            </a:r>
+            <a:r>
+              <a:rPr lang="de-DE" dirty="0" smtClean="0"/>
+              <a:t> und </a:t>
+            </a:r>
+            <a:r>
+              <a:rPr lang="de-DE" dirty="0" err="1" smtClean="0"/>
+              <a:t>Olexandr</a:t>
+            </a:r>
+            <a:r>
+              <a:rPr lang="de-DE" dirty="0" smtClean="0"/>
+              <a:t> </a:t>
+            </a:r>
+            <a:r>
+              <a:rPr lang="de-DE" dirty="0" err="1" smtClean="0"/>
+              <a:t>Turtschynow</a:t>
+            </a:r>
+            <a:r>
+              <a:rPr lang="de-DE" dirty="0" smtClean="0"/>
+              <a:t> sind, oder (3) wie viele Ukrainer russischer Abstammung sind. </a:t>
+            </a:r>
+            <a:endParaRPr lang="de-DE" dirty="0" smtClean="0"/>
+          </a:p>
+        </p:txBody>
+      </p:sp>
+      <p:sp>
+        <p:nvSpPr>
+          <p:cNvPr id="4" name="Foliennummernplatzhalter 3"/>
+          <p:cNvSpPr>
+            <a:spLocks noGrp="1"/>
+          </p:cNvSpPr>
+          <p:nvPr>
+            <p:ph type="sldNum" sz="quarter" idx="10"/>
+          </p:nvPr>
+        </p:nvSpPr>
+        <p:spPr/>
+        <p:txBody>
+          <a:bodyPr/>
+          <a:lstStyle/>
+          <a:p>
+            <a:fld id="{0D3500F4-E7D5-4E99-A35B-2D954466A3FB}" type="slidenum">
+              <a:rPr lang="en-US" smtClean="0"/>
+              <a:pPr/>
+              <a:t>2</a:t>
+            </a:fld>
+            <a:endParaRPr lang="en-US"/>
+          </a:p>
+        </p:txBody>
+      </p:sp>
+    </p:spTree>
+  </p:cSld>
+  <p:clrMapOvr>
+    <a:masterClrMapping/>
+  </p:clrMapOvr>
+</p:notes>
+</file>
+
+<file path=ppt/notesSlides/notesSlide2.xml><?xml version="1.0" encoding="utf-8"?>
+<p:notes xmlns:a="http://schemas.openxmlformats.org/drawingml/2006/main" xmlns:r="http://schemas.openxmlformats.org/officeDocument/2006/relationships" xmlns:p="http://schemas.openxmlformats.org/presentationml/2006/main">
+  <p:cSld>
+    <p:spTree>
+      <p:nvGrpSpPr>
+        <p:cNvPr id="1" name=""/>
+        <p:cNvGrpSpPr/>
+        <p:nvPr/>
+      </p:nvGrpSpPr>
+      <p:grpSpPr>
+        <a:xfrm>
+          <a:off x="0" y="0"/>
+          <a:ext cx="0" cy="0"/>
+          <a:chOff x="0" y="0"/>
+          <a:chExt cx="0" cy="0"/>
+        </a:xfrm>
+      </p:grpSpPr>
+      <p:sp>
+        <p:nvSpPr>
+          <p:cNvPr id="2" name="Folienbildplatzhalter 1"/>
+          <p:cNvSpPr>
+            <a:spLocks noGrp="1" noRot="1" noChangeAspect="1"/>
+          </p:cNvSpPr>
+          <p:nvPr>
+            <p:ph type="sldImg"/>
+          </p:nvPr>
+        </p:nvSpPr>
+        <p:spPr/>
+      </p:sp>
+      <p:sp>
+        <p:nvSpPr>
+          <p:cNvPr id="3" name="Notizenplatzhalter 2"/>
+          <p:cNvSpPr>
+            <a:spLocks noGrp="1"/>
+          </p:cNvSpPr>
+          <p:nvPr>
+            <p:ph type="body" idx="1"/>
+          </p:nvPr>
+        </p:nvSpPr>
+        <p:spPr/>
+        <p:txBody>
+          <a:bodyPr>
+            <a:normAutofit/>
+          </a:bodyPr>
+          <a:lstStyle/>
+          <a:p>
+            <a:endParaRPr lang="en-US" dirty="0"/>
+          </a:p>
+        </p:txBody>
+      </p:sp>
+      <p:sp>
+        <p:nvSpPr>
+          <p:cNvPr id="4" name="Foliennummernplatzhalter 3"/>
+          <p:cNvSpPr>
+            <a:spLocks noGrp="1"/>
+          </p:cNvSpPr>
+          <p:nvPr>
+            <p:ph type="sldNum" sz="quarter" idx="10"/>
+          </p:nvPr>
+        </p:nvSpPr>
+        <p:spPr/>
+        <p:txBody>
+          <a:bodyPr/>
+          <a:lstStyle/>
+          <a:p>
+            <a:fld id="{0D3500F4-E7D5-4E99-A35B-2D954466A3FB}" type="slidenum">
+              <a:rPr lang="en-US" smtClean="0"/>
+              <a:pPr/>
+              <a:t>3</a:t>
+            </a:fld>
+            <a:endParaRPr lang="en-US"/>
+          </a:p>
+        </p:txBody>
+      </p:sp>
+    </p:spTree>
+  </p:cSld>
+  <p:clrMapOvr>
+    <a:masterClrMapping/>
+  </p:clrMapOvr>
+</p:notes>
+</file>
+
+<file path=ppt/notesSlides/notesSlide3.xml><?xml version="1.0" encoding="utf-8"?>
+<p:notes xmlns:a="http://schemas.openxmlformats.org/drawingml/2006/main" xmlns:r="http://schemas.openxmlformats.org/officeDocument/2006/relationships" xmlns:p="http://schemas.openxmlformats.org/presentationml/2006/main">
+  <p:cSld>
+    <p:spTree>
+      <p:nvGrpSpPr>
+        <p:cNvPr id="1" name=""/>
+        <p:cNvGrpSpPr/>
+        <p:nvPr/>
+      </p:nvGrpSpPr>
+      <p:grpSpPr>
+        <a:xfrm>
+          <a:off x="0" y="0"/>
+          <a:ext cx="0" cy="0"/>
+          <a:chOff x="0" y="0"/>
+          <a:chExt cx="0" cy="0"/>
+        </a:xfrm>
+      </p:grpSpPr>
+      <p:sp>
+        <p:nvSpPr>
+          <p:cNvPr id="2" name="Folienbildplatzhalter 1"/>
+          <p:cNvSpPr>
+            <a:spLocks noGrp="1" noRot="1" noChangeAspect="1"/>
+          </p:cNvSpPr>
+          <p:nvPr>
+            <p:ph type="sldImg"/>
+          </p:nvPr>
+        </p:nvSpPr>
+        <p:spPr/>
+      </p:sp>
+      <p:sp>
+        <p:nvSpPr>
+          <p:cNvPr id="3" name="Notizenplatzhalter 2"/>
+          <p:cNvSpPr>
+            <a:spLocks noGrp="1"/>
+          </p:cNvSpPr>
+          <p:nvPr>
+            <p:ph type="body" idx="1"/>
+          </p:nvPr>
+        </p:nvSpPr>
+        <p:spPr/>
+        <p:txBody>
+          <a:bodyPr>
+            <a:normAutofit/>
+          </a:bodyPr>
+          <a:lstStyle/>
+          <a:p>
+            <a:pPr marL="342900" marR="0" lvl="0" indent="-342900" algn="l" defTabSz="914400" rtl="0" eaLnBrk="1" fontAlgn="base" latinLnBrk="0" hangingPunct="1">
+              <a:lnSpc>
+                <a:spcPct val="100000"/>
+              </a:lnSpc>
+              <a:spcBef>
+                <a:spcPct val="20000"/>
+              </a:spcBef>
+              <a:spcAft>
+                <a:spcPts val="0"/>
+              </a:spcAft>
+              <a:buClrTx/>
+              <a:buSzTx/>
+              <a:buFont typeface="Arial" pitchFamily="34" charset="0"/>
+              <a:buChar char="•"/>
+              <a:tabLst/>
+              <a:defRPr/>
+            </a:pPr>
+            <a:r>
+              <a:rPr kumimoji="0" lang="en-US" sz="1200" b="0" i="0" u="none" strike="noStrike" kern="1200" cap="none" spc="0" normalizeH="0" baseline="0" noProof="0" dirty="0" err="1" smtClean="0">
+                <a:ln>
+                  <a:noFill/>
+                </a:ln>
+                <a:solidFill>
+                  <a:schemeClr val="tx1"/>
+                </a:solidFill>
+                <a:effectLst/>
+                <a:uLnTx/>
+                <a:uFillTx/>
+                <a:latin typeface="+mn-lt"/>
+                <a:ea typeface="+mn-ea"/>
+                <a:cs typeface="+mn-cs"/>
+              </a:rPr>
+              <a:t>Crawlen</a:t>
+            </a:r>
+            <a:r>
+              <a:rPr kumimoji="0" lang="en-US" sz="1200" b="0" i="0" u="none" strike="noStrike" kern="1200" cap="none" spc="0" normalizeH="0" baseline="0" noProof="0" dirty="0" smtClean="0">
+                <a:ln>
+                  <a:noFill/>
+                </a:ln>
+                <a:solidFill>
+                  <a:schemeClr val="tx1"/>
+                </a:solidFill>
+                <a:effectLst/>
+                <a:uLnTx/>
+                <a:uFillTx/>
+                <a:latin typeface="+mn-lt"/>
+                <a:ea typeface="+mn-ea"/>
+                <a:cs typeface="+mn-cs"/>
+              </a:rPr>
+              <a:t> (RSS-Feeds)</a:t>
+            </a:r>
+          </a:p>
+          <a:p>
+            <a:pPr marL="342900" marR="0" lvl="0" indent="-342900" algn="l" defTabSz="914400" rtl="0" eaLnBrk="1" fontAlgn="auto" latinLnBrk="0" hangingPunct="1">
+              <a:lnSpc>
+                <a:spcPct val="100000"/>
+              </a:lnSpc>
+              <a:spcBef>
+                <a:spcPct val="20000"/>
+              </a:spcBef>
+              <a:spcAft>
+                <a:spcPts val="0"/>
+              </a:spcAft>
+              <a:buClrTx/>
+              <a:buSzTx/>
+              <a:buFont typeface="Arial" pitchFamily="34" charset="0"/>
+              <a:buChar char="•"/>
+              <a:tabLst/>
+              <a:defRPr/>
+            </a:pPr>
+            <a:r>
+              <a:rPr kumimoji="0" lang="en-US" sz="1200" b="0" i="0" u="none" strike="noStrike" kern="1200" cap="none" spc="0" normalizeH="0" baseline="0" noProof="0" dirty="0" err="1" smtClean="0">
+                <a:ln>
+                  <a:noFill/>
+                </a:ln>
+                <a:solidFill>
+                  <a:schemeClr val="tx1"/>
+                </a:solidFill>
+                <a:effectLst/>
+                <a:uLnTx/>
+                <a:uFillTx/>
+                <a:latin typeface="+mn-lt"/>
+                <a:ea typeface="+mn-ea"/>
+                <a:cs typeface="+mn-cs"/>
+              </a:rPr>
+              <a:t>Clustern</a:t>
+            </a:r>
+            <a:r>
+              <a:rPr kumimoji="0" lang="en-US" sz="1200" b="0" i="0" u="none" strike="noStrike" kern="1200" cap="none" spc="0" normalizeH="0" baseline="0" noProof="0" dirty="0" smtClean="0">
+                <a:ln>
+                  <a:noFill/>
+                </a:ln>
+                <a:solidFill>
+                  <a:schemeClr val="tx1"/>
+                </a:solidFill>
+                <a:effectLst/>
+                <a:uLnTx/>
+                <a:uFillTx/>
+                <a:latin typeface="+mn-lt"/>
+                <a:ea typeface="+mn-ea"/>
+                <a:cs typeface="+mn-cs"/>
+              </a:rPr>
+              <a:t> (</a:t>
+            </a:r>
+            <a:r>
+              <a:rPr kumimoji="0" lang="en-US" sz="1200" b="0" i="0" u="none" strike="noStrike" kern="1200" cap="none" spc="0" normalizeH="0" baseline="0" noProof="0" dirty="0" err="1" smtClean="0">
+                <a:ln>
+                  <a:noFill/>
+                </a:ln>
+                <a:solidFill>
+                  <a:schemeClr val="tx1"/>
+                </a:solidFill>
+                <a:effectLst/>
+                <a:uLnTx/>
+                <a:uFillTx/>
+                <a:latin typeface="+mn-lt"/>
+                <a:ea typeface="+mn-ea"/>
+                <a:cs typeface="+mn-cs"/>
+              </a:rPr>
+              <a:t>Hierarisch</a:t>
+            </a:r>
+            <a:r>
+              <a:rPr kumimoji="0" lang="en-US" sz="1200" b="0" i="0" u="none" strike="noStrike" kern="1200" cap="none" spc="0" normalizeH="0" baseline="0" noProof="0" dirty="0" smtClean="0">
+                <a:ln>
+                  <a:noFill/>
+                </a:ln>
+                <a:solidFill>
+                  <a:schemeClr val="tx1"/>
+                </a:solidFill>
+                <a:effectLst/>
+                <a:uLnTx/>
+                <a:uFillTx/>
+                <a:latin typeface="+mn-lt"/>
+                <a:ea typeface="+mn-ea"/>
+                <a:cs typeface="+mn-cs"/>
+              </a:rPr>
+              <a:t>, </a:t>
+            </a:r>
+            <a:r>
+              <a:rPr kumimoji="0" lang="en-US" sz="1200" b="0" i="0" u="none" strike="noStrike" kern="1200" cap="none" spc="0" normalizeH="0" baseline="0" noProof="0" dirty="0" err="1" smtClean="0">
+                <a:ln>
+                  <a:noFill/>
+                </a:ln>
+                <a:solidFill>
+                  <a:schemeClr val="tx1"/>
+                </a:solidFill>
+                <a:effectLst/>
+                <a:uLnTx/>
+                <a:uFillTx/>
+                <a:latin typeface="+mn-lt"/>
+                <a:ea typeface="+mn-ea"/>
+                <a:cs typeface="+mn-cs"/>
+              </a:rPr>
+              <a:t>Agglomerativ</a:t>
+            </a:r>
+            <a:r>
+              <a:rPr kumimoji="0" lang="en-US" sz="1200" b="0" i="0" u="none" strike="noStrike" kern="1200" cap="none" spc="0" normalizeH="0" baseline="0" noProof="0" dirty="0" smtClean="0">
+                <a:ln>
+                  <a:noFill/>
+                </a:ln>
+                <a:solidFill>
+                  <a:schemeClr val="tx1"/>
+                </a:solidFill>
+                <a:effectLst/>
+                <a:uLnTx/>
+                <a:uFillTx/>
+                <a:latin typeface="+mn-lt"/>
+                <a:ea typeface="+mn-ea"/>
+                <a:cs typeface="+mn-cs"/>
+              </a:rPr>
+              <a:t>, </a:t>
+            </a:r>
+            <a:r>
+              <a:rPr kumimoji="0" lang="en-US" sz="1200" b="0" i="0" u="none" strike="noStrike" kern="1200" cap="none" spc="0" normalizeH="0" baseline="0" noProof="0" dirty="0" err="1" smtClean="0">
+                <a:ln>
+                  <a:noFill/>
+                </a:ln>
+                <a:solidFill>
+                  <a:schemeClr val="tx1"/>
+                </a:solidFill>
+                <a:effectLst/>
+                <a:uLnTx/>
+                <a:uFillTx/>
+                <a:latin typeface="+mn-lt"/>
+                <a:ea typeface="+mn-ea"/>
+                <a:cs typeface="+mn-cs"/>
+              </a:rPr>
+              <a:t>Distanzfunktion</a:t>
+            </a:r>
+            <a:r>
+              <a:rPr kumimoji="0" lang="en-US" sz="1200" b="0" i="0" u="none" strike="noStrike" kern="1200" cap="none" spc="0" normalizeH="0" baseline="0" noProof="0" dirty="0" smtClean="0">
+                <a:ln>
+                  <a:noFill/>
+                </a:ln>
+                <a:solidFill>
+                  <a:schemeClr val="tx1"/>
+                </a:solidFill>
+                <a:effectLst/>
+                <a:uLnTx/>
+                <a:uFillTx/>
+                <a:latin typeface="+mn-lt"/>
+                <a:ea typeface="+mn-ea"/>
+                <a:cs typeface="+mn-cs"/>
+              </a:rPr>
+              <a:t>)</a:t>
+            </a:r>
+          </a:p>
+          <a:p>
+            <a:pPr marL="342900" marR="0" lvl="0" indent="-342900" algn="l" defTabSz="914400" rtl="0" eaLnBrk="1" fontAlgn="auto" latinLnBrk="0" hangingPunct="1">
+              <a:lnSpc>
+                <a:spcPct val="100000"/>
+              </a:lnSpc>
+              <a:spcBef>
+                <a:spcPct val="20000"/>
+              </a:spcBef>
+              <a:spcAft>
+                <a:spcPts val="0"/>
+              </a:spcAft>
+              <a:buClrTx/>
+              <a:buSzTx/>
+              <a:buFont typeface="Arial" pitchFamily="34" charset="0"/>
+              <a:buChar char="•"/>
+              <a:tabLst/>
+              <a:defRPr/>
+            </a:pPr>
+            <a:r>
+              <a:rPr kumimoji="0" lang="en-US" sz="1200" b="0" i="0" u="none" strike="noStrike" kern="1200" cap="none" spc="0" normalizeH="0" baseline="0" noProof="0" dirty="0" smtClean="0">
+                <a:ln>
+                  <a:noFill/>
+                </a:ln>
+                <a:solidFill>
+                  <a:schemeClr val="tx1"/>
+                </a:solidFill>
+                <a:effectLst/>
+                <a:uLnTx/>
+                <a:uFillTx/>
+                <a:latin typeface="+mn-lt"/>
+                <a:ea typeface="+mn-ea"/>
+                <a:cs typeface="+mn-cs"/>
+              </a:rPr>
+              <a:t>Entity Recognition (Stanford NER)</a:t>
+            </a:r>
+          </a:p>
+          <a:p>
+            <a:pPr marL="342900" marR="0" lvl="0" indent="-342900" algn="l" defTabSz="914400" rtl="0" eaLnBrk="1" fontAlgn="auto" latinLnBrk="0" hangingPunct="1">
+              <a:lnSpc>
+                <a:spcPct val="100000"/>
+              </a:lnSpc>
+              <a:spcBef>
+                <a:spcPct val="20000"/>
+              </a:spcBef>
+              <a:spcAft>
+                <a:spcPts val="0"/>
+              </a:spcAft>
+              <a:buClrTx/>
+              <a:buSzTx/>
+              <a:buFont typeface="Arial" pitchFamily="34" charset="0"/>
+              <a:buChar char="•"/>
+              <a:tabLst/>
+              <a:defRPr/>
+            </a:pPr>
+            <a:r>
+              <a:rPr kumimoji="0" lang="en-US" sz="1200" b="0" i="0" u="none" strike="noStrike" kern="1200" cap="none" spc="0" normalizeH="0" baseline="0" noProof="0" dirty="0" err="1" smtClean="0">
+                <a:ln>
+                  <a:noFill/>
+                </a:ln>
+                <a:solidFill>
+                  <a:schemeClr val="tx1"/>
+                </a:solidFill>
+                <a:effectLst/>
+                <a:uLnTx/>
+                <a:uFillTx/>
+                <a:latin typeface="+mn-lt"/>
+                <a:ea typeface="+mn-ea"/>
+                <a:cs typeface="+mn-cs"/>
+              </a:rPr>
+              <a:t>Hintergrunddaten</a:t>
+            </a:r>
+            <a:r>
+              <a:rPr kumimoji="0" lang="en-US" sz="1200" b="0" i="0" u="none" strike="noStrike" kern="1200" cap="none" spc="0" normalizeH="0" baseline="0" noProof="0" dirty="0" smtClean="0">
+                <a:ln>
+                  <a:noFill/>
+                </a:ln>
+                <a:solidFill>
+                  <a:schemeClr val="tx1"/>
+                </a:solidFill>
+                <a:effectLst/>
+                <a:uLnTx/>
+                <a:uFillTx/>
+                <a:latin typeface="+mn-lt"/>
+                <a:ea typeface="+mn-ea"/>
+                <a:cs typeface="+mn-cs"/>
+              </a:rPr>
+              <a:t> (</a:t>
+            </a:r>
+            <a:r>
+              <a:rPr kumimoji="0" lang="en-US" sz="1200" b="0" i="0" u="none" strike="noStrike" kern="1200" cap="none" spc="0" normalizeH="0" baseline="0" noProof="0" dirty="0" err="1" smtClean="0">
+                <a:ln>
+                  <a:noFill/>
+                </a:ln>
+                <a:solidFill>
+                  <a:schemeClr val="tx1"/>
+                </a:solidFill>
+                <a:effectLst/>
+                <a:uLnTx/>
+                <a:uFillTx/>
+                <a:latin typeface="+mn-lt"/>
+                <a:ea typeface="+mn-ea"/>
+                <a:cs typeface="+mn-cs"/>
+              </a:rPr>
+              <a:t>Geocode</a:t>
+            </a:r>
+            <a:r>
+              <a:rPr kumimoji="0" lang="en-US" sz="1200" b="0" i="0" u="none" strike="noStrike" kern="1200" cap="none" spc="0" normalizeH="0" baseline="0" noProof="0" dirty="0" smtClean="0">
+                <a:ln>
+                  <a:noFill/>
+                </a:ln>
+                <a:solidFill>
+                  <a:schemeClr val="tx1"/>
+                </a:solidFill>
+                <a:effectLst/>
+                <a:uLnTx/>
+                <a:uFillTx/>
+                <a:latin typeface="+mn-lt"/>
+                <a:ea typeface="+mn-ea"/>
+                <a:cs typeface="+mn-cs"/>
+              </a:rPr>
+              <a:t> via Google, Freebase, Leaflet/OSMs)</a:t>
+            </a:r>
+          </a:p>
+          <a:p>
+            <a:pPr marL="342900" marR="0" lvl="0" indent="-342900" algn="l" defTabSz="914400" rtl="0" eaLnBrk="1" fontAlgn="auto" latinLnBrk="0" hangingPunct="1">
+              <a:lnSpc>
+                <a:spcPct val="100000"/>
+              </a:lnSpc>
+              <a:spcBef>
+                <a:spcPct val="20000"/>
+              </a:spcBef>
+              <a:spcAft>
+                <a:spcPts val="0"/>
+              </a:spcAft>
+              <a:buClrTx/>
+              <a:buSzTx/>
+              <a:buFont typeface="Arial" pitchFamily="34" charset="0"/>
+              <a:buChar char="•"/>
+              <a:tabLst/>
+              <a:defRPr/>
+            </a:pPr>
+            <a:r>
+              <a:rPr kumimoji="0" lang="en-US" sz="1200" b="0" i="0" u="none" strike="noStrike" kern="1200" cap="none" spc="0" normalizeH="0" baseline="0" noProof="0" dirty="0" err="1" smtClean="0">
+                <a:ln>
+                  <a:noFill/>
+                </a:ln>
+                <a:solidFill>
+                  <a:schemeClr val="tx1"/>
+                </a:solidFill>
+                <a:effectLst/>
+                <a:uLnTx/>
+                <a:uFillTx/>
+                <a:latin typeface="+mn-lt"/>
+                <a:ea typeface="+mn-ea"/>
+                <a:cs typeface="+mn-cs"/>
+              </a:rPr>
+              <a:t>Webframework</a:t>
+            </a:r>
+            <a:r>
+              <a:rPr kumimoji="0" lang="en-US" sz="1200" b="0" i="0" u="none" strike="noStrike" kern="1200" cap="none" spc="0" normalizeH="0" baseline="0" noProof="0" dirty="0" smtClean="0">
+                <a:ln>
+                  <a:noFill/>
+                </a:ln>
+                <a:solidFill>
+                  <a:schemeClr val="tx1"/>
+                </a:solidFill>
+                <a:effectLst/>
+                <a:uLnTx/>
+                <a:uFillTx/>
+                <a:latin typeface="+mn-lt"/>
+                <a:ea typeface="+mn-ea"/>
+                <a:cs typeface="+mn-cs"/>
+              </a:rPr>
+              <a:t> (</a:t>
+            </a:r>
+            <a:r>
+              <a:rPr kumimoji="0" lang="en-US" sz="1200" b="0" i="0" u="none" strike="noStrike" kern="1200" cap="none" spc="0" normalizeH="0" baseline="0" noProof="0" dirty="0" err="1" smtClean="0">
+                <a:ln>
+                  <a:noFill/>
+                </a:ln>
+                <a:solidFill>
+                  <a:schemeClr val="tx1"/>
+                </a:solidFill>
+                <a:effectLst/>
+                <a:uLnTx/>
+                <a:uFillTx/>
+                <a:latin typeface="+mn-lt"/>
+                <a:ea typeface="+mn-ea"/>
+                <a:cs typeface="+mn-cs"/>
+              </a:rPr>
+              <a:t>Django</a:t>
+            </a:r>
+            <a:r>
+              <a:rPr kumimoji="0" lang="en-US" sz="1200" b="0" i="0" u="none" strike="noStrike" kern="1200" cap="none" spc="0" normalizeH="0" baseline="0" noProof="0" dirty="0" smtClean="0">
+                <a:ln>
+                  <a:noFill/>
+                </a:ln>
+                <a:solidFill>
+                  <a:schemeClr val="tx1"/>
+                </a:solidFill>
+                <a:effectLst/>
+                <a:uLnTx/>
+                <a:uFillTx/>
+                <a:latin typeface="+mn-lt"/>
+                <a:ea typeface="+mn-ea"/>
+                <a:cs typeface="+mn-cs"/>
+              </a:rPr>
+              <a:t>)</a:t>
+            </a:r>
+          </a:p>
+          <a:p>
+            <a:endParaRPr lang="en-US" dirty="0"/>
+          </a:p>
+        </p:txBody>
+      </p:sp>
+      <p:sp>
+        <p:nvSpPr>
+          <p:cNvPr id="4" name="Foliennummernplatzhalter 3"/>
+          <p:cNvSpPr>
+            <a:spLocks noGrp="1"/>
+          </p:cNvSpPr>
+          <p:nvPr>
+            <p:ph type="sldNum" sz="quarter" idx="10"/>
+          </p:nvPr>
+        </p:nvSpPr>
+        <p:spPr/>
+        <p:txBody>
+          <a:bodyPr/>
+          <a:lstStyle/>
+          <a:p>
+            <a:fld id="{0D3500F4-E7D5-4E99-A35B-2D954466A3FB}" type="slidenum">
+              <a:rPr lang="en-US" smtClean="0"/>
+              <a:pPr/>
+              <a:t>6</a:t>
+            </a:fld>
+            <a:endParaRPr lang="en-US"/>
+          </a:p>
+        </p:txBody>
+      </p:sp>
+    </p:spTree>
+  </p:cSld>
+  <p:clrMapOvr>
+    <a:masterClrMapping/>
+  </p:clrMapOvr>
+</p:notes>
 </file>
 
 <file path=ppt/slideLayouts/slideLayout1.xml><?xml version="1.0" encoding="utf-8"?>
@@ -3676,15 +8748,7 @@
             </a:r>
             <a:r>
               <a:rPr lang="en-US" dirty="0" smtClean="0"/>
-              <a:t>+</a:t>
-            </a:r>
-            <a:r>
-              <a:rPr lang="en-US" dirty="0" smtClean="0"/>
-              <a:t>“ </a:t>
-            </a:r>
-            <a:r>
-              <a:rPr lang="en-US" dirty="0" smtClean="0"/>
-              <a:t>– </a:t>
+              <a:t>+“ – </a:t>
             </a:r>
             <a:r>
               <a:rPr lang="en-US" dirty="0" err="1" smtClean="0"/>
@@ -3731,11 +8795,7 @@
             </a:r>
             <a:r>
               <a:rPr lang="en-US" dirty="0" err="1" smtClean="0"/>
-              <a:t>Müh</a:t>
-            </a:r>
-            <a:r>
-              <a:rPr lang="en-US" dirty="0" err="1" smtClean="0"/>
-              <a:t>lbauer</a:t>
+              <a:t>Mühlbauer</a:t>
             </a:r>
             <a:endParaRPr lang="en-US" dirty="0"/>
           </a:p>
@@ -3747,6 +8807,852 @@
     <a:masterClrMapping/>
   </p:clrMapOvr>
   <p:transition spd="slow"/>
+  <p:timing>
+    <p:tnLst>
+      <p:par>
+        <p:cTn id="1" dur="indefinite" restart="never" nodeType="tmRoot"/>
+      </p:par>
+    </p:tnLst>
+  </p:timing>
+</p:sld>
+</file>
+
+<file path=ppt/slides/slide10.xml><?xml version="1.0" encoding="utf-8"?>
+<p:sld xmlns:a="http://schemas.openxmlformats.org/drawingml/2006/main" xmlns:r="http://schemas.openxmlformats.org/officeDocument/2006/relationships" xmlns:p="http://schemas.openxmlformats.org/presentationml/2006/main">
+  <p:cSld>
+    <p:spTree>
+      <p:nvGrpSpPr>
+        <p:cNvPr id="1" name=""/>
+        <p:cNvGrpSpPr/>
+        <p:nvPr/>
+      </p:nvGrpSpPr>
+      <p:grpSpPr>
+        <a:xfrm>
+          <a:off x="0" y="0"/>
+          <a:ext cx="0" cy="0"/>
+          <a:chOff x="0" y="0"/>
+          <a:chExt cx="0" cy="0"/>
+        </a:xfrm>
+      </p:grpSpPr>
+      <p:sp>
+        <p:nvSpPr>
+          <p:cNvPr id="2" name="Titel 1"/>
+          <p:cNvSpPr>
+            <a:spLocks noGrp="1"/>
+          </p:cNvSpPr>
+          <p:nvPr>
+            <p:ph type="title"/>
+          </p:nvPr>
+        </p:nvSpPr>
+        <p:spPr/>
+        <p:txBody>
+          <a:bodyPr/>
+          <a:lstStyle/>
+          <a:p>
+            <a:r>
+              <a:rPr lang="en-US" dirty="0" err="1" smtClean="0"/>
+              <a:t>Verfahren</a:t>
+            </a:r>
+            <a:endParaRPr lang="en-US" dirty="0"/>
+          </a:p>
+        </p:txBody>
+      </p:sp>
+      <p:sp>
+        <p:nvSpPr>
+          <p:cNvPr id="3" name="Inhaltsplatzhalter 2"/>
+          <p:cNvSpPr>
+            <a:spLocks noGrp="1"/>
+          </p:cNvSpPr>
+          <p:nvPr>
+            <p:ph idx="1"/>
+          </p:nvPr>
+        </p:nvSpPr>
+        <p:spPr/>
+        <p:txBody>
+          <a:bodyPr/>
+          <a:lstStyle/>
+          <a:p>
+            <a:r>
+              <a:rPr lang="en-US" dirty="0" smtClean="0"/>
+              <a:t>Entity Recognition (Stanford NER</a:t>
+            </a:r>
+            <a:r>
+              <a:rPr lang="en-US" dirty="0" smtClean="0"/>
+              <a:t>)</a:t>
+            </a:r>
+          </a:p>
+          <a:p>
+            <a:pPr lvl="1"/>
+            <a:r>
+              <a:rPr lang="en-US" dirty="0" smtClean="0"/>
+              <a:t>Conditional Random Fields</a:t>
+            </a:r>
+            <a:endParaRPr lang="en-US" dirty="0" smtClean="0"/>
+          </a:p>
+        </p:txBody>
+      </p:sp>
+      <p:sp>
+        <p:nvSpPr>
+          <p:cNvPr id="4" name="Datumsplatzhalter 3"/>
+          <p:cNvSpPr>
+            <a:spLocks noGrp="1"/>
+          </p:cNvSpPr>
+          <p:nvPr>
+            <p:ph type="dt" sz="half" idx="10"/>
+          </p:nvPr>
+        </p:nvSpPr>
+        <p:spPr/>
+        <p:txBody>
+          <a:bodyPr/>
+          <a:lstStyle/>
+          <a:p>
+            <a:r>
+              <a:rPr lang="en-US" smtClean="0"/>
+              <a:t>16. Juli 2014</a:t>
+            </a:r>
+            <a:endParaRPr lang="en-US"/>
+          </a:p>
+        </p:txBody>
+      </p:sp>
+      <p:sp>
+        <p:nvSpPr>
+          <p:cNvPr id="5" name="Fußzeilenplatzhalter 4"/>
+          <p:cNvSpPr>
+            <a:spLocks noGrp="1"/>
+          </p:cNvSpPr>
+          <p:nvPr>
+            <p:ph type="ftr" sz="quarter" idx="11"/>
+          </p:nvPr>
+        </p:nvSpPr>
+        <p:spPr/>
+        <p:txBody>
+          <a:bodyPr/>
+          <a:lstStyle/>
+          <a:p>
+            <a:r>
+              <a:rPr lang="de-DE" smtClean="0"/>
+              <a:t>NM+ - Zwischenpräsentation | RF, TG, SM</a:t>
+            </a:r>
+            <a:endParaRPr lang="en-US"/>
+          </a:p>
+        </p:txBody>
+      </p:sp>
+      <p:sp>
+        <p:nvSpPr>
+          <p:cNvPr id="6" name="Foliennummernplatzhalter 5"/>
+          <p:cNvSpPr>
+            <a:spLocks noGrp="1"/>
+          </p:cNvSpPr>
+          <p:nvPr>
+            <p:ph type="sldNum" sz="quarter" idx="12"/>
+          </p:nvPr>
+        </p:nvSpPr>
+        <p:spPr/>
+        <p:txBody>
+          <a:bodyPr/>
+          <a:lstStyle/>
+          <a:p>
+            <a:fld id="{94BAB08E-C97D-4120-AD51-349303B9E4E3}" type="slidenum">
+              <a:rPr lang="en-US" smtClean="0"/>
+              <a:pPr/>
+              <a:t>10</a:t>
+            </a:fld>
+            <a:endParaRPr lang="en-US"/>
+          </a:p>
+        </p:txBody>
+      </p:sp>
+    </p:spTree>
+  </p:cSld>
+  <p:clrMapOvr>
+    <a:masterClrMapping/>
+  </p:clrMapOvr>
+  <p:transition/>
+  <p:timing>
+    <p:tnLst>
+      <p:par>
+        <p:cTn id="1" dur="indefinite" restart="never" nodeType="tmRoot"/>
+      </p:par>
+    </p:tnLst>
+  </p:timing>
+</p:sld>
+</file>
+
+<file path=ppt/slides/slide11.xml><?xml version="1.0" encoding="utf-8"?>
+<p:sld xmlns:a="http://schemas.openxmlformats.org/drawingml/2006/main" xmlns:r="http://schemas.openxmlformats.org/officeDocument/2006/relationships" xmlns:p="http://schemas.openxmlformats.org/presentationml/2006/main">
+  <p:cSld>
+    <p:spTree>
+      <p:nvGrpSpPr>
+        <p:cNvPr id="1" name=""/>
+        <p:cNvGrpSpPr/>
+        <p:nvPr/>
+      </p:nvGrpSpPr>
+      <p:grpSpPr>
+        <a:xfrm>
+          <a:off x="0" y="0"/>
+          <a:ext cx="0" cy="0"/>
+          <a:chOff x="0" y="0"/>
+          <a:chExt cx="0" cy="0"/>
+        </a:xfrm>
+      </p:grpSpPr>
+      <p:sp>
+        <p:nvSpPr>
+          <p:cNvPr id="2" name="Titel 1"/>
+          <p:cNvSpPr>
+            <a:spLocks noGrp="1"/>
+          </p:cNvSpPr>
+          <p:nvPr>
+            <p:ph type="title"/>
+          </p:nvPr>
+        </p:nvSpPr>
+        <p:spPr/>
+        <p:txBody>
+          <a:bodyPr/>
+          <a:lstStyle/>
+          <a:p>
+            <a:r>
+              <a:rPr lang="en-US" dirty="0" err="1" smtClean="0"/>
+              <a:t>Verfahren</a:t>
+            </a:r>
+            <a:endParaRPr lang="en-US" dirty="0"/>
+          </a:p>
+        </p:txBody>
+      </p:sp>
+      <p:sp>
+        <p:nvSpPr>
+          <p:cNvPr id="3" name="Inhaltsplatzhalter 2"/>
+          <p:cNvSpPr>
+            <a:spLocks noGrp="1"/>
+          </p:cNvSpPr>
+          <p:nvPr>
+            <p:ph idx="1"/>
+          </p:nvPr>
+        </p:nvSpPr>
+        <p:spPr/>
+        <p:txBody>
+          <a:bodyPr/>
+          <a:lstStyle/>
+          <a:p>
+            <a:r>
+              <a:rPr lang="en-US" dirty="0" err="1" smtClean="0"/>
+              <a:t>Hintergrunddaten</a:t>
+            </a:r>
+            <a:r>
+              <a:rPr lang="en-US" dirty="0" smtClean="0"/>
+              <a:t> </a:t>
+            </a:r>
+          </a:p>
+          <a:p>
+            <a:pPr lvl="1"/>
+            <a:r>
+              <a:rPr lang="en-US" dirty="0" err="1" smtClean="0"/>
+              <a:t>Geocode</a:t>
+            </a:r>
+            <a:r>
+              <a:rPr lang="en-US" dirty="0" smtClean="0"/>
+              <a:t> via Google </a:t>
+            </a:r>
+          </a:p>
+          <a:p>
+            <a:pPr lvl="1"/>
+            <a:r>
+              <a:rPr lang="en-US" dirty="0" smtClean="0"/>
+              <a:t>Freebase</a:t>
+            </a:r>
+          </a:p>
+          <a:p>
+            <a:pPr lvl="1"/>
+            <a:r>
+              <a:rPr lang="en-US" dirty="0" smtClean="0"/>
+              <a:t>Leaflet/OSMs</a:t>
+            </a:r>
+            <a:endParaRPr lang="en-US" dirty="0" smtClean="0"/>
+          </a:p>
+        </p:txBody>
+      </p:sp>
+      <p:sp>
+        <p:nvSpPr>
+          <p:cNvPr id="4" name="Datumsplatzhalter 3"/>
+          <p:cNvSpPr>
+            <a:spLocks noGrp="1"/>
+          </p:cNvSpPr>
+          <p:nvPr>
+            <p:ph type="dt" sz="half" idx="10"/>
+          </p:nvPr>
+        </p:nvSpPr>
+        <p:spPr/>
+        <p:txBody>
+          <a:bodyPr/>
+          <a:lstStyle/>
+          <a:p>
+            <a:r>
+              <a:rPr lang="en-US" smtClean="0"/>
+              <a:t>16. Juli 2014</a:t>
+            </a:r>
+            <a:endParaRPr lang="en-US"/>
+          </a:p>
+        </p:txBody>
+      </p:sp>
+      <p:sp>
+        <p:nvSpPr>
+          <p:cNvPr id="5" name="Fußzeilenplatzhalter 4"/>
+          <p:cNvSpPr>
+            <a:spLocks noGrp="1"/>
+          </p:cNvSpPr>
+          <p:nvPr>
+            <p:ph type="ftr" sz="quarter" idx="11"/>
+          </p:nvPr>
+        </p:nvSpPr>
+        <p:spPr/>
+        <p:txBody>
+          <a:bodyPr/>
+          <a:lstStyle/>
+          <a:p>
+            <a:r>
+              <a:rPr lang="de-DE" smtClean="0"/>
+              <a:t>NM+ - Zwischenpräsentation | RF, TG, SM</a:t>
+            </a:r>
+            <a:endParaRPr lang="en-US"/>
+          </a:p>
+        </p:txBody>
+      </p:sp>
+      <p:sp>
+        <p:nvSpPr>
+          <p:cNvPr id="6" name="Foliennummernplatzhalter 5"/>
+          <p:cNvSpPr>
+            <a:spLocks noGrp="1"/>
+          </p:cNvSpPr>
+          <p:nvPr>
+            <p:ph type="sldNum" sz="quarter" idx="12"/>
+          </p:nvPr>
+        </p:nvSpPr>
+        <p:spPr/>
+        <p:txBody>
+          <a:bodyPr/>
+          <a:lstStyle/>
+          <a:p>
+            <a:fld id="{94BAB08E-C97D-4120-AD51-349303B9E4E3}" type="slidenum">
+              <a:rPr lang="en-US" smtClean="0"/>
+              <a:pPr/>
+              <a:t>11</a:t>
+            </a:fld>
+            <a:endParaRPr lang="en-US"/>
+          </a:p>
+        </p:txBody>
+      </p:sp>
+    </p:spTree>
+  </p:cSld>
+  <p:clrMapOvr>
+    <a:masterClrMapping/>
+  </p:clrMapOvr>
+  <p:transition/>
+  <p:timing>
+    <p:tnLst>
+      <p:par>
+        <p:cTn id="1" dur="indefinite" restart="never" nodeType="tmRoot"/>
+      </p:par>
+    </p:tnLst>
+  </p:timing>
+</p:sld>
+</file>
+
+<file path=ppt/slides/slide12.xml><?xml version="1.0" encoding="utf-8"?>
+<p:sld xmlns:a="http://schemas.openxmlformats.org/drawingml/2006/main" xmlns:r="http://schemas.openxmlformats.org/officeDocument/2006/relationships" xmlns:p="http://schemas.openxmlformats.org/presentationml/2006/main">
+  <p:cSld>
+    <p:spTree>
+      <p:nvGrpSpPr>
+        <p:cNvPr id="1" name=""/>
+        <p:cNvGrpSpPr/>
+        <p:nvPr/>
+      </p:nvGrpSpPr>
+      <p:grpSpPr>
+        <a:xfrm>
+          <a:off x="0" y="0"/>
+          <a:ext cx="0" cy="0"/>
+          <a:chOff x="0" y="0"/>
+          <a:chExt cx="0" cy="0"/>
+        </a:xfrm>
+      </p:grpSpPr>
+      <p:sp>
+        <p:nvSpPr>
+          <p:cNvPr id="2" name="Titel 1"/>
+          <p:cNvSpPr>
+            <a:spLocks noGrp="1"/>
+          </p:cNvSpPr>
+          <p:nvPr>
+            <p:ph type="title"/>
+          </p:nvPr>
+        </p:nvSpPr>
+        <p:spPr/>
+        <p:txBody>
+          <a:bodyPr/>
+          <a:lstStyle/>
+          <a:p>
+            <a:r>
+              <a:rPr lang="en-US" dirty="0" err="1" smtClean="0"/>
+              <a:t>Technologien</a:t>
+            </a:r>
+            <a:endParaRPr lang="en-US" dirty="0"/>
+          </a:p>
+        </p:txBody>
+      </p:sp>
+      <p:sp>
+        <p:nvSpPr>
+          <p:cNvPr id="4" name="Datumsplatzhalter 3"/>
+          <p:cNvSpPr>
+            <a:spLocks noGrp="1"/>
+          </p:cNvSpPr>
+          <p:nvPr>
+            <p:ph type="dt" sz="half" idx="10"/>
+          </p:nvPr>
+        </p:nvSpPr>
+        <p:spPr/>
+        <p:txBody>
+          <a:bodyPr/>
+          <a:lstStyle/>
+          <a:p>
+            <a:r>
+              <a:rPr lang="en-US" smtClean="0"/>
+              <a:t>16. Juli 2014</a:t>
+            </a:r>
+            <a:endParaRPr lang="en-US"/>
+          </a:p>
+        </p:txBody>
+      </p:sp>
+      <p:sp>
+        <p:nvSpPr>
+          <p:cNvPr id="5" name="Fußzeilenplatzhalter 4"/>
+          <p:cNvSpPr>
+            <a:spLocks noGrp="1"/>
+          </p:cNvSpPr>
+          <p:nvPr>
+            <p:ph type="ftr" sz="quarter" idx="11"/>
+          </p:nvPr>
+        </p:nvSpPr>
+        <p:spPr/>
+        <p:txBody>
+          <a:bodyPr/>
+          <a:lstStyle/>
+          <a:p>
+            <a:r>
+              <a:rPr lang="de-DE" smtClean="0"/>
+              <a:t>NM+ - Zwischenpräsentation | RF, TG, SM</a:t>
+            </a:r>
+            <a:endParaRPr lang="en-US"/>
+          </a:p>
+        </p:txBody>
+      </p:sp>
+      <p:sp>
+        <p:nvSpPr>
+          <p:cNvPr id="6" name="Foliennummernplatzhalter 5"/>
+          <p:cNvSpPr>
+            <a:spLocks noGrp="1"/>
+          </p:cNvSpPr>
+          <p:nvPr>
+            <p:ph type="sldNum" sz="quarter" idx="12"/>
+          </p:nvPr>
+        </p:nvSpPr>
+        <p:spPr/>
+        <p:txBody>
+          <a:bodyPr/>
+          <a:lstStyle/>
+          <a:p>
+            <a:fld id="{94BAB08E-C97D-4120-AD51-349303B9E4E3}" type="slidenum">
+              <a:rPr lang="en-US" smtClean="0"/>
+              <a:pPr/>
+              <a:t>12</a:t>
+            </a:fld>
+            <a:endParaRPr lang="en-US"/>
+          </a:p>
+        </p:txBody>
+      </p:sp>
+      <p:grpSp>
+        <p:nvGrpSpPr>
+          <p:cNvPr id="26" name="Gruppieren 25"/>
+          <p:cNvGrpSpPr/>
+          <p:nvPr/>
+        </p:nvGrpSpPr>
+        <p:grpSpPr>
+          <a:xfrm>
+            <a:off x="1143000" y="1197769"/>
+            <a:ext cx="6858000" cy="3983831"/>
+            <a:chOff x="1828800" y="1197769"/>
+            <a:chExt cx="6858000" cy="3983831"/>
+          </a:xfrm>
+        </p:grpSpPr>
+        <p:sp>
+          <p:nvSpPr>
+            <p:cNvPr id="7" name="Flussdiagramm: Magnetplattenspeicher 6"/>
+            <p:cNvSpPr/>
+            <p:nvPr/>
+          </p:nvSpPr>
+          <p:spPr>
+            <a:xfrm>
+              <a:off x="1828800" y="3429000"/>
+              <a:ext cx="1828800" cy="1752600"/>
+            </a:xfrm>
+            <a:prstGeom prst="flowChartMagneticDisk">
+              <a:avLst/>
+            </a:prstGeom>
+            <a:solidFill>
+              <a:schemeClr val="bg2">
+                <a:lumMod val="25000"/>
+              </a:schemeClr>
+            </a:solidFill>
+            <a:ln>
+              <a:solidFill>
+                <a:schemeClr val="bg2">
+                  <a:lumMod val="50000"/>
+                </a:schemeClr>
+              </a:solidFill>
+            </a:ln>
+          </p:spPr>
+          <p:style>
+            <a:lnRef idx="2">
+              <a:schemeClr val="accent1">
+                <a:shade val="50000"/>
+              </a:schemeClr>
+            </a:lnRef>
+            <a:fillRef idx="1">
+              <a:schemeClr val="accent1"/>
+            </a:fillRef>
+            <a:effectRef idx="0">
+              <a:schemeClr val="accent1"/>
+            </a:effectRef>
+            <a:fontRef idx="minor">
+              <a:schemeClr val="lt1"/>
+            </a:fontRef>
+          </p:style>
+          <p:txBody>
+            <a:bodyPr rtlCol="0" anchor="ctr"/>
+            <a:lstStyle/>
+            <a:p>
+              <a:pPr algn="ctr"/>
+              <a:r>
+                <a:rPr lang="en-US" sz="2400" dirty="0" err="1" smtClean="0"/>
+                <a:t>Postgres</a:t>
+              </a:r>
+              <a:endParaRPr lang="en-US" sz="2400" dirty="0"/>
+            </a:p>
+          </p:txBody>
+        </p:sp>
+        <p:sp>
+          <p:nvSpPr>
+            <p:cNvPr id="8" name="Flussdiagramm: Prozess 7"/>
+            <p:cNvSpPr/>
+            <p:nvPr/>
+          </p:nvSpPr>
+          <p:spPr>
+            <a:xfrm>
+              <a:off x="4572000" y="3429000"/>
+              <a:ext cx="4114800" cy="1752600"/>
+            </a:xfrm>
+            <a:prstGeom prst="flowChartProcess">
+              <a:avLst/>
+            </a:prstGeom>
+            <a:solidFill>
+              <a:schemeClr val="bg2">
+                <a:lumMod val="25000"/>
+              </a:schemeClr>
+            </a:solidFill>
+          </p:spPr>
+          <p:style>
+            <a:lnRef idx="2">
+              <a:schemeClr val="accent1">
+                <a:shade val="50000"/>
+              </a:schemeClr>
+            </a:lnRef>
+            <a:fillRef idx="1">
+              <a:schemeClr val="accent1"/>
+            </a:fillRef>
+            <a:effectRef idx="0">
+              <a:schemeClr val="accent1"/>
+            </a:effectRef>
+            <a:fontRef idx="minor">
+              <a:schemeClr val="lt1"/>
+            </a:fontRef>
+          </p:style>
+          <p:txBody>
+            <a:bodyPr rtlCol="0" anchor="ctr"/>
+            <a:lstStyle/>
+            <a:p>
+              <a:pPr algn="ctr"/>
+              <a:r>
+                <a:rPr lang="en-US" sz="2400" b="1" dirty="0" err="1" smtClean="0"/>
+                <a:t>NewsMiner</a:t>
+              </a:r>
+              <a:r>
+                <a:rPr lang="en-US" sz="2400" b="1" dirty="0" smtClean="0"/>
+                <a:t>+ (Java &amp; Python) </a:t>
+              </a:r>
+            </a:p>
+            <a:p>
+              <a:r>
+                <a:rPr lang="en-US" sz="2400" dirty="0" smtClean="0"/>
+                <a:t>- RSS Crawler</a:t>
+              </a:r>
+              <a:br>
+                <a:rPr lang="en-US" sz="2400" dirty="0" smtClean="0"/>
+              </a:br>
+              <a:r>
+                <a:rPr lang="en-US" sz="2400" dirty="0" smtClean="0"/>
+                <a:t>- Clustering</a:t>
+              </a:r>
+              <a:br>
+                <a:rPr lang="en-US" sz="2400" dirty="0" smtClean="0"/>
+              </a:br>
+              <a:r>
+                <a:rPr lang="en-US" sz="2400" dirty="0" smtClean="0"/>
+                <a:t>- Background Extraction </a:t>
+              </a:r>
+              <a:endParaRPr lang="en-US" sz="2400" dirty="0"/>
+            </a:p>
+          </p:txBody>
+        </p:sp>
+        <p:sp>
+          <p:nvSpPr>
+            <p:cNvPr id="9" name="Flussdiagramm: Prozess 8"/>
+            <p:cNvSpPr/>
+            <p:nvPr/>
+          </p:nvSpPr>
+          <p:spPr>
+            <a:xfrm>
+              <a:off x="1828800" y="1600200"/>
+              <a:ext cx="1828800" cy="914400"/>
+            </a:xfrm>
+            <a:prstGeom prst="flowChartProcess">
+              <a:avLst/>
+            </a:prstGeom>
+            <a:solidFill>
+              <a:schemeClr val="bg2">
+                <a:lumMod val="25000"/>
+              </a:schemeClr>
+            </a:solidFill>
+          </p:spPr>
+          <p:style>
+            <a:lnRef idx="2">
+              <a:schemeClr val="accent1">
+                <a:shade val="50000"/>
+              </a:schemeClr>
+            </a:lnRef>
+            <a:fillRef idx="1">
+              <a:schemeClr val="accent1"/>
+            </a:fillRef>
+            <a:effectRef idx="0">
+              <a:schemeClr val="accent1"/>
+            </a:effectRef>
+            <a:fontRef idx="minor">
+              <a:schemeClr val="lt1"/>
+            </a:fontRef>
+          </p:style>
+          <p:txBody>
+            <a:bodyPr rtlCol="0" anchor="ctr"/>
+            <a:lstStyle/>
+            <a:p>
+              <a:pPr algn="ctr"/>
+              <a:r>
+                <a:rPr lang="en-US" sz="2400" dirty="0" err="1" smtClean="0"/>
+                <a:t>Django</a:t>
+              </a:r>
+              <a:endParaRPr lang="en-US" sz="2400" dirty="0"/>
+            </a:p>
+          </p:txBody>
+        </p:sp>
+        <p:grpSp>
+          <p:nvGrpSpPr>
+            <p:cNvPr id="13" name="Gruppieren 12"/>
+            <p:cNvGrpSpPr/>
+            <p:nvPr/>
+          </p:nvGrpSpPr>
+          <p:grpSpPr>
+            <a:xfrm>
+              <a:off x="5486400" y="1197769"/>
+              <a:ext cx="1752600" cy="2002631"/>
+              <a:chOff x="5562600" y="1197769"/>
+              <a:chExt cx="1752600" cy="2002631"/>
+            </a:xfrm>
+          </p:grpSpPr>
+          <p:pic>
+            <p:nvPicPr>
+              <p:cNvPr id="10" name="Grafik 9" descr="happygei.png"/>
+              <p:cNvPicPr>
+                <a:picLocks noChangeAspect="1"/>
+              </p:cNvPicPr>
+              <p:nvPr/>
+            </p:nvPicPr>
+            <p:blipFill>
+              <a:blip r:embed="rId2" cstate="print"/>
+              <a:srcRect l="20660" t="19512" r="24247" b="4878"/>
+              <a:stretch>
+                <a:fillRect/>
+              </a:stretch>
+            </p:blipFill>
+            <p:spPr>
+              <a:xfrm>
+                <a:off x="5562600" y="1197769"/>
+                <a:ext cx="1752600" cy="1697831"/>
+              </a:xfrm>
+              <a:prstGeom prst="rect">
+                <a:avLst/>
+              </a:prstGeom>
+            </p:spPr>
+          </p:pic>
+          <p:sp>
+            <p:nvSpPr>
+              <p:cNvPr id="12" name="Textfeld 11"/>
+              <p:cNvSpPr txBox="1"/>
+              <p:nvPr/>
+            </p:nvSpPr>
+            <p:spPr>
+              <a:xfrm>
+                <a:off x="6096000" y="2738735"/>
+                <a:ext cx="758285" cy="461665"/>
+              </a:xfrm>
+              <a:prstGeom prst="rect">
+                <a:avLst/>
+              </a:prstGeom>
+              <a:noFill/>
+            </p:spPr>
+            <p:txBody>
+              <a:bodyPr wrap="none" rtlCol="0">
+                <a:spAutoFit/>
+              </a:bodyPr>
+              <a:lstStyle/>
+              <a:p>
+                <a:r>
+                  <a:rPr lang="en-US" sz="2400" dirty="0" smtClean="0"/>
+                  <a:t>User</a:t>
+                </a:r>
+                <a:endParaRPr lang="en-US" sz="2400" dirty="0"/>
+              </a:p>
+            </p:txBody>
+          </p:sp>
+        </p:grpSp>
+        <p:cxnSp>
+          <p:nvCxnSpPr>
+            <p:cNvPr id="15" name="Gerade Verbindung mit Pfeil 14"/>
+            <p:cNvCxnSpPr>
+              <a:stCxn id="8" idx="1"/>
+              <a:endCxn id="7" idx="4"/>
+            </p:cNvCxnSpPr>
+            <p:nvPr/>
+          </p:nvCxnSpPr>
+          <p:spPr>
+            <a:xfrm flipH="1">
+              <a:off x="3657600" y="4305300"/>
+              <a:ext cx="914400" cy="0"/>
+            </a:xfrm>
+            <a:prstGeom prst="straightConnector1">
+              <a:avLst/>
+            </a:prstGeom>
+            <a:ln w="57150">
+              <a:solidFill>
+                <a:schemeClr val="accent1">
+                  <a:lumMod val="50000"/>
+                </a:schemeClr>
+              </a:solidFill>
+              <a:tailEnd type="arrow"/>
+            </a:ln>
+          </p:spPr>
+          <p:style>
+            <a:lnRef idx="1">
+              <a:schemeClr val="accent1"/>
+            </a:lnRef>
+            <a:fillRef idx="0">
+              <a:schemeClr val="accent1"/>
+            </a:fillRef>
+            <a:effectRef idx="0">
+              <a:schemeClr val="accent1"/>
+            </a:effectRef>
+            <a:fontRef idx="minor">
+              <a:schemeClr val="tx1"/>
+            </a:fontRef>
+          </p:style>
+        </p:cxnSp>
+        <p:cxnSp>
+          <p:nvCxnSpPr>
+            <p:cNvPr id="19" name="Gerade Verbindung mit Pfeil 18"/>
+            <p:cNvCxnSpPr>
+              <a:stCxn id="7" idx="1"/>
+              <a:endCxn id="9" idx="2"/>
+            </p:cNvCxnSpPr>
+            <p:nvPr/>
+          </p:nvCxnSpPr>
+          <p:spPr>
+            <a:xfrm flipV="1">
+              <a:off x="2743200" y="2514600"/>
+              <a:ext cx="0" cy="914400"/>
+            </a:xfrm>
+            <a:prstGeom prst="straightConnector1">
+              <a:avLst/>
+            </a:prstGeom>
+            <a:ln w="57150">
+              <a:solidFill>
+                <a:srgbClr val="000000"/>
+              </a:solidFill>
+              <a:tailEnd type="arrow"/>
+            </a:ln>
+          </p:spPr>
+          <p:style>
+            <a:lnRef idx="1">
+              <a:schemeClr val="accent1"/>
+            </a:lnRef>
+            <a:fillRef idx="0">
+              <a:schemeClr val="accent1"/>
+            </a:fillRef>
+            <a:effectRef idx="0">
+              <a:schemeClr val="accent1"/>
+            </a:effectRef>
+            <a:fontRef idx="minor">
+              <a:schemeClr val="tx1"/>
+            </a:fontRef>
+          </p:style>
+        </p:cxnSp>
+        <p:cxnSp>
+          <p:nvCxnSpPr>
+            <p:cNvPr id="21" name="Gerade Verbindung mit Pfeil 20"/>
+            <p:cNvCxnSpPr>
+              <a:stCxn id="9" idx="3"/>
+              <a:endCxn id="10" idx="1"/>
+            </p:cNvCxnSpPr>
+            <p:nvPr/>
+          </p:nvCxnSpPr>
+          <p:spPr>
+            <a:xfrm flipV="1">
+              <a:off x="3657600" y="2046685"/>
+              <a:ext cx="1828800" cy="10715"/>
+            </a:xfrm>
+            <a:prstGeom prst="straightConnector1">
+              <a:avLst/>
+            </a:prstGeom>
+            <a:ln w="57150">
+              <a:solidFill>
+                <a:srgbClr val="000000"/>
+              </a:solidFill>
+              <a:tailEnd type="arrow"/>
+            </a:ln>
+          </p:spPr>
+          <p:style>
+            <a:lnRef idx="1">
+              <a:schemeClr val="accent1"/>
+            </a:lnRef>
+            <a:fillRef idx="0">
+              <a:schemeClr val="accent1"/>
+            </a:fillRef>
+            <a:effectRef idx="0">
+              <a:schemeClr val="accent1"/>
+            </a:effectRef>
+            <a:fontRef idx="minor">
+              <a:schemeClr val="tx1"/>
+            </a:fontRef>
+          </p:style>
+        </p:cxnSp>
+      </p:grpSp>
+    </p:spTree>
+  </p:cSld>
+  <p:clrMapOvr>
+    <a:masterClrMapping/>
+  </p:clrMapOvr>
+  <p:transition/>
   <p:timing>
     <p:tnLst>
       <p:par>
@@ -3801,25 +9707,6 @@
       </p:sp>
       <p:sp>
         <p:nvSpPr>
-          <p:cNvPr id="3" name="Inhaltsplatzhalter 2"/>
-          <p:cNvSpPr>
-            <a:spLocks noGrp="1"/>
-          </p:cNvSpPr>
-          <p:nvPr>
-            <p:ph idx="1"/>
-          </p:nvPr>
-        </p:nvSpPr>
-        <p:spPr/>
-        <p:txBody>
-          <a:bodyPr/>
-          <a:lstStyle/>
-          <a:p>
-            <a:endParaRPr lang="en-US"/>
-          </a:p>
-        </p:txBody>
-      </p:sp>
-      <p:sp>
-        <p:nvSpPr>
           <p:cNvPr id="4" name="Datumsplatzhalter 3"/>
           <p:cNvSpPr>
             <a:spLocks noGrp="1"/>
@@ -3885,6 +9772,75 @@
               <a:t>2</a:t>
             </a:fld>
             <a:endParaRPr lang="en-US"/>
+          </a:p>
+        </p:txBody>
+      </p:sp>
+      <p:pic>
+        <p:nvPicPr>
+          <p:cNvPr id="8" name="Grafik 7" descr="ukraine_person.jpg"/>
+          <p:cNvPicPr>
+            <a:picLocks noChangeAspect="1"/>
+          </p:cNvPicPr>
+          <p:nvPr/>
+        </p:nvPicPr>
+        <p:blipFill>
+          <a:blip r:embed="rId3" cstate="print"/>
+          <a:stretch>
+            <a:fillRect/>
+          </a:stretch>
+        </p:blipFill>
+        <p:spPr>
+          <a:xfrm>
+            <a:off x="1219200" y="1371600"/>
+            <a:ext cx="6096000" cy="3427751"/>
+          </a:xfrm>
+          <a:prstGeom prst="rect">
+            <a:avLst/>
+          </a:prstGeom>
+        </p:spPr>
+      </p:pic>
+      <p:sp>
+        <p:nvSpPr>
+          <p:cNvPr id="9" name="Textfeld 8"/>
+          <p:cNvSpPr txBox="1"/>
+          <p:nvPr/>
+        </p:nvSpPr>
+        <p:spPr>
+          <a:xfrm rot="19922401">
+            <a:off x="5283376" y="3936208"/>
+            <a:ext cx="3572073" cy="1323439"/>
+          </a:xfrm>
+          <a:prstGeom prst="rect">
+            <a:avLst/>
+          </a:prstGeom>
+          <a:noFill/>
+        </p:spPr>
+        <p:txBody>
+          <a:bodyPr wrap="square" rtlCol="0">
+            <a:spAutoFit/>
+          </a:bodyPr>
+          <a:lstStyle/>
+          <a:p>
+            <a:pPr algn="ctr"/>
+            <a:r>
+              <a:rPr lang="en-US" sz="8000" b="1" dirty="0" smtClean="0">
+                <a:solidFill>
+                  <a:schemeClr val="accent1">
+                    <a:lumMod val="60000"/>
+                    <a:lumOff val="40000"/>
+                  </a:schemeClr>
+                </a:solidFill>
+              </a:rPr>
+              <a:t>17,3%</a:t>
+            </a:r>
+            <a:endParaRPr lang="en-US" sz="8000" b="1" dirty="0">
+              <a:solidFill>
+                <a:schemeClr val="accent1">
+                  <a:lumMod val="60000"/>
+                  <a:lumOff val="40000"/>
+                </a:schemeClr>
+              </a:solidFill>
+            </a:endParaRPr>
           </a:p>
         </p:txBody>
       </p:sp>
@@ -3933,12 +9889,14 @@
         </p:nvSpPr>
         <p:spPr/>
         <p:txBody>
-          <a:bodyPr/>
+          <a:bodyPr>
+            <a:normAutofit/>
+          </a:bodyPr>
           <a:lstStyle/>
           <a:p>
             <a:r>
               <a:rPr lang="en-US" dirty="0" err="1" smtClean="0"/>
-              <a:t>Wie</a:t>
+              <a:t>Idee</a:t>
             </a:r>
             <a:endParaRPr lang="en-US" dirty="0"/>
           </a:p>
@@ -3946,7 +9904,7 @@
       </p:sp>
       <p:sp>
         <p:nvSpPr>
-          <p:cNvPr id="3" name="Inhaltsplatzhalter 2"/>
+          <p:cNvPr id="10" name="Inhaltsplatzhalter 9"/>
           <p:cNvSpPr>
             <a:spLocks noGrp="1"/>
           </p:cNvSpPr>
@@ -3956,10 +9914,61 @@
         </p:nvSpPr>
         <p:spPr/>
         <p:txBody>
-          <a:bodyPr/>
+          <a:bodyPr>
+            <a:normAutofit fontScale="85000" lnSpcReduction="10000"/>
+          </a:bodyPr>
           <a:lstStyle/>
           <a:p>
-            <a:endParaRPr lang="en-US"/>
+            <a:r>
+              <a:rPr lang="de-DE" dirty="0" smtClean="0"/>
+              <a:t>Bei </a:t>
+            </a:r>
+            <a:r>
+              <a:rPr lang="de-DE" dirty="0" smtClean="0"/>
+              <a:t>vielen aktuellen internationalen News fehlt dem Leser wichtiger Kontext. </a:t>
+            </a:r>
+          </a:p>
+          <a:p>
+            <a:r>
+              <a:rPr lang="de-DE" dirty="0" smtClean="0"/>
+              <a:t>Viele Redaktionen reagieren auf das fehlende Wissen, indem sie zusätzlich zu ihren aktuellen Meldungen Hintergrund- und Übersichtsartikel anbieten. </a:t>
+            </a:r>
+          </a:p>
+          <a:p>
+            <a:r>
+              <a:rPr lang="de-DE" dirty="0" smtClean="0"/>
+              <a:t>Onlineangebote wie die Tagesschau </a:t>
+            </a:r>
+            <a:r>
+              <a:rPr lang="de-DE" dirty="0" smtClean="0"/>
+              <a:t> oder </a:t>
+            </a:r>
+            <a:r>
+              <a:rPr lang="de-DE" dirty="0" smtClean="0"/>
+              <a:t>The Guardian </a:t>
+            </a:r>
+            <a:r>
+              <a:rPr lang="de-DE" dirty="0" smtClean="0"/>
+              <a:t>sind </a:t>
+            </a:r>
+            <a:r>
+              <a:rPr lang="de-DE" dirty="0" smtClean="0"/>
+              <a:t>u.a. durch die von ihnen in Form von </a:t>
+            </a:r>
+            <a:r>
+              <a:rPr lang="de-DE" dirty="0" err="1" smtClean="0"/>
+              <a:t>Mashups</a:t>
+            </a:r>
+            <a:r>
+              <a:rPr lang="de-DE" dirty="0" smtClean="0"/>
+              <a:t> angebotenen Hintergrund- und Übersichtsartikel führend in diesem Bereich.</a:t>
+            </a:r>
+          </a:p>
+          <a:p>
+            <a:endParaRPr lang="en-US" dirty="0" smtClean="0"/>
+          </a:p>
+          <a:p>
+            <a:endParaRPr lang="en-US" dirty="0"/>
           </a:p>
         </p:txBody>
       </p:sp>
@@ -4083,7 +10092,11 @@
           <a:p>
             <a:r>
               <a:rPr lang="en-US" dirty="0" smtClean="0"/>
-              <a:t>Was</a:t>
+              <a:t>Unser </a:t>
+            </a:r>
+            <a:r>
+              <a:rPr lang="en-US" dirty="0" err="1" smtClean="0"/>
+              <a:t>Projekt</a:t>
             </a:r>
             <a:endParaRPr lang="en-US" dirty="0"/>
           </a:p>
@@ -4101,10 +10114,25 @@
         </p:nvSpPr>
         <p:spPr/>
         <p:txBody>
-          <a:bodyPr/>
+          <a:bodyPr>
+            <a:normAutofit lnSpcReduction="10000"/>
+          </a:bodyPr>
           <a:lstStyle/>
           <a:p>
-            <a:endParaRPr lang="en-US"/>
+            <a:r>
+              <a:rPr lang="de-DE" dirty="0" smtClean="0"/>
+              <a:t>NM+ zielt darauf ab, die wichtigsten Themen des Tages mit einem Dossier zu versehen.</a:t>
+            </a:r>
+          </a:p>
+          <a:p>
+            <a:r>
+              <a:rPr lang="de-DE" dirty="0" smtClean="0"/>
+              <a:t>Zielgruppe: Nutzer, die das aktuelle Weltgeschehen in Politik und Wirtschaft verfolgen und die sich neben aktuellen News auch für deren Hintergründe interessieren und Wert auf eine sachlich korrekte Berichterstattung legen. </a:t>
+            </a:r>
+            <a:endParaRPr lang="en-US" dirty="0" smtClean="0"/>
+          </a:p>
+          <a:p>
+            <a:endParaRPr lang="en-US" dirty="0"/>
           </a:p>
         </p:txBody>
       </p:sp>
@@ -4221,6 +10249,385 @@
             <p:ph type="title"/>
           </p:nvPr>
         </p:nvSpPr>
+        <p:spPr/>
+        <p:txBody>
+          <a:bodyPr/>
+          <a:lstStyle/>
+          <a:p>
+            <a:r>
+              <a:rPr lang="en-US" dirty="0" err="1" smtClean="0"/>
+              <a:t>Prototyp</a:t>
+            </a:r>
+            <a:endParaRPr lang="en-US" dirty="0"/>
+          </a:p>
+        </p:txBody>
+      </p:sp>
+      <p:sp>
+        <p:nvSpPr>
+          <p:cNvPr id="3" name="Datumsplatzhalter 2"/>
+          <p:cNvSpPr>
+            <a:spLocks noGrp="1"/>
+          </p:cNvSpPr>
+          <p:nvPr>
+            <p:ph type="dt" sz="half" idx="10"/>
+          </p:nvPr>
+        </p:nvSpPr>
+        <p:spPr/>
+        <p:txBody>
+          <a:bodyPr/>
+          <a:lstStyle/>
+          <a:p>
+            <a:r>
+              <a:rPr lang="en-US" smtClean="0"/>
+              <a:t>16. Juli 2014</a:t>
+            </a:r>
+            <a:endParaRPr lang="en-US" dirty="0"/>
+          </a:p>
+        </p:txBody>
+      </p:sp>
+      <p:sp>
+        <p:nvSpPr>
+          <p:cNvPr id="4" name="Fußzeilenplatzhalter 3"/>
+          <p:cNvSpPr>
+            <a:spLocks noGrp="1"/>
+          </p:cNvSpPr>
+          <p:nvPr>
+            <p:ph type="ftr" sz="quarter" idx="11"/>
+          </p:nvPr>
+        </p:nvSpPr>
+        <p:spPr/>
+        <p:txBody>
+          <a:bodyPr/>
+          <a:lstStyle/>
+          <a:p>
+            <a:r>
+              <a:rPr lang="de-DE" smtClean="0"/>
+              <a:t>NM+ - Zwischenpräsentation | RF, TG, SM</a:t>
+            </a:r>
+            <a:endParaRPr lang="en-US" dirty="0"/>
+          </a:p>
+        </p:txBody>
+      </p:sp>
+      <p:sp>
+        <p:nvSpPr>
+          <p:cNvPr id="5" name="Foliennummernplatzhalter 4"/>
+          <p:cNvSpPr>
+            <a:spLocks noGrp="1"/>
+          </p:cNvSpPr>
+          <p:nvPr>
+            <p:ph type="sldNum" sz="quarter" idx="12"/>
+          </p:nvPr>
+        </p:nvSpPr>
+        <p:spPr/>
+        <p:txBody>
+          <a:bodyPr/>
+          <a:lstStyle/>
+          <a:p>
+            <a:fld id="{94BAB08E-C97D-4120-AD51-349303B9E4E3}" type="slidenum">
+              <a:rPr lang="en-US" smtClean="0"/>
+              <a:pPr/>
+              <a:t>5</a:t>
+            </a:fld>
+            <a:endParaRPr lang="en-US" dirty="0"/>
+          </a:p>
+        </p:txBody>
+      </p:sp>
+    </p:spTree>
+  </p:cSld>
+  <p:clrMapOvr>
+    <a:masterClrMapping/>
+  </p:clrMapOvr>
+  <p:transition/>
+  <p:timing>
+    <p:tnLst>
+      <p:par>
+        <p:cTn id="1" dur="indefinite" restart="never" nodeType="tmRoot"/>
+      </p:par>
+    </p:tnLst>
+  </p:timing>
+</p:sld>
+</file>
+
+<file path=ppt/slides/slide6.xml><?xml version="1.0" encoding="utf-8"?>
+<p:sld xmlns:a="http://schemas.openxmlformats.org/drawingml/2006/main" xmlns:r="http://schemas.openxmlformats.org/officeDocument/2006/relationships" xmlns:p="http://schemas.openxmlformats.org/presentationml/2006/main">
+  <p:cSld>
+    <p:spTree>
+      <p:nvGrpSpPr>
+        <p:cNvPr id="1" name=""/>
+        <p:cNvGrpSpPr/>
+        <p:nvPr/>
+      </p:nvGrpSpPr>
+      <p:grpSpPr>
+        <a:xfrm>
+          <a:off x="0" y="0"/>
+          <a:ext cx="0" cy="0"/>
+          <a:chOff x="0" y="0"/>
+          <a:chExt cx="0" cy="0"/>
+        </a:xfrm>
+      </p:grpSpPr>
+      <p:graphicFrame>
+        <p:nvGraphicFramePr>
+          <p:cNvPr id="10" name="Diagramm 9"/>
+          <p:cNvGraphicFramePr/>
+          <p:nvPr/>
+        </p:nvGraphicFramePr>
+        <p:xfrm>
+          <a:off x="0" y="990600"/>
+          <a:ext cx="9144000" cy="4648200"/>
+        </p:xfrm>
+        <a:graphic>
+          <a:graphicData uri="http://schemas.openxmlformats.org/drawingml/2006/diagram">
+            <dgm:relIds xmlns:dgm="http://schemas.openxmlformats.org/drawingml/2006/diagram" xmlns:r="http://schemas.openxmlformats.org/officeDocument/2006/relationships" r:dm="rId3" r:lo="rId4" r:qs="rId5" r:cs="rId6"/>
+          </a:graphicData>
+        </a:graphic>
+      </p:graphicFrame>
+      <p:sp>
+        <p:nvSpPr>
+          <p:cNvPr id="11" name="Titel 1"/>
+          <p:cNvSpPr txBox="1">
+            <a:spLocks/>
+          </p:cNvSpPr>
+          <p:nvPr/>
+        </p:nvSpPr>
+        <p:spPr>
+          <a:xfrm>
+            <a:off x="457200" y="274638"/>
+            <a:ext cx="8229600" cy="1143000"/>
+          </a:xfrm>
+          <a:prstGeom prst="rect">
+            <a:avLst/>
+          </a:prstGeom>
+        </p:spPr>
+        <p:txBody>
+          <a:bodyPr vert="horz" lIns="91440" tIns="45720" rIns="91440" bIns="45720" rtlCol="0" anchor="ctr">
+            <a:normAutofit/>
+          </a:bodyPr>
+          <a:lstStyle/>
+          <a:p>
+            <a:pPr marL="0" marR="0" lvl="0" indent="0" algn="ctr" defTabSz="914400" rtl="0" eaLnBrk="1" fontAlgn="auto" latinLnBrk="0" hangingPunct="1">
+              <a:lnSpc>
+                <a:spcPct val="100000"/>
+              </a:lnSpc>
+              <a:spcBef>
+                <a:spcPct val="0"/>
+              </a:spcBef>
+              <a:spcAft>
+                <a:spcPts val="0"/>
+              </a:spcAft>
+              <a:buClrTx/>
+              <a:buSzTx/>
+              <a:buFontTx/>
+              <a:buNone/>
+              <a:tabLst/>
+              <a:defRPr/>
+            </a:pPr>
+            <a:r>
+              <a:rPr kumimoji="0" lang="en-US" sz="4400" b="0" i="0" u="none" strike="noStrike" kern="1200" cap="none" spc="0" normalizeH="0" baseline="0" noProof="0" smtClean="0">
+                <a:ln>
+                  <a:noFill/>
+                </a:ln>
+                <a:solidFill>
+                  <a:schemeClr val="accent2">
+                    <a:lumMod val="75000"/>
+                  </a:schemeClr>
+                </a:solidFill>
+                <a:effectLst/>
+                <a:uLnTx/>
+                <a:uFillTx/>
+                <a:latin typeface="+mj-lt"/>
+                <a:ea typeface="+mj-ea"/>
+                <a:cs typeface="+mj-cs"/>
+              </a:rPr>
+              <a:t>Wie</a:t>
+            </a:r>
+            <a:endParaRPr kumimoji="0" lang="en-US" sz="4400" b="0" i="0" u="none" strike="noStrike" kern="1200" cap="none" spc="0" normalizeH="0" baseline="0" noProof="0" dirty="0">
+              <a:ln>
+                <a:noFill/>
+              </a:ln>
+              <a:solidFill>
+                <a:schemeClr val="accent2">
+                  <a:lumMod val="75000"/>
+                </a:schemeClr>
+              </a:solidFill>
+              <a:effectLst/>
+              <a:uLnTx/>
+              <a:uFillTx/>
+              <a:latin typeface="+mj-lt"/>
+              <a:ea typeface="+mj-ea"/>
+              <a:cs typeface="+mj-cs"/>
+            </a:endParaRPr>
+          </a:p>
+        </p:txBody>
+      </p:sp>
+      <p:sp>
+        <p:nvSpPr>
+          <p:cNvPr id="13" name="Datumsplatzhalter 3"/>
+          <p:cNvSpPr>
+            <a:spLocks noGrp="1"/>
+          </p:cNvSpPr>
+          <p:nvPr>
+            <p:ph type="dt" sz="half" idx="10"/>
+          </p:nvPr>
+        </p:nvSpPr>
+        <p:spPr>
+          <a:xfrm>
+            <a:off x="457200" y="6356350"/>
+            <a:ext cx="2133600" cy="365125"/>
+          </a:xfrm>
+        </p:spPr>
+        <p:txBody>
+          <a:bodyPr/>
+          <a:lstStyle/>
+          <a:p>
+            <a:r>
+              <a:rPr lang="en-US" smtClean="0"/>
+              <a:t>16. Juli 2014</a:t>
+            </a:r>
+            <a:endParaRPr lang="en-US"/>
+          </a:p>
+        </p:txBody>
+      </p:sp>
+      <p:sp>
+        <p:nvSpPr>
+          <p:cNvPr id="14" name="Fußzeilenplatzhalter 4"/>
+          <p:cNvSpPr>
+            <a:spLocks noGrp="1"/>
+          </p:cNvSpPr>
+          <p:nvPr>
+            <p:ph type="ftr" sz="quarter" idx="11"/>
+          </p:nvPr>
+        </p:nvSpPr>
+        <p:spPr>
+          <a:xfrm>
+            <a:off x="2743200" y="6356350"/>
+            <a:ext cx="3657600" cy="365125"/>
+          </a:xfrm>
+        </p:spPr>
+        <p:txBody>
+          <a:bodyPr/>
+          <a:lstStyle/>
+          <a:p>
+            <a:r>
+              <a:rPr lang="de-DE" smtClean="0"/>
+              <a:t>NM+ - Zwischenpräsentation | RF, TG, SM</a:t>
+            </a:r>
+            <a:endParaRPr lang="en-US"/>
+          </a:p>
+        </p:txBody>
+      </p:sp>
+      <p:sp>
+        <p:nvSpPr>
+          <p:cNvPr id="15" name="Foliennummernplatzhalter 5"/>
+          <p:cNvSpPr>
+            <a:spLocks noGrp="1"/>
+          </p:cNvSpPr>
+          <p:nvPr>
+            <p:ph type="sldNum" sz="quarter" idx="12"/>
+          </p:nvPr>
+        </p:nvSpPr>
+        <p:spPr>
+          <a:xfrm>
+            <a:off x="6553200" y="6356350"/>
+            <a:ext cx="2133600" cy="365125"/>
+          </a:xfrm>
+        </p:spPr>
+        <p:txBody>
+          <a:bodyPr/>
+          <a:lstStyle/>
+          <a:p>
+            <a:fld id="{94BAB08E-C97D-4120-AD51-349303B9E4E3}" type="slidenum">
+              <a:rPr lang="en-US" smtClean="0"/>
+              <a:pPr/>
+              <a:t>6</a:t>
+            </a:fld>
+            <a:endParaRPr lang="en-US"/>
+          </a:p>
+        </p:txBody>
+      </p:sp>
+      <p:sp>
+        <p:nvSpPr>
+          <p:cNvPr id="22" name="Textfeld 21"/>
+          <p:cNvSpPr txBox="1"/>
+          <p:nvPr/>
+        </p:nvSpPr>
+        <p:spPr>
+          <a:xfrm>
+            <a:off x="7543800" y="1371600"/>
+            <a:ext cx="1339406" cy="954107"/>
+          </a:xfrm>
+          <a:prstGeom prst="rect">
+            <a:avLst/>
+          </a:prstGeom>
+          <a:noFill/>
+        </p:spPr>
+        <p:txBody>
+          <a:bodyPr wrap="none" rtlCol="0">
+            <a:spAutoFit/>
+          </a:bodyPr>
+          <a:lstStyle/>
+          <a:p>
+            <a:r>
+              <a:rPr lang="en-US" sz="2800" b="1" dirty="0" smtClean="0"/>
+              <a:t>News</a:t>
+            </a:r>
+            <a:br>
+              <a:rPr lang="en-US" sz="2800" b="1" dirty="0" smtClean="0"/>
+            </a:br>
+            <a:r>
+              <a:rPr lang="en-US" sz="2800" b="1" dirty="0" smtClean="0"/>
+              <a:t>Miner</a:t>
+            </a:r>
+            <a:r>
+              <a:rPr lang="en-US" sz="2800" b="1" dirty="0" smtClean="0"/>
+              <a:t>+</a:t>
+            </a:r>
+            <a:endParaRPr lang="en-US" sz="2800" b="1" dirty="0"/>
+          </a:p>
+        </p:txBody>
+      </p:sp>
+    </p:spTree>
+  </p:cSld>
+  <p:clrMapOvr>
+    <a:masterClrMapping/>
+  </p:clrMapOvr>
+  <p:transition/>
+  <p:timing>
+    <p:tnLst>
+      <p:par>
+        <p:cTn id="1" dur="indefinite" restart="never" nodeType="tmRoot"/>
+      </p:par>
+    </p:tnLst>
+  </p:timing>
+</p:sld>
+</file>
+
+<file path=ppt/slides/slide7.xml><?xml version="1.0" encoding="utf-8"?>
+<p:sld xmlns:a="http://schemas.openxmlformats.org/drawingml/2006/main" xmlns:r="http://schemas.openxmlformats.org/officeDocument/2006/relationships" xmlns:p="http://schemas.openxmlformats.org/presentationml/2006/main">
+  <p:cSld>
+    <p:spTree>
+      <p:nvGrpSpPr>
+        <p:cNvPr id="1" name=""/>
+        <p:cNvGrpSpPr/>
+        <p:nvPr/>
+      </p:nvGrpSpPr>
+      <p:grpSpPr>
+        <a:xfrm>
+          <a:off x="0" y="0"/>
+          <a:ext cx="0" cy="0"/>
+          <a:chOff x="0" y="0"/>
+          <a:chExt cx="0" cy="0"/>
+        </a:xfrm>
+      </p:grpSpPr>
+      <p:sp>
+        <p:nvSpPr>
+          <p:cNvPr id="2" name="Titel 1"/>
+          <p:cNvSpPr>
+            <a:spLocks noGrp="1"/>
+          </p:cNvSpPr>
+          <p:nvPr>
+            <p:ph type="title"/>
+          </p:nvPr>
+        </p:nvSpPr>
         <p:spPr>
           <a:xfrm>
             <a:off x="457200" y="1905000"/>
@@ -4233,19 +10640,7 @@
           <a:p>
             <a:r>
               <a:rPr lang="en-US" dirty="0" smtClean="0"/>
-              <a:t>What </a:t>
-            </a:r>
-            <a:r>
-              <a:rPr lang="en-US" dirty="0" smtClean="0"/>
-              <a:t>we</a:t>
-            </a:r>
-            <a:r>
-              <a:rPr lang="en-US" dirty="0" smtClean="0"/>
-              <a:t> </a:t>
-            </a:r>
-            <a:r>
-              <a:rPr lang="en-US" dirty="0" smtClean="0"/>
-              <a:t>learned</a:t>
+              <a:t>To Do</a:t>
             </a:r>
             <a:endParaRPr lang="en-US" dirty="0"/>
           </a:p>
@@ -4269,7 +10664,7 @@
             <a:fld id="{94BAB08E-C97D-4120-AD51-349303B9E4E3}" type="slidenum">
               <a:rPr lang="en-US" smtClean="0"/>
               <a:pPr/>
-              <a:t>5</a:t>
+              <a:t>7</a:t>
             </a:fld>
             <a:endParaRPr lang="en-US" dirty="0"/>
           </a:p>
@@ -4306,8 +10701,8 @@
         </p:nvSpPr>
         <p:spPr>
           <a:xfrm>
-            <a:off x="4038040" y="3276600"/>
-            <a:ext cx="1067920" cy="523220"/>
+            <a:off x="4572000" y="4495800"/>
+            <a:ext cx="2858861" cy="584775"/>
           </a:xfrm>
           <a:prstGeom prst="rect">
             <a:avLst/>
@@ -4322,10 +10717,13 @@
           <a:p>
             <a:pPr algn="ctr"/>
             <a:r>
-              <a:rPr lang="en-US" sz="2800" dirty="0" err="1" smtClean="0"/>
-              <a:t>Blubb</a:t>
-            </a:r>
-            <a:endParaRPr lang="en-US" sz="2800" dirty="0" smtClean="0"/>
+              <a:rPr lang="en-US" sz="3200" dirty="0" err="1" smtClean="0"/>
+              <a:t>Infobox</a:t>
+            </a:r>
+            <a:r>
+              <a:rPr lang="en-US" sz="3200" dirty="0" smtClean="0"/>
+              <a:t>-Widget</a:t>
+            </a:r>
           </a:p>
         </p:txBody>
       </p:sp>
@@ -4349,6 +10747,104 @@
               <a:t>16. Juli 2014</a:t>
             </a:r>
             <a:endParaRPr lang="en-US" dirty="0"/>
+          </a:p>
+        </p:txBody>
+      </p:sp>
+      <p:sp>
+        <p:nvSpPr>
+          <p:cNvPr id="9" name="Textfeld 8"/>
+          <p:cNvSpPr txBox="1"/>
+          <p:nvPr/>
+        </p:nvSpPr>
+        <p:spPr>
+          <a:xfrm>
+            <a:off x="5867400" y="1752600"/>
+            <a:ext cx="3071418" cy="584775"/>
+          </a:xfrm>
+          <a:prstGeom prst="rect">
+            <a:avLst/>
+          </a:prstGeom>
+          <a:noFill/>
+        </p:spPr>
+        <p:txBody>
+          <a:bodyPr wrap="none" rtlCol="0">
+            <a:spAutoFit/>
+          </a:bodyPr>
+          <a:lstStyle/>
+          <a:p>
+            <a:r>
+              <a:rPr lang="en-US" sz="3200" dirty="0" smtClean="0"/>
+              <a:t>Map: Auto-Focus</a:t>
+            </a:r>
+            <a:endParaRPr lang="en-US" sz="3200" dirty="0"/>
+          </a:p>
+        </p:txBody>
+      </p:sp>
+      <p:sp>
+        <p:nvSpPr>
+          <p:cNvPr id="10" name="Textfeld 9"/>
+          <p:cNvSpPr txBox="1"/>
+          <p:nvPr/>
+        </p:nvSpPr>
+        <p:spPr>
+          <a:xfrm>
+            <a:off x="1828800" y="838200"/>
+            <a:ext cx="3155992" cy="584775"/>
+          </a:xfrm>
+          <a:prstGeom prst="rect">
+            <a:avLst/>
+          </a:prstGeom>
+          <a:noFill/>
+        </p:spPr>
+        <p:txBody>
+          <a:bodyPr wrap="none" rtlCol="0">
+            <a:spAutoFit/>
+          </a:bodyPr>
+          <a:lstStyle/>
+          <a:p>
+            <a:r>
+              <a:rPr lang="en-US" sz="3200" dirty="0" smtClean="0"/>
+              <a:t>GUI-</a:t>
+            </a:r>
+            <a:r>
+              <a:rPr lang="en-US" sz="3200" dirty="0" err="1" smtClean="0"/>
+              <a:t>Optimierung</a:t>
+            </a:r>
+            <a:endParaRPr lang="en-US" sz="3200" dirty="0"/>
+          </a:p>
+        </p:txBody>
+      </p:sp>
+      <p:sp>
+        <p:nvSpPr>
+          <p:cNvPr id="14" name="Textfeld 13"/>
+          <p:cNvSpPr txBox="1"/>
+          <p:nvPr/>
+        </p:nvSpPr>
+        <p:spPr>
+          <a:xfrm>
+            <a:off x="381000" y="3276600"/>
+            <a:ext cx="4455579" cy="584775"/>
+          </a:xfrm>
+          <a:prstGeom prst="rect">
+            <a:avLst/>
+          </a:prstGeom>
+          <a:noFill/>
+        </p:spPr>
+        <p:txBody>
+          <a:bodyPr wrap="none" rtlCol="0">
+            <a:spAutoFit/>
+          </a:bodyPr>
+          <a:lstStyle/>
+          <a:p>
+            <a:r>
+              <a:rPr lang="en-US" sz="3200" dirty="0" smtClean="0"/>
+              <a:t>Dossier: </a:t>
+            </a:r>
+            <a:r>
+              <a:rPr lang="en-US" sz="3200" dirty="0" err="1" smtClean="0"/>
+              <a:t>Titelgenerierung</a:t>
+            </a:r>
+            <a:endParaRPr lang="en-US" sz="3200" dirty="0"/>
           </a:p>
         </p:txBody>
       </p:sp>
@@ -4439,7 +10935,7 @@
 </p:sld>
 </file>
 
-<file path=ppt/slides/slide6.xml><?xml version="1.0" encoding="utf-8"?>
+<file path=ppt/slides/slide8.xml><?xml version="1.0" encoding="utf-8"?>
 <p:sld xmlns:a="http://schemas.openxmlformats.org/drawingml/2006/main" xmlns:r="http://schemas.openxmlformats.org/officeDocument/2006/relationships" xmlns:p="http://schemas.openxmlformats.org/presentationml/2006/main">
   <p:cSld>
     <p:spTree>
@@ -4497,7 +10993,7 @@
             <a:fld id="{94BAB08E-C97D-4120-AD51-349303B9E4E3}" type="slidenum">
               <a:rPr lang="en-US" smtClean="0"/>
               <a:pPr/>
-              <a:t>6</a:t>
+              <a:t>8</a:t>
             </a:fld>
             <a:endParaRPr lang="en-US" dirty="0"/>
           </a:p>
@@ -4555,6 +11051,189 @@
     <a:masterClrMapping/>
   </p:clrMapOvr>
   <p:transition spd="slow"/>
+  <p:timing>
+    <p:tnLst>
+      <p:par>
+        <p:cTn id="1" dur="indefinite" restart="never" nodeType="tmRoot"/>
+      </p:par>
+    </p:tnLst>
+  </p:timing>
+</p:sld>
+</file>
+
+<file path=ppt/slides/slide9.xml><?xml version="1.0" encoding="utf-8"?>
+<p:sld xmlns:a="http://schemas.openxmlformats.org/drawingml/2006/main" xmlns:r="http://schemas.openxmlformats.org/officeDocument/2006/relationships" xmlns:p="http://schemas.openxmlformats.org/presentationml/2006/main">
+  <p:cSld>
+    <p:spTree>
+      <p:nvGrpSpPr>
+        <p:cNvPr id="1" name=""/>
+        <p:cNvGrpSpPr/>
+        <p:nvPr/>
+      </p:nvGrpSpPr>
+      <p:grpSpPr>
+        <a:xfrm>
+          <a:off x="0" y="0"/>
+          <a:ext cx="0" cy="0"/>
+          <a:chOff x="0" y="0"/>
+          <a:chExt cx="0" cy="0"/>
+        </a:xfrm>
+      </p:grpSpPr>
+      <p:sp>
+        <p:nvSpPr>
+          <p:cNvPr id="2" name="Titel 1"/>
+          <p:cNvSpPr>
+            <a:spLocks noGrp="1"/>
+          </p:cNvSpPr>
+          <p:nvPr>
+            <p:ph type="title"/>
+          </p:nvPr>
+        </p:nvSpPr>
+        <p:spPr/>
+        <p:txBody>
+          <a:bodyPr/>
+          <a:lstStyle/>
+          <a:p>
+            <a:r>
+              <a:rPr lang="en-US" dirty="0" err="1" smtClean="0"/>
+              <a:t>Verfahren</a:t>
+            </a:r>
+            <a:endParaRPr lang="en-US" dirty="0"/>
+          </a:p>
+        </p:txBody>
+      </p:sp>
+      <p:sp>
+        <p:nvSpPr>
+          <p:cNvPr id="3" name="Inhaltsplatzhalter 2"/>
+          <p:cNvSpPr>
+            <a:spLocks noGrp="1"/>
+          </p:cNvSpPr>
+          <p:nvPr>
+            <p:ph idx="1"/>
+          </p:nvPr>
+        </p:nvSpPr>
+        <p:spPr/>
+        <p:txBody>
+          <a:bodyPr/>
+          <a:lstStyle/>
+          <a:p>
+            <a:r>
+              <a:rPr lang="en-US" dirty="0" err="1" smtClean="0"/>
+              <a:t>Clustern</a:t>
+            </a:r>
+            <a:r>
+              <a:rPr lang="en-US" dirty="0" smtClean="0"/>
+              <a:t> </a:t>
+            </a:r>
+            <a:endParaRPr lang="en-US" dirty="0" smtClean="0"/>
+          </a:p>
+          <a:p>
+            <a:pPr lvl="1"/>
+            <a:r>
+              <a:rPr lang="en-US" dirty="0" err="1" smtClean="0"/>
+              <a:t>Hierarisch</a:t>
+            </a:r>
+            <a:r>
+              <a:rPr lang="en-US" dirty="0" smtClean="0"/>
+              <a:t> (VSM)</a:t>
+            </a:r>
+          </a:p>
+          <a:p>
+            <a:pPr lvl="1"/>
+            <a:r>
+              <a:rPr lang="en-US" dirty="0" err="1" smtClean="0"/>
+              <a:t>Agglomerativ</a:t>
+            </a:r>
+            <a:r>
+              <a:rPr lang="en-US" dirty="0" smtClean="0"/>
+              <a:t> </a:t>
+            </a:r>
+          </a:p>
+          <a:p>
+            <a:pPr lvl="1"/>
+            <a:r>
+              <a:rPr lang="en-US" dirty="0" err="1" smtClean="0"/>
+              <a:t>Distanzfunktion</a:t>
+            </a:r>
+            <a:endParaRPr lang="en-US" dirty="0" smtClean="0"/>
+          </a:p>
+        </p:txBody>
+      </p:sp>
+      <p:sp>
+        <p:nvSpPr>
+          <p:cNvPr id="4" name="Datumsplatzhalter 3"/>
+          <p:cNvSpPr>
+            <a:spLocks noGrp="1"/>
+          </p:cNvSpPr>
+          <p:nvPr>
+            <p:ph type="dt" sz="half" idx="10"/>
+          </p:nvPr>
+        </p:nvSpPr>
+        <p:spPr/>
+        <p:txBody>
+          <a:bodyPr/>
+          <a:lstStyle/>
+          <a:p>
+            <a:r>
+              <a:rPr lang="en-US" smtClean="0"/>
+              <a:t>16. Juli 2014</a:t>
+            </a:r>
+            <a:endParaRPr lang="en-US"/>
+          </a:p>
+        </p:txBody>
+      </p:sp>
+      <p:sp>
+        <p:nvSpPr>
+          <p:cNvPr id="5" name="Fußzeilenplatzhalter 4"/>
+          <p:cNvSpPr>
+            <a:spLocks noGrp="1"/>
+          </p:cNvSpPr>
+          <p:nvPr>
+            <p:ph type="ftr" sz="quarter" idx="11"/>
+          </p:nvPr>
+        </p:nvSpPr>
+        <p:spPr/>
+        <p:txBody>
+          <a:bodyPr/>
+          <a:lstStyle/>
+          <a:p>
+            <a:r>
+              <a:rPr lang="de-DE" smtClean="0"/>
+              <a:t>NM+ - Zwischenpräsentation | RF, TG, SM</a:t>
+            </a:r>
+            <a:endParaRPr lang="en-US"/>
+          </a:p>
+        </p:txBody>
+      </p:sp>
+      <p:sp>
+        <p:nvSpPr>
+          <p:cNvPr id="6" name="Foliennummernplatzhalter 5"/>
+          <p:cNvSpPr>
+            <a:spLocks noGrp="1"/>
+          </p:cNvSpPr>
+          <p:nvPr>
+            <p:ph type="sldNum" sz="quarter" idx="12"/>
+          </p:nvPr>
+        </p:nvSpPr>
+        <p:spPr/>
+        <p:txBody>
+          <a:bodyPr/>
+          <a:lstStyle/>
+          <a:p>
+            <a:fld id="{94BAB08E-C97D-4120-AD51-349303B9E4E3}" type="slidenum">
+              <a:rPr lang="en-US" smtClean="0"/>
+              <a:pPr/>
+              <a:t>9</a:t>
+            </a:fld>
+            <a:endParaRPr lang="en-US"/>
+          </a:p>
+        </p:txBody>
+      </p:sp>
+    </p:spTree>
+  </p:cSld>
+  <p:clrMapOvr>
+    <a:masterClrMapping/>
+  </p:clrMapOvr>
+  <p:transition/>
   <p:timing>
     <p:tnLst>
       <p:par>

--- a/Presentation/newsminer_plus.pptx
+++ b/Presentation/newsminer_plus.pptx
@@ -9386,25 +9386,47 @@
               </a:r>
             </a:p>
             <a:p>
+              <a:pPr>
+                <a:buFontTx/>
+                <a:buChar char="-"/>
+              </a:pPr>
               <a:r>
                 <a:rPr lang="en-US" sz="2400" dirty="0" smtClean="0"/>
-                <a:t>- RSS Crawler</a:t>
+                <a:t> </a:t>
+              </a:r>
+              <a:r>
+                <a:rPr lang="en-US" dirty="0" smtClean="0"/>
+                <a:t>RSS Crawler</a:t>
               </a:r>
               <a:br>
-                <a:rPr lang="en-US" sz="2400" dirty="0" smtClean="0"/>
+                <a:rPr lang="en-US" dirty="0" smtClean="0"/>
               </a:br>
               <a:r>
-                <a:rPr lang="en-US" sz="2400" dirty="0" smtClean="0"/>
+                <a:rPr lang="en-US" dirty="0" smtClean="0"/>
                 <a:t>- Clustering</a:t>
               </a:r>
+            </a:p>
+            <a:p>
+              <a:pPr>
+                <a:buFontTx/>
+                <a:buChar char="-"/>
+              </a:pPr>
+              <a:r>
+                <a:rPr lang="en-US" smtClean="0"/>
+                <a:t> NER (</a:t>
+              </a:r>
+              <a:r>
+                <a:rPr lang="en-US" dirty="0" smtClean="0"/>
+                <a:t>Stanford NER)</a:t>
+              </a:r>
               <a:br>
-                <a:rPr lang="en-US" sz="2400" dirty="0" smtClean="0"/>
+                <a:rPr lang="en-US" dirty="0" smtClean="0"/>
               </a:br>
               <a:r>
-                <a:rPr lang="en-US" sz="2400" dirty="0" smtClean="0"/>
+                <a:rPr lang="en-US" dirty="0" smtClean="0"/>
                 <a:t>- Background Extraction </a:t>
               </a:r>
-              <a:endParaRPr lang="en-US" sz="2400" dirty="0"/>
+              <a:endParaRPr lang="en-US" dirty="0"/>
             </a:p>
           </p:txBody>
         </p:sp>

--- a/Presentation/newsminer_plus.pptx
+++ b/Presentation/newsminer_plus.pptx
@@ -9377,11 +9377,11 @@
             <a:p>
               <a:pPr algn="ctr"/>
               <a:r>
-                <a:rPr lang="en-US" sz="2400" b="1" dirty="0" err="1" smtClean="0"/>
+                <a:rPr lang="en-US" sz="2400" dirty="0" err="1" smtClean="0"/>
                 <a:t>NewsMiner</a:t>
               </a:r>
               <a:r>
-                <a:rPr lang="en-US" sz="2400" b="1" dirty="0" smtClean="0"/>
+                <a:rPr lang="en-US" sz="2400" dirty="0" smtClean="0"/>
                 <a:t>+ (Java &amp; Python) </a:t>
               </a:r>
             </a:p>
@@ -9412,12 +9412,8 @@
                 <a:buChar char="-"/>
               </a:pPr>
               <a:r>
-                <a:rPr lang="en-US" smtClean="0"/>
-                <a:t> NER (</a:t>
-              </a:r>
-              <a:r>
                 <a:rPr lang="en-US" dirty="0" smtClean="0"/>
-                <a:t>Stanford NER)</a:t>
+                <a:t> NER (Stanford NER)</a:t>
               </a:r>
               <a:br>
                 <a:rPr lang="en-US" dirty="0" smtClean="0"/>
